--- a/דוח.pptx
+++ b/דוח.pptx
@@ -5,7 +5,7 @@
     <p:sldMasterId id="2147483677" r:id="rId1"/>
   </p:sldMasterIdLst>
   <p:notesMasterIdLst>
-    <p:notesMasterId r:id="rId51"/>
+    <p:notesMasterId r:id="rId54"/>
   </p:notesMasterIdLst>
   <p:sldIdLst>
     <p:sldId id="256" r:id="rId2"/>
@@ -30,33 +30,36 @@
     <p:sldId id="288" r:id="rId21"/>
     <p:sldId id="289" r:id="rId22"/>
     <p:sldId id="290" r:id="rId23"/>
-    <p:sldId id="280" r:id="rId24"/>
-    <p:sldId id="291" r:id="rId25"/>
-    <p:sldId id="292" r:id="rId26"/>
-    <p:sldId id="293" r:id="rId27"/>
-    <p:sldId id="294" r:id="rId28"/>
-    <p:sldId id="295" r:id="rId29"/>
-    <p:sldId id="296" r:id="rId30"/>
-    <p:sldId id="297" r:id="rId31"/>
-    <p:sldId id="298" r:id="rId32"/>
-    <p:sldId id="299" r:id="rId33"/>
-    <p:sldId id="300" r:id="rId34"/>
-    <p:sldId id="301" r:id="rId35"/>
-    <p:sldId id="302" r:id="rId36"/>
-    <p:sldId id="303" r:id="rId37"/>
-    <p:sldId id="304" r:id="rId38"/>
-    <p:sldId id="305" r:id="rId39"/>
-    <p:sldId id="306" r:id="rId40"/>
-    <p:sldId id="282" r:id="rId41"/>
-    <p:sldId id="308" r:id="rId42"/>
-    <p:sldId id="309" r:id="rId43"/>
-    <p:sldId id="310" r:id="rId44"/>
-    <p:sldId id="311" r:id="rId45"/>
-    <p:sldId id="284" r:id="rId46"/>
-    <p:sldId id="312" r:id="rId47"/>
-    <p:sldId id="283" r:id="rId48"/>
-    <p:sldId id="313" r:id="rId49"/>
-    <p:sldId id="307" r:id="rId50"/>
+    <p:sldId id="314" r:id="rId24"/>
+    <p:sldId id="316" r:id="rId25"/>
+    <p:sldId id="317" r:id="rId26"/>
+    <p:sldId id="318" r:id="rId27"/>
+    <p:sldId id="280" r:id="rId28"/>
+    <p:sldId id="291" r:id="rId29"/>
+    <p:sldId id="292" r:id="rId30"/>
+    <p:sldId id="293" r:id="rId31"/>
+    <p:sldId id="294" r:id="rId32"/>
+    <p:sldId id="295" r:id="rId33"/>
+    <p:sldId id="296" r:id="rId34"/>
+    <p:sldId id="297" r:id="rId35"/>
+    <p:sldId id="298" r:id="rId36"/>
+    <p:sldId id="299" r:id="rId37"/>
+    <p:sldId id="300" r:id="rId38"/>
+    <p:sldId id="301" r:id="rId39"/>
+    <p:sldId id="302" r:id="rId40"/>
+    <p:sldId id="303" r:id="rId41"/>
+    <p:sldId id="304" r:id="rId42"/>
+    <p:sldId id="305" r:id="rId43"/>
+    <p:sldId id="282" r:id="rId44"/>
+    <p:sldId id="308" r:id="rId45"/>
+    <p:sldId id="309" r:id="rId46"/>
+    <p:sldId id="310" r:id="rId47"/>
+    <p:sldId id="311" r:id="rId48"/>
+    <p:sldId id="284" r:id="rId49"/>
+    <p:sldId id="312" r:id="rId50"/>
+    <p:sldId id="283" r:id="rId51"/>
+    <p:sldId id="313" r:id="rId52"/>
+    <p:sldId id="307" r:id="rId53"/>
   </p:sldIdLst>
   <p:sldSz cx="12192000" cy="6858000"/>
   <p:notesSz cx="6858000" cy="9144000"/>
@@ -245,7 +248,7 @@
           <a:p>
             <a:fld id="{2DEA8680-7476-4086-A959-4F735E12FD63}" type="datetimeFigureOut">
               <a:rPr lang="he-IL" smtClean="0"/>
-              <a:t>י'/סיון/תשפ"ד</a:t>
+              <a:t>י"ח/סיון/תשפ"ד</a:t>
             </a:fld>
             <a:endParaRPr lang="he-IL"/>
           </a:p>
@@ -701,7 +704,7 @@
           <a:p>
             <a:fld id="{9500D8E4-511F-4579-96DC-10047AB7C0D6}" type="datetime8">
               <a:rPr lang="he-IL" smtClean="0"/>
-              <a:t>16 יוני 24</a:t>
+              <a:t>24 יוני 24</a:t>
             </a:fld>
             <a:endParaRPr lang="he-IL"/>
           </a:p>
@@ -1039,7 +1042,7 @@
           <a:p>
             <a:fld id="{558914CC-00F2-4800-BF9D-007AACDF75D6}" type="datetime8">
               <a:rPr lang="he-IL" smtClean="0"/>
-              <a:t>16 יוני 24</a:t>
+              <a:t>24 יוני 24</a:t>
             </a:fld>
             <a:endParaRPr lang="he-IL"/>
           </a:p>
@@ -1440,7 +1443,7 @@
           <a:p>
             <a:fld id="{69BF0039-8568-41AD-B43D-49F35EB6C30A}" type="datetime8">
               <a:rPr lang="he-IL" smtClean="0"/>
-              <a:t>16 יוני 24</a:t>
+              <a:t>24 יוני 24</a:t>
             </a:fld>
             <a:endParaRPr lang="he-IL"/>
           </a:p>
@@ -1776,7 +1779,7 @@
           <a:p>
             <a:fld id="{41491972-728C-4A7D-BB44-213C0B354F53}" type="datetime8">
               <a:rPr lang="he-IL" smtClean="0"/>
-              <a:t>16 יוני 24</a:t>
+              <a:t>24 יוני 24</a:t>
             </a:fld>
             <a:endParaRPr lang="he-IL"/>
           </a:p>
@@ -2096,7 +2099,7 @@
           <a:p>
             <a:fld id="{2A811B70-189B-4E34-AAD7-C30E5FBE97A0}" type="datetime8">
               <a:rPr lang="he-IL" smtClean="0"/>
-              <a:t>16 יוני 24</a:t>
+              <a:t>24 יוני 24</a:t>
             </a:fld>
             <a:endParaRPr lang="he-IL"/>
           </a:p>
@@ -2492,7 +2495,7 @@
           <a:p>
             <a:fld id="{66EC989E-5DC8-47F3-B1A4-96B5993578C6}" type="datetime8">
               <a:rPr lang="he-IL" smtClean="0"/>
-              <a:t>16 יוני 24</a:t>
+              <a:t>24 יוני 24</a:t>
             </a:fld>
             <a:endParaRPr lang="he-IL"/>
           </a:p>
@@ -2749,7 +2752,7 @@
           <a:p>
             <a:fld id="{4712CDCF-47DF-4E97-81A7-FE2D2F294A13}" type="datetime8">
               <a:rPr lang="he-IL" smtClean="0"/>
-              <a:t>16 יוני 24</a:t>
+              <a:t>24 יוני 24</a:t>
             </a:fld>
             <a:endParaRPr lang="he-IL"/>
           </a:p>
@@ -3011,7 +3014,7 @@
           <a:p>
             <a:fld id="{FA3041A9-0E58-473F-9C58-2F8103802D04}" type="datetime8">
               <a:rPr lang="he-IL" smtClean="0"/>
-              <a:t>16 יוני 24</a:t>
+              <a:t>24 יוני 24</a:t>
             </a:fld>
             <a:endParaRPr lang="he-IL"/>
           </a:p>
@@ -3273,7 +3276,7 @@
           <a:p>
             <a:fld id="{31EDA41F-6FB3-4D55-977F-843350ACD9AA}" type="datetime8">
               <a:rPr lang="he-IL" smtClean="0"/>
-              <a:t>16 יוני 24</a:t>
+              <a:t>24 יוני 24</a:t>
             </a:fld>
             <a:endParaRPr lang="he-IL"/>
           </a:p>
@@ -3602,7 +3605,7 @@
           <a:p>
             <a:fld id="{F3FA36A3-C30F-4CFF-8F2B-B382355DB69E}" type="datetime8">
               <a:rPr lang="he-IL" smtClean="0"/>
-              <a:t>16 יוני 24</a:t>
+              <a:t>24 יוני 24</a:t>
             </a:fld>
             <a:endParaRPr lang="he-IL"/>
           </a:p>
@@ -3925,7 +3928,7 @@
           <a:p>
             <a:fld id="{CE1150C0-A7AD-4D7A-9595-58F9AF97BA88}" type="datetime8">
               <a:rPr lang="he-IL" smtClean="0"/>
-              <a:t>16 יוני 24</a:t>
+              <a:t>24 יוני 24</a:t>
             </a:fld>
             <a:endParaRPr lang="he-IL"/>
           </a:p>
@@ -4382,7 +4385,7 @@
           <a:p>
             <a:fld id="{9A46DF29-3A88-4859-AC27-94C351102B7A}" type="datetime8">
               <a:rPr lang="he-IL" smtClean="0"/>
-              <a:t>16 יוני 24</a:t>
+              <a:t>24 יוני 24</a:t>
             </a:fld>
             <a:endParaRPr lang="he-IL"/>
           </a:p>
@@ -4587,7 +4590,7 @@
           <a:p>
             <a:fld id="{FECD88E1-8377-49D9-BCF0-A3A20B8DA99B}" type="datetime8">
               <a:rPr lang="he-IL" smtClean="0"/>
-              <a:t>16 יוני 24</a:t>
+              <a:t>24 יוני 24</a:t>
             </a:fld>
             <a:endParaRPr lang="he-IL"/>
           </a:p>
@@ -4764,7 +4767,7 @@
           <a:p>
             <a:fld id="{A92D1C51-9795-42B7-8B82-DA1460A453EB}" type="datetime8">
               <a:rPr lang="he-IL" smtClean="0"/>
-              <a:t>16 יוני 24</a:t>
+              <a:t>24 יוני 24</a:t>
             </a:fld>
             <a:endParaRPr lang="he-IL"/>
           </a:p>
@@ -5097,7 +5100,7 @@
           <a:p>
             <a:fld id="{7A7BE2E7-3717-44B0-BB2F-68ABF3BB61A4}" type="datetime8">
               <a:rPr lang="he-IL" smtClean="0"/>
-              <a:t>16 יוני 24</a:t>
+              <a:t>24 יוני 24</a:t>
             </a:fld>
             <a:endParaRPr lang="he-IL"/>
           </a:p>
@@ -5442,7 +5445,7 @@
           <a:p>
             <a:fld id="{B60D8728-5714-4FE5-92DA-F994AD6451D9}" type="datetime8">
               <a:rPr lang="he-IL" smtClean="0"/>
-              <a:t>16 יוני 24</a:t>
+              <a:t>24 יוני 24</a:t>
             </a:fld>
             <a:endParaRPr lang="he-IL"/>
           </a:p>
@@ -7559,7 +7562,7 @@
           <a:p>
             <a:fld id="{D4800A51-FFE9-4672-8094-A03C707AE32D}" type="datetime8">
               <a:rPr lang="he-IL" smtClean="0"/>
-              <a:t>16 יוני 24</a:t>
+              <a:t>24 יוני 24</a:t>
             </a:fld>
             <a:endParaRPr lang="he-IL"/>
           </a:p>
@@ -19655,7 +19658,6 @@
               <a:rPr lang="he-IL" dirty="0" smtClean="0"/>
               <a:t> תוצאותיו</a:t>
             </a:r>
-            <a:endParaRPr lang="he-IL" dirty="0" smtClean="0"/>
           </a:p>
           <a:p>
             <a:r>
@@ -20136,6 +20138,1372 @@
       </p:grpSpPr>
       <p:sp>
         <p:nvSpPr>
+          <p:cNvPr id="2" name="כותרת 1"/>
+          <p:cNvSpPr>
+            <a:spLocks noGrp="1"/>
+          </p:cNvSpPr>
+          <p:nvPr>
+            <p:ph type="title"/>
+          </p:nvPr>
+        </p:nvSpPr>
+        <p:spPr/>
+        <p:txBody>
+          <a:bodyPr/>
+          <a:lstStyle/>
+          <a:p>
+            <a:pPr algn="r"/>
+            <a:r>
+              <a:rPr lang="he-IL" dirty="0" smtClean="0"/>
+              <a:t>יבוא מקובץ טקסט</a:t>
+            </a:r>
+            <a:endParaRPr lang="he-IL" dirty="0"/>
+          </a:p>
+        </p:txBody>
+      </p:sp>
+      <p:sp>
+        <p:nvSpPr>
+          <p:cNvPr id="3" name="מציין מיקום של מספר שקופית 2"/>
+          <p:cNvSpPr>
+            <a:spLocks noGrp="1"/>
+          </p:cNvSpPr>
+          <p:nvPr>
+            <p:ph type="sldNum" sz="quarter" idx="12"/>
+          </p:nvPr>
+        </p:nvSpPr>
+        <p:spPr/>
+        <p:txBody>
+          <a:bodyPr/>
+          <a:lstStyle/>
+          <a:p>
+            <a:fld id="{DDF79876-6C45-4580-869E-5BF3948A02FD}" type="slidenum">
+              <a:rPr lang="he-IL" smtClean="0"/>
+              <a:t>23</a:t>
+            </a:fld>
+            <a:endParaRPr lang="he-IL"/>
+          </a:p>
+        </p:txBody>
+      </p:sp>
+      <p:pic>
+        <p:nvPicPr>
+          <p:cNvPr id="6" name="תמונה 5"/>
+          <p:cNvPicPr>
+            <a:picLocks noChangeAspect="1"/>
+          </p:cNvPicPr>
+          <p:nvPr/>
+        </p:nvPicPr>
+        <p:blipFill>
+          <a:blip r:embed="rId2"/>
+          <a:stretch>
+            <a:fillRect/>
+          </a:stretch>
+        </p:blipFill>
+        <p:spPr>
+          <a:xfrm>
+            <a:off x="2038618" y="2947223"/>
+            <a:ext cx="4475162" cy="3666125"/>
+          </a:xfrm>
+          <a:prstGeom prst="rect">
+            <a:avLst/>
+          </a:prstGeom>
+        </p:spPr>
+      </p:pic>
+      <p:pic>
+        <p:nvPicPr>
+          <p:cNvPr id="9" name="תמונה 8"/>
+          <p:cNvPicPr>
+            <a:picLocks noChangeAspect="1"/>
+          </p:cNvPicPr>
+          <p:nvPr/>
+        </p:nvPicPr>
+        <p:blipFill>
+          <a:blip r:embed="rId3"/>
+          <a:stretch>
+            <a:fillRect/>
+          </a:stretch>
+        </p:blipFill>
+        <p:spPr>
+          <a:xfrm>
+            <a:off x="7003759" y="4025000"/>
+            <a:ext cx="4475162" cy="1259274"/>
+          </a:xfrm>
+          <a:prstGeom prst="rect">
+            <a:avLst/>
+          </a:prstGeom>
+        </p:spPr>
+      </p:pic>
+      <p:pic>
+        <p:nvPicPr>
+          <p:cNvPr id="11" name="תמונה 10"/>
+          <p:cNvPicPr>
+            <a:picLocks noChangeAspect="1"/>
+          </p:cNvPicPr>
+          <p:nvPr/>
+        </p:nvPicPr>
+        <p:blipFill>
+          <a:blip r:embed="rId4"/>
+          <a:stretch>
+            <a:fillRect/>
+          </a:stretch>
+        </p:blipFill>
+        <p:spPr>
+          <a:xfrm>
+            <a:off x="2038618" y="1621147"/>
+            <a:ext cx="8176266" cy="1036328"/>
+          </a:xfrm>
+          <a:prstGeom prst="rect">
+            <a:avLst/>
+          </a:prstGeom>
+        </p:spPr>
+      </p:pic>
+      <p:sp>
+        <p:nvSpPr>
+          <p:cNvPr id="12" name="כותרת 1"/>
+          <p:cNvSpPr txBox="1">
+            <a:spLocks/>
+          </p:cNvSpPr>
+          <p:nvPr/>
+        </p:nvSpPr>
+        <p:spPr>
+          <a:xfrm>
+            <a:off x="9956510" y="1621147"/>
+            <a:ext cx="1522411" cy="762112"/>
+          </a:xfrm>
+          <a:prstGeom prst="rect">
+            <a:avLst/>
+          </a:prstGeom>
+        </p:spPr>
+        <p:txBody>
+          <a:bodyPr vert="horz" lIns="91440" tIns="45720" rIns="91440" bIns="45720" rtlCol="0" anchor="t">
+            <a:noAutofit/>
+          </a:bodyPr>
+          <a:lstStyle>
+            <a:lvl1pPr algn="l" defTabSz="457200" rtl="1" eaLnBrk="1" latinLnBrk="0" hangingPunct="1">
+              <a:spcBef>
+                <a:spcPct val="0"/>
+              </a:spcBef>
+              <a:buNone/>
+              <a:defRPr sz="3600" kern="1200">
+                <a:solidFill>
+                  <a:schemeClr val="accent2">
+                    <a:lumMod val="75000"/>
+                  </a:schemeClr>
+                </a:solidFill>
+                <a:latin typeface="+mj-lt"/>
+                <a:ea typeface="+mj-ea"/>
+                <a:cs typeface="+mj-cs"/>
+              </a:defRPr>
+            </a:lvl1pPr>
+            <a:lvl2pPr rtl="1" eaLnBrk="1" hangingPunct="1">
+              <a:defRPr>
+                <a:solidFill>
+                  <a:schemeClr val="tx2"/>
+                </a:solidFill>
+              </a:defRPr>
+            </a:lvl2pPr>
+            <a:lvl3pPr rtl="1" eaLnBrk="1" hangingPunct="1">
+              <a:defRPr>
+                <a:solidFill>
+                  <a:schemeClr val="tx2"/>
+                </a:solidFill>
+              </a:defRPr>
+            </a:lvl3pPr>
+            <a:lvl4pPr rtl="1" eaLnBrk="1" hangingPunct="1">
+              <a:defRPr>
+                <a:solidFill>
+                  <a:schemeClr val="tx2"/>
+                </a:solidFill>
+              </a:defRPr>
+            </a:lvl4pPr>
+            <a:lvl5pPr rtl="1" eaLnBrk="1" hangingPunct="1">
+              <a:defRPr>
+                <a:solidFill>
+                  <a:schemeClr val="tx2"/>
+                </a:solidFill>
+              </a:defRPr>
+            </a:lvl5pPr>
+            <a:lvl6pPr rtl="1" eaLnBrk="1" hangingPunct="1">
+              <a:defRPr>
+                <a:solidFill>
+                  <a:schemeClr val="tx2"/>
+                </a:solidFill>
+              </a:defRPr>
+            </a:lvl6pPr>
+            <a:lvl7pPr rtl="1" eaLnBrk="1" hangingPunct="1">
+              <a:defRPr>
+                <a:solidFill>
+                  <a:schemeClr val="tx2"/>
+                </a:solidFill>
+              </a:defRPr>
+            </a:lvl7pPr>
+            <a:lvl8pPr rtl="1" eaLnBrk="1" hangingPunct="1">
+              <a:defRPr>
+                <a:solidFill>
+                  <a:schemeClr val="tx2"/>
+                </a:solidFill>
+              </a:defRPr>
+            </a:lvl8pPr>
+            <a:lvl9pPr rtl="1" eaLnBrk="1" hangingPunct="1">
+              <a:defRPr>
+                <a:solidFill>
+                  <a:schemeClr val="tx2"/>
+                </a:solidFill>
+              </a:defRPr>
+            </a:lvl9pPr>
+          </a:lstStyle>
+          <a:p>
+            <a:pPr algn="r"/>
+            <a:r>
+              <a:rPr lang="he-IL" sz="2800" dirty="0" smtClean="0"/>
+              <a:t>הקובץ:</a:t>
+            </a:r>
+            <a:endParaRPr lang="he-IL" sz="2800" dirty="0"/>
+          </a:p>
+        </p:txBody>
+      </p:sp>
+      <p:sp>
+        <p:nvSpPr>
+          <p:cNvPr id="13" name="כותרת 1"/>
+          <p:cNvSpPr txBox="1">
+            <a:spLocks/>
+          </p:cNvSpPr>
+          <p:nvPr/>
+        </p:nvSpPr>
+        <p:spPr>
+          <a:xfrm>
+            <a:off x="9956509" y="2891469"/>
+            <a:ext cx="1522411" cy="762112"/>
+          </a:xfrm>
+          <a:prstGeom prst="rect">
+            <a:avLst/>
+          </a:prstGeom>
+        </p:spPr>
+        <p:txBody>
+          <a:bodyPr vert="horz" lIns="91440" tIns="45720" rIns="91440" bIns="45720" rtlCol="0" anchor="t">
+            <a:noAutofit/>
+          </a:bodyPr>
+          <a:lstStyle>
+            <a:lvl1pPr algn="l" defTabSz="457200" rtl="1" eaLnBrk="1" latinLnBrk="0" hangingPunct="1">
+              <a:spcBef>
+                <a:spcPct val="0"/>
+              </a:spcBef>
+              <a:buNone/>
+              <a:defRPr sz="3600" kern="1200">
+                <a:solidFill>
+                  <a:schemeClr val="accent2">
+                    <a:lumMod val="75000"/>
+                  </a:schemeClr>
+                </a:solidFill>
+                <a:latin typeface="+mj-lt"/>
+                <a:ea typeface="+mj-ea"/>
+                <a:cs typeface="+mj-cs"/>
+              </a:defRPr>
+            </a:lvl1pPr>
+            <a:lvl2pPr rtl="1" eaLnBrk="1" hangingPunct="1">
+              <a:defRPr>
+                <a:solidFill>
+                  <a:schemeClr val="tx2"/>
+                </a:solidFill>
+              </a:defRPr>
+            </a:lvl2pPr>
+            <a:lvl3pPr rtl="1" eaLnBrk="1" hangingPunct="1">
+              <a:defRPr>
+                <a:solidFill>
+                  <a:schemeClr val="tx2"/>
+                </a:solidFill>
+              </a:defRPr>
+            </a:lvl3pPr>
+            <a:lvl4pPr rtl="1" eaLnBrk="1" hangingPunct="1">
+              <a:defRPr>
+                <a:solidFill>
+                  <a:schemeClr val="tx2"/>
+                </a:solidFill>
+              </a:defRPr>
+            </a:lvl4pPr>
+            <a:lvl5pPr rtl="1" eaLnBrk="1" hangingPunct="1">
+              <a:defRPr>
+                <a:solidFill>
+                  <a:schemeClr val="tx2"/>
+                </a:solidFill>
+              </a:defRPr>
+            </a:lvl5pPr>
+            <a:lvl6pPr rtl="1" eaLnBrk="1" hangingPunct="1">
+              <a:defRPr>
+                <a:solidFill>
+                  <a:schemeClr val="tx2"/>
+                </a:solidFill>
+              </a:defRPr>
+            </a:lvl6pPr>
+            <a:lvl7pPr rtl="1" eaLnBrk="1" hangingPunct="1">
+              <a:defRPr>
+                <a:solidFill>
+                  <a:schemeClr val="tx2"/>
+                </a:solidFill>
+              </a:defRPr>
+            </a:lvl7pPr>
+            <a:lvl8pPr rtl="1" eaLnBrk="1" hangingPunct="1">
+              <a:defRPr>
+                <a:solidFill>
+                  <a:schemeClr val="tx2"/>
+                </a:solidFill>
+              </a:defRPr>
+            </a:lvl8pPr>
+            <a:lvl9pPr rtl="1" eaLnBrk="1" hangingPunct="1">
+              <a:defRPr>
+                <a:solidFill>
+                  <a:schemeClr val="tx2"/>
+                </a:solidFill>
+              </a:defRPr>
+            </a:lvl9pPr>
+          </a:lstStyle>
+          <a:p>
+            <a:pPr algn="r"/>
+            <a:r>
+              <a:rPr lang="he-IL" sz="2800" dirty="0" smtClean="0"/>
+              <a:t>לפני:</a:t>
+            </a:r>
+            <a:endParaRPr lang="he-IL" sz="2800" dirty="0"/>
+          </a:p>
+        </p:txBody>
+      </p:sp>
+      <p:sp>
+        <p:nvSpPr>
+          <p:cNvPr id="14" name="מלבן 13"/>
+          <p:cNvSpPr/>
+          <p:nvPr/>
+        </p:nvSpPr>
+        <p:spPr>
+          <a:xfrm>
+            <a:off x="8965115" y="5095875"/>
+            <a:ext cx="552450" cy="159824"/>
+          </a:xfrm>
+          <a:prstGeom prst="rect">
+            <a:avLst/>
+          </a:prstGeom>
+          <a:solidFill>
+            <a:schemeClr val="accent5">
+              <a:alpha val="50000"/>
+            </a:schemeClr>
+          </a:solidFill>
+          <a:ln>
+            <a:noFill/>
+          </a:ln>
+        </p:spPr>
+        <p:style>
+          <a:lnRef idx="0">
+            <a:scrgbClr r="0" g="0" b="0"/>
+          </a:lnRef>
+          <a:fillRef idx="0">
+            <a:scrgbClr r="0" g="0" b="0"/>
+          </a:fillRef>
+          <a:effectRef idx="0">
+            <a:scrgbClr r="0" g="0" b="0"/>
+          </a:effectRef>
+          <a:fontRef idx="minor">
+            <a:schemeClr val="lt1"/>
+          </a:fontRef>
+        </p:style>
+        <p:txBody>
+          <a:bodyPr rtlCol="1" anchor="ctr"/>
+          <a:lstStyle/>
+          <a:p>
+            <a:pPr algn="ctr"/>
+            <a:endParaRPr lang="he-IL"/>
+          </a:p>
+        </p:txBody>
+      </p:sp>
+    </p:spTree>
+    <p:extLst>
+      <p:ext uri="{BB962C8B-B14F-4D97-AF65-F5344CB8AC3E}">
+        <p14:creationId xmlns:p14="http://schemas.microsoft.com/office/powerpoint/2010/main" val="3642871622"/>
+      </p:ext>
+    </p:extLst>
+  </p:cSld>
+  <p:clrMapOvr>
+    <a:masterClrMapping/>
+  </p:clrMapOvr>
+</p:sld>
+</file>
+
+<file path=ppt/slides/slide24.xml><?xml version="1.0" encoding="utf-8"?>
+<p:sld xmlns:a="http://schemas.openxmlformats.org/drawingml/2006/main" xmlns:r="http://schemas.openxmlformats.org/officeDocument/2006/relationships" xmlns:p="http://schemas.openxmlformats.org/presentationml/2006/main">
+  <p:cSld>
+    <p:spTree>
+      <p:nvGrpSpPr>
+        <p:cNvPr id="1" name=""/>
+        <p:cNvGrpSpPr/>
+        <p:nvPr/>
+      </p:nvGrpSpPr>
+      <p:grpSpPr>
+        <a:xfrm>
+          <a:off x="0" y="0"/>
+          <a:ext cx="0" cy="0"/>
+          <a:chOff x="0" y="0"/>
+          <a:chExt cx="0" cy="0"/>
+        </a:xfrm>
+      </p:grpSpPr>
+      <p:sp>
+        <p:nvSpPr>
+          <p:cNvPr id="2" name="כותרת 1"/>
+          <p:cNvSpPr>
+            <a:spLocks noGrp="1"/>
+          </p:cNvSpPr>
+          <p:nvPr>
+            <p:ph type="title"/>
+          </p:nvPr>
+        </p:nvSpPr>
+        <p:spPr/>
+        <p:txBody>
+          <a:bodyPr/>
+          <a:lstStyle/>
+          <a:p>
+            <a:pPr algn="r"/>
+            <a:r>
+              <a:rPr lang="he-IL" dirty="0" smtClean="0"/>
+              <a:t>יבוא מקובץ טקסט</a:t>
+            </a:r>
+            <a:endParaRPr lang="he-IL" dirty="0"/>
+          </a:p>
+        </p:txBody>
+      </p:sp>
+      <p:sp>
+        <p:nvSpPr>
+          <p:cNvPr id="3" name="מציין מיקום של מספר שקופית 2"/>
+          <p:cNvSpPr>
+            <a:spLocks noGrp="1"/>
+          </p:cNvSpPr>
+          <p:nvPr>
+            <p:ph type="sldNum" sz="quarter" idx="12"/>
+          </p:nvPr>
+        </p:nvSpPr>
+        <p:spPr/>
+        <p:txBody>
+          <a:bodyPr/>
+          <a:lstStyle/>
+          <a:p>
+            <a:fld id="{DDF79876-6C45-4580-869E-5BF3948A02FD}" type="slidenum">
+              <a:rPr lang="he-IL" smtClean="0"/>
+              <a:t>24</a:t>
+            </a:fld>
+            <a:endParaRPr lang="he-IL"/>
+          </a:p>
+        </p:txBody>
+      </p:sp>
+      <p:sp>
+        <p:nvSpPr>
+          <p:cNvPr id="13" name="כותרת 1"/>
+          <p:cNvSpPr txBox="1">
+            <a:spLocks/>
+          </p:cNvSpPr>
+          <p:nvPr/>
+        </p:nvSpPr>
+        <p:spPr>
+          <a:xfrm>
+            <a:off x="9956509" y="1719894"/>
+            <a:ext cx="1522411" cy="762112"/>
+          </a:xfrm>
+          <a:prstGeom prst="rect">
+            <a:avLst/>
+          </a:prstGeom>
+        </p:spPr>
+        <p:txBody>
+          <a:bodyPr vert="horz" lIns="91440" tIns="45720" rIns="91440" bIns="45720" rtlCol="0" anchor="t">
+            <a:noAutofit/>
+          </a:bodyPr>
+          <a:lstStyle>
+            <a:lvl1pPr algn="l" defTabSz="457200" rtl="1" eaLnBrk="1" latinLnBrk="0" hangingPunct="1">
+              <a:spcBef>
+                <a:spcPct val="0"/>
+              </a:spcBef>
+              <a:buNone/>
+              <a:defRPr sz="3600" kern="1200">
+                <a:solidFill>
+                  <a:schemeClr val="accent2">
+                    <a:lumMod val="75000"/>
+                  </a:schemeClr>
+                </a:solidFill>
+                <a:latin typeface="+mj-lt"/>
+                <a:ea typeface="+mj-ea"/>
+                <a:cs typeface="+mj-cs"/>
+              </a:defRPr>
+            </a:lvl1pPr>
+            <a:lvl2pPr rtl="1" eaLnBrk="1" hangingPunct="1">
+              <a:defRPr>
+                <a:solidFill>
+                  <a:schemeClr val="tx2"/>
+                </a:solidFill>
+              </a:defRPr>
+            </a:lvl2pPr>
+            <a:lvl3pPr rtl="1" eaLnBrk="1" hangingPunct="1">
+              <a:defRPr>
+                <a:solidFill>
+                  <a:schemeClr val="tx2"/>
+                </a:solidFill>
+              </a:defRPr>
+            </a:lvl3pPr>
+            <a:lvl4pPr rtl="1" eaLnBrk="1" hangingPunct="1">
+              <a:defRPr>
+                <a:solidFill>
+                  <a:schemeClr val="tx2"/>
+                </a:solidFill>
+              </a:defRPr>
+            </a:lvl4pPr>
+            <a:lvl5pPr rtl="1" eaLnBrk="1" hangingPunct="1">
+              <a:defRPr>
+                <a:solidFill>
+                  <a:schemeClr val="tx2"/>
+                </a:solidFill>
+              </a:defRPr>
+            </a:lvl5pPr>
+            <a:lvl6pPr rtl="1" eaLnBrk="1" hangingPunct="1">
+              <a:defRPr>
+                <a:solidFill>
+                  <a:schemeClr val="tx2"/>
+                </a:solidFill>
+              </a:defRPr>
+            </a:lvl6pPr>
+            <a:lvl7pPr rtl="1" eaLnBrk="1" hangingPunct="1">
+              <a:defRPr>
+                <a:solidFill>
+                  <a:schemeClr val="tx2"/>
+                </a:solidFill>
+              </a:defRPr>
+            </a:lvl7pPr>
+            <a:lvl8pPr rtl="1" eaLnBrk="1" hangingPunct="1">
+              <a:defRPr>
+                <a:solidFill>
+                  <a:schemeClr val="tx2"/>
+                </a:solidFill>
+              </a:defRPr>
+            </a:lvl8pPr>
+            <a:lvl9pPr rtl="1" eaLnBrk="1" hangingPunct="1">
+              <a:defRPr>
+                <a:solidFill>
+                  <a:schemeClr val="tx2"/>
+                </a:solidFill>
+              </a:defRPr>
+            </a:lvl9pPr>
+          </a:lstStyle>
+          <a:p>
+            <a:pPr algn="r"/>
+            <a:r>
+              <a:rPr lang="he-IL" sz="2800" dirty="0" smtClean="0"/>
+              <a:t>אחרי:</a:t>
+            </a:r>
+            <a:endParaRPr lang="he-IL" sz="2800" dirty="0"/>
+          </a:p>
+        </p:txBody>
+      </p:sp>
+      <p:pic>
+        <p:nvPicPr>
+          <p:cNvPr id="10" name="תמונה 9"/>
+          <p:cNvPicPr>
+            <a:picLocks noChangeAspect="1"/>
+          </p:cNvPicPr>
+          <p:nvPr/>
+        </p:nvPicPr>
+        <p:blipFill>
+          <a:blip r:embed="rId2"/>
+          <a:stretch>
+            <a:fillRect/>
+          </a:stretch>
+        </p:blipFill>
+        <p:spPr>
+          <a:xfrm>
+            <a:off x="1031923" y="1905000"/>
+            <a:ext cx="5242794" cy="4272151"/>
+          </a:xfrm>
+          <a:prstGeom prst="rect">
+            <a:avLst/>
+          </a:prstGeom>
+        </p:spPr>
+      </p:pic>
+      <p:pic>
+        <p:nvPicPr>
+          <p:cNvPr id="15" name="תמונה 14"/>
+          <p:cNvPicPr>
+            <a:picLocks noChangeAspect="1"/>
+          </p:cNvPicPr>
+          <p:nvPr/>
+        </p:nvPicPr>
+        <p:blipFill>
+          <a:blip r:embed="rId3"/>
+          <a:stretch>
+            <a:fillRect/>
+          </a:stretch>
+        </p:blipFill>
+        <p:spPr>
+          <a:xfrm>
+            <a:off x="6660198" y="2578470"/>
+            <a:ext cx="5002393" cy="1505654"/>
+          </a:xfrm>
+          <a:prstGeom prst="rect">
+            <a:avLst/>
+          </a:prstGeom>
+        </p:spPr>
+      </p:pic>
+      <p:sp>
+        <p:nvSpPr>
+          <p:cNvPr id="14" name="מלבן 13"/>
+          <p:cNvSpPr/>
+          <p:nvPr/>
+        </p:nvSpPr>
+        <p:spPr>
+          <a:xfrm>
+            <a:off x="9161394" y="3924300"/>
+            <a:ext cx="552450" cy="159824"/>
+          </a:xfrm>
+          <a:prstGeom prst="rect">
+            <a:avLst/>
+          </a:prstGeom>
+          <a:solidFill>
+            <a:schemeClr val="accent5">
+              <a:alpha val="50000"/>
+            </a:schemeClr>
+          </a:solidFill>
+          <a:ln>
+            <a:noFill/>
+          </a:ln>
+        </p:spPr>
+        <p:style>
+          <a:lnRef idx="0">
+            <a:scrgbClr r="0" g="0" b="0"/>
+          </a:lnRef>
+          <a:fillRef idx="0">
+            <a:scrgbClr r="0" g="0" b="0"/>
+          </a:fillRef>
+          <a:effectRef idx="0">
+            <a:scrgbClr r="0" g="0" b="0"/>
+          </a:effectRef>
+          <a:fontRef idx="minor">
+            <a:schemeClr val="lt1"/>
+          </a:fontRef>
+        </p:style>
+        <p:txBody>
+          <a:bodyPr rtlCol="1" anchor="ctr"/>
+          <a:lstStyle/>
+          <a:p>
+            <a:pPr algn="ctr"/>
+            <a:endParaRPr lang="he-IL"/>
+          </a:p>
+        </p:txBody>
+      </p:sp>
+    </p:spTree>
+    <p:extLst>
+      <p:ext uri="{BB962C8B-B14F-4D97-AF65-F5344CB8AC3E}">
+        <p14:creationId xmlns:p14="http://schemas.microsoft.com/office/powerpoint/2010/main" val="3778745728"/>
+      </p:ext>
+    </p:extLst>
+  </p:cSld>
+  <p:clrMapOvr>
+    <a:masterClrMapping/>
+  </p:clrMapOvr>
+</p:sld>
+</file>
+
+<file path=ppt/slides/slide25.xml><?xml version="1.0" encoding="utf-8"?>
+<p:sld xmlns:a="http://schemas.openxmlformats.org/drawingml/2006/main" xmlns:r="http://schemas.openxmlformats.org/officeDocument/2006/relationships" xmlns:p="http://schemas.openxmlformats.org/presentationml/2006/main">
+  <p:cSld>
+    <p:spTree>
+      <p:nvGrpSpPr>
+        <p:cNvPr id="1" name=""/>
+        <p:cNvGrpSpPr/>
+        <p:nvPr/>
+      </p:nvGrpSpPr>
+      <p:grpSpPr>
+        <a:xfrm>
+          <a:off x="0" y="0"/>
+          <a:ext cx="0" cy="0"/>
+          <a:chOff x="0" y="0"/>
+          <a:chExt cx="0" cy="0"/>
+        </a:xfrm>
+      </p:grpSpPr>
+      <p:sp>
+        <p:nvSpPr>
+          <p:cNvPr id="2" name="כותרת 1"/>
+          <p:cNvSpPr>
+            <a:spLocks noGrp="1"/>
+          </p:cNvSpPr>
+          <p:nvPr>
+            <p:ph type="title"/>
+          </p:nvPr>
+        </p:nvSpPr>
+        <p:spPr/>
+        <p:txBody>
+          <a:bodyPr/>
+          <a:lstStyle/>
+          <a:p>
+            <a:pPr algn="r"/>
+            <a:r>
+              <a:rPr lang="he-IL" dirty="0" smtClean="0"/>
+              <a:t>יבוא </a:t>
+            </a:r>
+            <a:r>
+              <a:rPr lang="he-IL" smtClean="0"/>
+              <a:t>מקובץ אקסל</a:t>
+            </a:r>
+            <a:endParaRPr lang="he-IL" dirty="0"/>
+          </a:p>
+        </p:txBody>
+      </p:sp>
+      <p:sp>
+        <p:nvSpPr>
+          <p:cNvPr id="3" name="מציין מיקום של מספר שקופית 2"/>
+          <p:cNvSpPr>
+            <a:spLocks noGrp="1"/>
+          </p:cNvSpPr>
+          <p:nvPr>
+            <p:ph type="sldNum" sz="quarter" idx="12"/>
+          </p:nvPr>
+        </p:nvSpPr>
+        <p:spPr/>
+        <p:txBody>
+          <a:bodyPr/>
+          <a:lstStyle/>
+          <a:p>
+            <a:fld id="{DDF79876-6C45-4580-869E-5BF3948A02FD}" type="slidenum">
+              <a:rPr lang="he-IL" smtClean="0"/>
+              <a:t>25</a:t>
+            </a:fld>
+            <a:endParaRPr lang="he-IL"/>
+          </a:p>
+        </p:txBody>
+      </p:sp>
+      <p:pic>
+        <p:nvPicPr>
+          <p:cNvPr id="6" name="תמונה 5"/>
+          <p:cNvPicPr>
+            <a:picLocks noChangeAspect="1"/>
+          </p:cNvPicPr>
+          <p:nvPr/>
+        </p:nvPicPr>
+        <p:blipFill>
+          <a:blip r:embed="rId2"/>
+          <a:stretch>
+            <a:fillRect/>
+          </a:stretch>
+        </p:blipFill>
+        <p:spPr>
+          <a:xfrm>
+            <a:off x="2038618" y="2947223"/>
+            <a:ext cx="4475162" cy="3666125"/>
+          </a:xfrm>
+          <a:prstGeom prst="rect">
+            <a:avLst/>
+          </a:prstGeom>
+        </p:spPr>
+      </p:pic>
+      <p:pic>
+        <p:nvPicPr>
+          <p:cNvPr id="11" name="תמונה 10"/>
+          <p:cNvPicPr>
+            <a:picLocks noChangeAspect="1"/>
+          </p:cNvPicPr>
+          <p:nvPr/>
+        </p:nvPicPr>
+        <p:blipFill>
+          <a:blip r:embed="rId3"/>
+          <a:stretch>
+            <a:fillRect/>
+          </a:stretch>
+        </p:blipFill>
+        <p:spPr>
+          <a:xfrm>
+            <a:off x="2038618" y="1621147"/>
+            <a:ext cx="8176266" cy="1036328"/>
+          </a:xfrm>
+          <a:prstGeom prst="rect">
+            <a:avLst/>
+          </a:prstGeom>
+        </p:spPr>
+      </p:pic>
+      <p:sp>
+        <p:nvSpPr>
+          <p:cNvPr id="12" name="כותרת 1"/>
+          <p:cNvSpPr txBox="1">
+            <a:spLocks/>
+          </p:cNvSpPr>
+          <p:nvPr/>
+        </p:nvSpPr>
+        <p:spPr>
+          <a:xfrm>
+            <a:off x="9956510" y="1621147"/>
+            <a:ext cx="1522411" cy="762112"/>
+          </a:xfrm>
+          <a:prstGeom prst="rect">
+            <a:avLst/>
+          </a:prstGeom>
+        </p:spPr>
+        <p:txBody>
+          <a:bodyPr vert="horz" lIns="91440" tIns="45720" rIns="91440" bIns="45720" rtlCol="0" anchor="t">
+            <a:noAutofit/>
+          </a:bodyPr>
+          <a:lstStyle>
+            <a:lvl1pPr algn="l" defTabSz="457200" rtl="1" eaLnBrk="1" latinLnBrk="0" hangingPunct="1">
+              <a:spcBef>
+                <a:spcPct val="0"/>
+              </a:spcBef>
+              <a:buNone/>
+              <a:defRPr sz="3600" kern="1200">
+                <a:solidFill>
+                  <a:schemeClr val="accent2">
+                    <a:lumMod val="75000"/>
+                  </a:schemeClr>
+                </a:solidFill>
+                <a:latin typeface="+mj-lt"/>
+                <a:ea typeface="+mj-ea"/>
+                <a:cs typeface="+mj-cs"/>
+              </a:defRPr>
+            </a:lvl1pPr>
+            <a:lvl2pPr rtl="1" eaLnBrk="1" hangingPunct="1">
+              <a:defRPr>
+                <a:solidFill>
+                  <a:schemeClr val="tx2"/>
+                </a:solidFill>
+              </a:defRPr>
+            </a:lvl2pPr>
+            <a:lvl3pPr rtl="1" eaLnBrk="1" hangingPunct="1">
+              <a:defRPr>
+                <a:solidFill>
+                  <a:schemeClr val="tx2"/>
+                </a:solidFill>
+              </a:defRPr>
+            </a:lvl3pPr>
+            <a:lvl4pPr rtl="1" eaLnBrk="1" hangingPunct="1">
+              <a:defRPr>
+                <a:solidFill>
+                  <a:schemeClr val="tx2"/>
+                </a:solidFill>
+              </a:defRPr>
+            </a:lvl4pPr>
+            <a:lvl5pPr rtl="1" eaLnBrk="1" hangingPunct="1">
+              <a:defRPr>
+                <a:solidFill>
+                  <a:schemeClr val="tx2"/>
+                </a:solidFill>
+              </a:defRPr>
+            </a:lvl5pPr>
+            <a:lvl6pPr rtl="1" eaLnBrk="1" hangingPunct="1">
+              <a:defRPr>
+                <a:solidFill>
+                  <a:schemeClr val="tx2"/>
+                </a:solidFill>
+              </a:defRPr>
+            </a:lvl6pPr>
+            <a:lvl7pPr rtl="1" eaLnBrk="1" hangingPunct="1">
+              <a:defRPr>
+                <a:solidFill>
+                  <a:schemeClr val="tx2"/>
+                </a:solidFill>
+              </a:defRPr>
+            </a:lvl7pPr>
+            <a:lvl8pPr rtl="1" eaLnBrk="1" hangingPunct="1">
+              <a:defRPr>
+                <a:solidFill>
+                  <a:schemeClr val="tx2"/>
+                </a:solidFill>
+              </a:defRPr>
+            </a:lvl8pPr>
+            <a:lvl9pPr rtl="1" eaLnBrk="1" hangingPunct="1">
+              <a:defRPr>
+                <a:solidFill>
+                  <a:schemeClr val="tx2"/>
+                </a:solidFill>
+              </a:defRPr>
+            </a:lvl9pPr>
+          </a:lstStyle>
+          <a:p>
+            <a:pPr algn="r"/>
+            <a:r>
+              <a:rPr lang="he-IL" sz="2800" dirty="0" smtClean="0"/>
+              <a:t>הקובץ:</a:t>
+            </a:r>
+            <a:endParaRPr lang="he-IL" sz="2800" dirty="0"/>
+          </a:p>
+        </p:txBody>
+      </p:sp>
+      <p:sp>
+        <p:nvSpPr>
+          <p:cNvPr id="13" name="כותרת 1"/>
+          <p:cNvSpPr txBox="1">
+            <a:spLocks/>
+          </p:cNvSpPr>
+          <p:nvPr/>
+        </p:nvSpPr>
+        <p:spPr>
+          <a:xfrm>
+            <a:off x="9956509" y="2891469"/>
+            <a:ext cx="1522411" cy="762112"/>
+          </a:xfrm>
+          <a:prstGeom prst="rect">
+            <a:avLst/>
+          </a:prstGeom>
+        </p:spPr>
+        <p:txBody>
+          <a:bodyPr vert="horz" lIns="91440" tIns="45720" rIns="91440" bIns="45720" rtlCol="0" anchor="t">
+            <a:noAutofit/>
+          </a:bodyPr>
+          <a:lstStyle>
+            <a:lvl1pPr algn="l" defTabSz="457200" rtl="1" eaLnBrk="1" latinLnBrk="0" hangingPunct="1">
+              <a:spcBef>
+                <a:spcPct val="0"/>
+              </a:spcBef>
+              <a:buNone/>
+              <a:defRPr sz="3600" kern="1200">
+                <a:solidFill>
+                  <a:schemeClr val="accent2">
+                    <a:lumMod val="75000"/>
+                  </a:schemeClr>
+                </a:solidFill>
+                <a:latin typeface="+mj-lt"/>
+                <a:ea typeface="+mj-ea"/>
+                <a:cs typeface="+mj-cs"/>
+              </a:defRPr>
+            </a:lvl1pPr>
+            <a:lvl2pPr rtl="1" eaLnBrk="1" hangingPunct="1">
+              <a:defRPr>
+                <a:solidFill>
+                  <a:schemeClr val="tx2"/>
+                </a:solidFill>
+              </a:defRPr>
+            </a:lvl2pPr>
+            <a:lvl3pPr rtl="1" eaLnBrk="1" hangingPunct="1">
+              <a:defRPr>
+                <a:solidFill>
+                  <a:schemeClr val="tx2"/>
+                </a:solidFill>
+              </a:defRPr>
+            </a:lvl3pPr>
+            <a:lvl4pPr rtl="1" eaLnBrk="1" hangingPunct="1">
+              <a:defRPr>
+                <a:solidFill>
+                  <a:schemeClr val="tx2"/>
+                </a:solidFill>
+              </a:defRPr>
+            </a:lvl4pPr>
+            <a:lvl5pPr rtl="1" eaLnBrk="1" hangingPunct="1">
+              <a:defRPr>
+                <a:solidFill>
+                  <a:schemeClr val="tx2"/>
+                </a:solidFill>
+              </a:defRPr>
+            </a:lvl5pPr>
+            <a:lvl6pPr rtl="1" eaLnBrk="1" hangingPunct="1">
+              <a:defRPr>
+                <a:solidFill>
+                  <a:schemeClr val="tx2"/>
+                </a:solidFill>
+              </a:defRPr>
+            </a:lvl6pPr>
+            <a:lvl7pPr rtl="1" eaLnBrk="1" hangingPunct="1">
+              <a:defRPr>
+                <a:solidFill>
+                  <a:schemeClr val="tx2"/>
+                </a:solidFill>
+              </a:defRPr>
+            </a:lvl7pPr>
+            <a:lvl8pPr rtl="1" eaLnBrk="1" hangingPunct="1">
+              <a:defRPr>
+                <a:solidFill>
+                  <a:schemeClr val="tx2"/>
+                </a:solidFill>
+              </a:defRPr>
+            </a:lvl8pPr>
+            <a:lvl9pPr rtl="1" eaLnBrk="1" hangingPunct="1">
+              <a:defRPr>
+                <a:solidFill>
+                  <a:schemeClr val="tx2"/>
+                </a:solidFill>
+              </a:defRPr>
+            </a:lvl9pPr>
+          </a:lstStyle>
+          <a:p>
+            <a:pPr algn="r"/>
+            <a:r>
+              <a:rPr lang="he-IL" sz="2800" dirty="0" smtClean="0"/>
+              <a:t>לפני:</a:t>
+            </a:r>
+            <a:endParaRPr lang="he-IL" sz="2800" dirty="0"/>
+          </a:p>
+        </p:txBody>
+      </p:sp>
+      <p:pic>
+        <p:nvPicPr>
+          <p:cNvPr id="4" name="תמונה 3"/>
+          <p:cNvPicPr>
+            <a:picLocks noChangeAspect="1"/>
+          </p:cNvPicPr>
+          <p:nvPr/>
+        </p:nvPicPr>
+        <p:blipFill>
+          <a:blip r:embed="rId4"/>
+          <a:stretch>
+            <a:fillRect/>
+          </a:stretch>
+        </p:blipFill>
+        <p:spPr>
+          <a:xfrm>
+            <a:off x="6816889" y="3531433"/>
+            <a:ext cx="4848902" cy="1724266"/>
+          </a:xfrm>
+          <a:prstGeom prst="rect">
+            <a:avLst/>
+          </a:prstGeom>
+        </p:spPr>
+      </p:pic>
+      <p:sp>
+        <p:nvSpPr>
+          <p:cNvPr id="14" name="מלבן 13"/>
+          <p:cNvSpPr/>
+          <p:nvPr/>
+        </p:nvSpPr>
+        <p:spPr>
+          <a:xfrm>
+            <a:off x="9536615" y="5029200"/>
+            <a:ext cx="552450" cy="159824"/>
+          </a:xfrm>
+          <a:prstGeom prst="rect">
+            <a:avLst/>
+          </a:prstGeom>
+          <a:solidFill>
+            <a:schemeClr val="accent5">
+              <a:alpha val="50000"/>
+            </a:schemeClr>
+          </a:solidFill>
+          <a:ln>
+            <a:noFill/>
+          </a:ln>
+        </p:spPr>
+        <p:style>
+          <a:lnRef idx="0">
+            <a:scrgbClr r="0" g="0" b="0"/>
+          </a:lnRef>
+          <a:fillRef idx="0">
+            <a:scrgbClr r="0" g="0" b="0"/>
+          </a:fillRef>
+          <a:effectRef idx="0">
+            <a:scrgbClr r="0" g="0" b="0"/>
+          </a:effectRef>
+          <a:fontRef idx="minor">
+            <a:schemeClr val="lt1"/>
+          </a:fontRef>
+        </p:style>
+        <p:txBody>
+          <a:bodyPr rtlCol="1" anchor="ctr"/>
+          <a:lstStyle/>
+          <a:p>
+            <a:pPr algn="ctr"/>
+            <a:endParaRPr lang="he-IL"/>
+          </a:p>
+        </p:txBody>
+      </p:sp>
+    </p:spTree>
+    <p:extLst>
+      <p:ext uri="{BB962C8B-B14F-4D97-AF65-F5344CB8AC3E}">
+        <p14:creationId xmlns:p14="http://schemas.microsoft.com/office/powerpoint/2010/main" val="1082040031"/>
+      </p:ext>
+    </p:extLst>
+  </p:cSld>
+  <p:clrMapOvr>
+    <a:masterClrMapping/>
+  </p:clrMapOvr>
+</p:sld>
+</file>
+
+<file path=ppt/slides/slide26.xml><?xml version="1.0" encoding="utf-8"?>
+<p:sld xmlns:a="http://schemas.openxmlformats.org/drawingml/2006/main" xmlns:r="http://schemas.openxmlformats.org/officeDocument/2006/relationships" xmlns:p="http://schemas.openxmlformats.org/presentationml/2006/main">
+  <p:cSld>
+    <p:spTree>
+      <p:nvGrpSpPr>
+        <p:cNvPr id="1" name=""/>
+        <p:cNvGrpSpPr/>
+        <p:nvPr/>
+      </p:nvGrpSpPr>
+      <p:grpSpPr>
+        <a:xfrm>
+          <a:off x="0" y="0"/>
+          <a:ext cx="0" cy="0"/>
+          <a:chOff x="0" y="0"/>
+          <a:chExt cx="0" cy="0"/>
+        </a:xfrm>
+      </p:grpSpPr>
+      <p:sp>
+        <p:nvSpPr>
+          <p:cNvPr id="2" name="כותרת 1"/>
+          <p:cNvSpPr>
+            <a:spLocks noGrp="1"/>
+          </p:cNvSpPr>
+          <p:nvPr>
+            <p:ph type="title"/>
+          </p:nvPr>
+        </p:nvSpPr>
+        <p:spPr/>
+        <p:txBody>
+          <a:bodyPr/>
+          <a:lstStyle/>
+          <a:p>
+            <a:pPr algn="r"/>
+            <a:r>
+              <a:rPr lang="he-IL" dirty="0" smtClean="0"/>
+              <a:t>יבוא מקובץ טקסט</a:t>
+            </a:r>
+            <a:endParaRPr lang="he-IL" dirty="0"/>
+          </a:p>
+        </p:txBody>
+      </p:sp>
+      <p:sp>
+        <p:nvSpPr>
+          <p:cNvPr id="3" name="מציין מיקום של מספר שקופית 2"/>
+          <p:cNvSpPr>
+            <a:spLocks noGrp="1"/>
+          </p:cNvSpPr>
+          <p:nvPr>
+            <p:ph type="sldNum" sz="quarter" idx="12"/>
+          </p:nvPr>
+        </p:nvSpPr>
+        <p:spPr/>
+        <p:txBody>
+          <a:bodyPr/>
+          <a:lstStyle/>
+          <a:p>
+            <a:fld id="{DDF79876-6C45-4580-869E-5BF3948A02FD}" type="slidenum">
+              <a:rPr lang="he-IL" smtClean="0"/>
+              <a:t>26</a:t>
+            </a:fld>
+            <a:endParaRPr lang="he-IL"/>
+          </a:p>
+        </p:txBody>
+      </p:sp>
+      <p:sp>
+        <p:nvSpPr>
+          <p:cNvPr id="13" name="כותרת 1"/>
+          <p:cNvSpPr txBox="1">
+            <a:spLocks/>
+          </p:cNvSpPr>
+          <p:nvPr/>
+        </p:nvSpPr>
+        <p:spPr>
+          <a:xfrm>
+            <a:off x="9956509" y="1719894"/>
+            <a:ext cx="1522411" cy="762112"/>
+          </a:xfrm>
+          <a:prstGeom prst="rect">
+            <a:avLst/>
+          </a:prstGeom>
+        </p:spPr>
+        <p:txBody>
+          <a:bodyPr vert="horz" lIns="91440" tIns="45720" rIns="91440" bIns="45720" rtlCol="0" anchor="t">
+            <a:noAutofit/>
+          </a:bodyPr>
+          <a:lstStyle>
+            <a:lvl1pPr algn="l" defTabSz="457200" rtl="1" eaLnBrk="1" latinLnBrk="0" hangingPunct="1">
+              <a:spcBef>
+                <a:spcPct val="0"/>
+              </a:spcBef>
+              <a:buNone/>
+              <a:defRPr sz="3600" kern="1200">
+                <a:solidFill>
+                  <a:schemeClr val="accent2">
+                    <a:lumMod val="75000"/>
+                  </a:schemeClr>
+                </a:solidFill>
+                <a:latin typeface="+mj-lt"/>
+                <a:ea typeface="+mj-ea"/>
+                <a:cs typeface="+mj-cs"/>
+              </a:defRPr>
+            </a:lvl1pPr>
+            <a:lvl2pPr rtl="1" eaLnBrk="1" hangingPunct="1">
+              <a:defRPr>
+                <a:solidFill>
+                  <a:schemeClr val="tx2"/>
+                </a:solidFill>
+              </a:defRPr>
+            </a:lvl2pPr>
+            <a:lvl3pPr rtl="1" eaLnBrk="1" hangingPunct="1">
+              <a:defRPr>
+                <a:solidFill>
+                  <a:schemeClr val="tx2"/>
+                </a:solidFill>
+              </a:defRPr>
+            </a:lvl3pPr>
+            <a:lvl4pPr rtl="1" eaLnBrk="1" hangingPunct="1">
+              <a:defRPr>
+                <a:solidFill>
+                  <a:schemeClr val="tx2"/>
+                </a:solidFill>
+              </a:defRPr>
+            </a:lvl4pPr>
+            <a:lvl5pPr rtl="1" eaLnBrk="1" hangingPunct="1">
+              <a:defRPr>
+                <a:solidFill>
+                  <a:schemeClr val="tx2"/>
+                </a:solidFill>
+              </a:defRPr>
+            </a:lvl5pPr>
+            <a:lvl6pPr rtl="1" eaLnBrk="1" hangingPunct="1">
+              <a:defRPr>
+                <a:solidFill>
+                  <a:schemeClr val="tx2"/>
+                </a:solidFill>
+              </a:defRPr>
+            </a:lvl6pPr>
+            <a:lvl7pPr rtl="1" eaLnBrk="1" hangingPunct="1">
+              <a:defRPr>
+                <a:solidFill>
+                  <a:schemeClr val="tx2"/>
+                </a:solidFill>
+              </a:defRPr>
+            </a:lvl7pPr>
+            <a:lvl8pPr rtl="1" eaLnBrk="1" hangingPunct="1">
+              <a:defRPr>
+                <a:solidFill>
+                  <a:schemeClr val="tx2"/>
+                </a:solidFill>
+              </a:defRPr>
+            </a:lvl8pPr>
+            <a:lvl9pPr rtl="1" eaLnBrk="1" hangingPunct="1">
+              <a:defRPr>
+                <a:solidFill>
+                  <a:schemeClr val="tx2"/>
+                </a:solidFill>
+              </a:defRPr>
+            </a:lvl9pPr>
+          </a:lstStyle>
+          <a:p>
+            <a:pPr algn="r"/>
+            <a:r>
+              <a:rPr lang="he-IL" sz="2800" dirty="0" smtClean="0"/>
+              <a:t>אחרי:</a:t>
+            </a:r>
+            <a:endParaRPr lang="he-IL" sz="2800" dirty="0"/>
+          </a:p>
+        </p:txBody>
+      </p:sp>
+      <p:pic>
+        <p:nvPicPr>
+          <p:cNvPr id="10" name="תמונה 9"/>
+          <p:cNvPicPr>
+            <a:picLocks noChangeAspect="1"/>
+          </p:cNvPicPr>
+          <p:nvPr/>
+        </p:nvPicPr>
+        <p:blipFill>
+          <a:blip r:embed="rId2"/>
+          <a:stretch>
+            <a:fillRect/>
+          </a:stretch>
+        </p:blipFill>
+        <p:spPr>
+          <a:xfrm>
+            <a:off x="1031923" y="1905000"/>
+            <a:ext cx="5242794" cy="4272151"/>
+          </a:xfrm>
+          <a:prstGeom prst="rect">
+            <a:avLst/>
+          </a:prstGeom>
+        </p:spPr>
+      </p:pic>
+      <p:pic>
+        <p:nvPicPr>
+          <p:cNvPr id="15" name="תמונה 14"/>
+          <p:cNvPicPr>
+            <a:picLocks noChangeAspect="1"/>
+          </p:cNvPicPr>
+          <p:nvPr/>
+        </p:nvPicPr>
+        <p:blipFill>
+          <a:blip r:embed="rId3"/>
+          <a:stretch>
+            <a:fillRect/>
+          </a:stretch>
+        </p:blipFill>
+        <p:spPr>
+          <a:xfrm>
+            <a:off x="6660198" y="2578470"/>
+            <a:ext cx="5002393" cy="1505654"/>
+          </a:xfrm>
+          <a:prstGeom prst="rect">
+            <a:avLst/>
+          </a:prstGeom>
+        </p:spPr>
+      </p:pic>
+      <p:sp>
+        <p:nvSpPr>
+          <p:cNvPr id="14" name="מלבן 13"/>
+          <p:cNvSpPr/>
+          <p:nvPr/>
+        </p:nvSpPr>
+        <p:spPr>
+          <a:xfrm>
+            <a:off x="9161394" y="3924300"/>
+            <a:ext cx="552450" cy="159824"/>
+          </a:xfrm>
+          <a:prstGeom prst="rect">
+            <a:avLst/>
+          </a:prstGeom>
+          <a:solidFill>
+            <a:schemeClr val="accent5">
+              <a:alpha val="50000"/>
+            </a:schemeClr>
+          </a:solidFill>
+          <a:ln>
+            <a:noFill/>
+          </a:ln>
+        </p:spPr>
+        <p:style>
+          <a:lnRef idx="0">
+            <a:scrgbClr r="0" g="0" b="0"/>
+          </a:lnRef>
+          <a:fillRef idx="0">
+            <a:scrgbClr r="0" g="0" b="0"/>
+          </a:fillRef>
+          <a:effectRef idx="0">
+            <a:scrgbClr r="0" g="0" b="0"/>
+          </a:effectRef>
+          <a:fontRef idx="minor">
+            <a:schemeClr val="lt1"/>
+          </a:fontRef>
+        </p:style>
+        <p:txBody>
+          <a:bodyPr rtlCol="1" anchor="ctr"/>
+          <a:lstStyle/>
+          <a:p>
+            <a:pPr algn="ctr"/>
+            <a:endParaRPr lang="he-IL"/>
+          </a:p>
+        </p:txBody>
+      </p:sp>
+    </p:spTree>
+    <p:extLst>
+      <p:ext uri="{BB962C8B-B14F-4D97-AF65-F5344CB8AC3E}">
+        <p14:creationId xmlns:p14="http://schemas.microsoft.com/office/powerpoint/2010/main" val="2025652698"/>
+      </p:ext>
+    </p:extLst>
+  </p:cSld>
+  <p:clrMapOvr>
+    <a:masterClrMapping/>
+  </p:clrMapOvr>
+</p:sld>
+</file>
+
+<file path=ppt/slides/slide27.xml><?xml version="1.0" encoding="utf-8"?>
+<p:sld xmlns:a="http://schemas.openxmlformats.org/drawingml/2006/main" xmlns:r="http://schemas.openxmlformats.org/officeDocument/2006/relationships" xmlns:p="http://schemas.openxmlformats.org/presentationml/2006/main">
+  <p:cSld>
+    <p:spTree>
+      <p:nvGrpSpPr>
+        <p:cNvPr id="1" name=""/>
+        <p:cNvGrpSpPr/>
+        <p:nvPr/>
+      </p:nvGrpSpPr>
+      <p:grpSpPr>
+        <a:xfrm>
+          <a:off x="0" y="0"/>
+          <a:ext cx="0" cy="0"/>
+          <a:chOff x="0" y="0"/>
+          <a:chExt cx="0" cy="0"/>
+        </a:xfrm>
+      </p:grpSpPr>
+      <p:sp>
+        <p:nvSpPr>
           <p:cNvPr id="4" name="כותרת 1"/>
           <p:cNvSpPr>
             <a:spLocks noGrp="1"/>
@@ -20227,7 +21595,7 @@
           <a:p>
             <a:fld id="{DDF79876-6C45-4580-869E-5BF3948A02FD}" type="slidenum">
               <a:rPr lang="he-IL" smtClean="0"/>
-              <a:t>23</a:t>
+              <a:t>27</a:t>
             </a:fld>
             <a:endParaRPr lang="he-IL"/>
           </a:p>
@@ -20246,7 +21614,7 @@
 </p:sld>
 </file>
 
-<file path=ppt/slides/slide24.xml><?xml version="1.0" encoding="utf-8"?>
+<file path=ppt/slides/slide28.xml><?xml version="1.0" encoding="utf-8"?>
 <p:sld xmlns:a="http://schemas.openxmlformats.org/drawingml/2006/main" xmlns:r="http://schemas.openxmlformats.org/officeDocument/2006/relationships" xmlns:p="http://schemas.openxmlformats.org/presentationml/2006/main">
   <p:cSld>
     <p:spTree>
@@ -20332,7 +21700,7 @@
           <a:p>
             <a:fld id="{DDF79876-6C45-4580-869E-5BF3948A02FD}" type="slidenum">
               <a:rPr lang="he-IL" smtClean="0"/>
-              <a:t>24</a:t>
+              <a:t>28</a:t>
             </a:fld>
             <a:endParaRPr lang="he-IL"/>
           </a:p>
@@ -20351,7 +21719,7 @@
 </p:sld>
 </file>
 
-<file path=ppt/slides/slide25.xml><?xml version="1.0" encoding="utf-8"?>
+<file path=ppt/slides/slide29.xml><?xml version="1.0" encoding="utf-8"?>
 <p:sld xmlns:a="http://schemas.openxmlformats.org/drawingml/2006/main" xmlns:r="http://schemas.openxmlformats.org/officeDocument/2006/relationships" xmlns:p="http://schemas.openxmlformats.org/presentationml/2006/main">
   <p:cSld>
     <p:spTree>
@@ -20461,7 +21829,7 @@
           <a:p>
             <a:fld id="{DDF79876-6C45-4580-869E-5BF3948A02FD}" type="slidenum">
               <a:rPr lang="he-IL" smtClean="0"/>
-              <a:t>25</a:t>
+              <a:t>29</a:t>
             </a:fld>
             <a:endParaRPr lang="he-IL"/>
           </a:p>
@@ -20480,7 +21848,190 @@
 </p:sld>
 </file>
 
-<file path=ppt/slides/slide26.xml><?xml version="1.0" encoding="utf-8"?>
+<file path=ppt/slides/slide3.xml><?xml version="1.0" encoding="utf-8"?>
+<p:sld xmlns:a="http://schemas.openxmlformats.org/drawingml/2006/main" xmlns:r="http://schemas.openxmlformats.org/officeDocument/2006/relationships" xmlns:p="http://schemas.openxmlformats.org/presentationml/2006/main">
+  <p:cSld>
+    <p:spTree>
+      <p:nvGrpSpPr>
+        <p:cNvPr id="1" name=""/>
+        <p:cNvGrpSpPr/>
+        <p:nvPr/>
+      </p:nvGrpSpPr>
+      <p:grpSpPr>
+        <a:xfrm>
+          <a:off x="0" y="0"/>
+          <a:ext cx="0" cy="0"/>
+          <a:chOff x="0" y="0"/>
+          <a:chExt cx="0" cy="0"/>
+        </a:xfrm>
+      </p:grpSpPr>
+      <p:sp>
+        <p:nvSpPr>
+          <p:cNvPr id="2" name="כותרת 1"/>
+          <p:cNvSpPr>
+            <a:spLocks noGrp="1"/>
+          </p:cNvSpPr>
+          <p:nvPr>
+            <p:ph type="title"/>
+          </p:nvPr>
+        </p:nvSpPr>
+        <p:spPr/>
+        <p:txBody>
+          <a:bodyPr anchor="ctr" anchorCtr="0"/>
+          <a:lstStyle/>
+          <a:p>
+            <a:pPr algn="r" rtl="0"/>
+            <a:r>
+              <a:rPr lang="he-IL" dirty="0" smtClean="0"/>
+              <a:t>אירועים בעיריית ירושלים</a:t>
+            </a:r>
+            <a:endParaRPr lang="he-IL" dirty="0"/>
+          </a:p>
+        </p:txBody>
+      </p:sp>
+      <p:sp>
+        <p:nvSpPr>
+          <p:cNvPr id="3" name="מציין מיקום תוכן 2"/>
+          <p:cNvSpPr>
+            <a:spLocks noGrp="1"/>
+          </p:cNvSpPr>
+          <p:nvPr>
+            <p:ph idx="1"/>
+          </p:nvPr>
+        </p:nvSpPr>
+        <p:spPr>
+          <a:xfrm>
+            <a:off x="2589212" y="2009775"/>
+            <a:ext cx="8915400" cy="4000500"/>
+          </a:xfrm>
+        </p:spPr>
+        <p:txBody>
+          <a:bodyPr>
+            <a:normAutofit/>
+          </a:bodyPr>
+          <a:lstStyle/>
+          <a:p>
+            <a:pPr marL="0" indent="0">
+              <a:buNone/>
+            </a:pPr>
+            <a:r>
+              <a:rPr lang="he-IL" dirty="0"/>
+              <a:t>עיריית ירושלים </a:t>
+            </a:r>
+            <a:r>
+              <a:rPr lang="he-IL" dirty="0" smtClean="0"/>
+              <a:t>דואגת לתושביה ומציעה </a:t>
+            </a:r>
+            <a:r>
+              <a:rPr lang="he-IL" dirty="0"/>
+              <a:t>מגוון רחב של אירועים תרבותיים, כולל הופעות מוזיקה, הצגות תיאטרון, תערוכות אמנות, סרטים, ועוד. המטרה העיקרית של הארגון היא לספק לתושבי העיר חוויות תרבותיות מרתקות ומגוונות במחירים נוחים או </a:t>
+            </a:r>
+            <a:r>
+              <a:rPr lang="he-IL" dirty="0" smtClean="0"/>
+              <a:t>חינם. </a:t>
+            </a:r>
+          </a:p>
+          <a:p>
+            <a:pPr marL="0" indent="0">
+              <a:buNone/>
+            </a:pPr>
+            <a:r>
+              <a:rPr lang="he-IL" dirty="0" smtClean="0"/>
+              <a:t>בכדי </a:t>
+            </a:r>
+            <a:r>
+              <a:rPr lang="he-IL" dirty="0"/>
+              <a:t>להבטיח חוויה נעימה ובטוחה לכל משתתף, </a:t>
+            </a:r>
+            <a:r>
+              <a:rPr lang="he-IL" dirty="0" smtClean="0"/>
+              <a:t>חשוב מאוד לארגן רישום מראש. הרישום יאפשר </a:t>
+            </a:r>
+            <a:r>
+              <a:rPr lang="he-IL" dirty="0"/>
+              <a:t>לארגון </a:t>
+            </a:r>
+            <a:r>
+              <a:rPr lang="he-IL" dirty="0" smtClean="0"/>
+              <a:t>ולתכנן </a:t>
+            </a:r>
+            <a:r>
+              <a:rPr lang="he-IL" dirty="0"/>
+              <a:t>את האירוע בהתאם למספר המשתתפים הצפויים, לשלוט </a:t>
+            </a:r>
+            <a:r>
+              <a:rPr lang="he-IL" dirty="0" smtClean="0"/>
+              <a:t>בכמותם </a:t>
+            </a:r>
+            <a:r>
+              <a:rPr lang="he-IL" dirty="0"/>
+              <a:t>ולוודא את הסדר והבטיחות במהלך האירוע</a:t>
+            </a:r>
+            <a:r>
+              <a:rPr lang="he-IL" dirty="0" smtClean="0"/>
+              <a:t>. </a:t>
+            </a:r>
+            <a:r>
+              <a:rPr lang="he-IL" dirty="0"/>
+              <a:t>הרישום מראש מאפשר למשתתפים לחוות את האירוע בשקט נפשי, בלי לדאוג לשאלות כמו מקום ישיבה או זמן עריכה. בכך, הם יכולים להתמקד בחוויה עצמה וליצור רגעים ייחודיים ומיוחדים.</a:t>
+            </a:r>
+          </a:p>
+          <a:p>
+            <a:pPr marL="0" indent="0">
+              <a:buNone/>
+            </a:pPr>
+            <a:r>
+              <a:rPr lang="he-IL" dirty="0" smtClean="0"/>
+              <a:t>המערכת שלנו תעסוק בניהול מערכות המידע של האירועים בעיריית ירושלים. ותכלול את הישויות הבאות: מארגנים- פרטי קשר של מי שמארגן את האירוע, משתתפים- שיכולים להירשם לאירוע, אירוע- שמציג את הפרטים שלו וכך משתמשים יודעים אם הם רוצים להירשם, סוג אירוע- כמו ספורט, יום העצמאות..., הרשמה לאירועים, וחבר מועדון ירושלמי- שמקנה הנחה. אנו מניחים שמשלמים בכניסה וההנחה של ירושלמי היא אותו אחוז הנחה לכל האירועים.</a:t>
+            </a:r>
+            <a:endParaRPr lang="he-IL" dirty="0"/>
+          </a:p>
+        </p:txBody>
+      </p:sp>
+      <p:sp>
+        <p:nvSpPr>
+          <p:cNvPr id="4" name="מציין מיקום של מספר שקופית 3"/>
+          <p:cNvSpPr>
+            <a:spLocks noGrp="1"/>
+          </p:cNvSpPr>
+          <p:nvPr>
+            <p:ph type="sldNum" sz="quarter" idx="12"/>
+          </p:nvPr>
+        </p:nvSpPr>
+        <p:spPr/>
+        <p:txBody>
+          <a:bodyPr/>
+          <a:lstStyle/>
+          <a:p>
+            <a:fld id="{DDF79876-6C45-4580-869E-5BF3948A02FD}" type="slidenum">
+              <a:rPr lang="he-IL" smtClean="0"/>
+              <a:t>3</a:t>
+            </a:fld>
+            <a:endParaRPr lang="he-IL"/>
+          </a:p>
+        </p:txBody>
+      </p:sp>
+    </p:spTree>
+    <p:extLst>
+      <p:ext uri="{BB962C8B-B14F-4D97-AF65-F5344CB8AC3E}">
+        <p14:creationId xmlns:p14="http://schemas.microsoft.com/office/powerpoint/2010/main" val="2354638140"/>
+      </p:ext>
+    </p:extLst>
+  </p:cSld>
+  <p:clrMapOvr>
+    <a:masterClrMapping/>
+  </p:clrMapOvr>
+  <p:timing>
+    <p:tnLst>
+      <p:par>
+        <p:cTn id="1" dur="indefinite" restart="never" nodeType="tmRoot"/>
+      </p:par>
+    </p:tnLst>
+  </p:timing>
+</p:sld>
+</file>
+
+<file path=ppt/slides/slide30.xml><?xml version="1.0" encoding="utf-8"?>
 <p:sld xmlns:a="http://schemas.openxmlformats.org/drawingml/2006/main" xmlns:r="http://schemas.openxmlformats.org/officeDocument/2006/relationships" xmlns:p="http://schemas.openxmlformats.org/presentationml/2006/main">
   <p:cSld>
     <p:spTree>
@@ -20566,7 +22117,7 @@
           <a:p>
             <a:fld id="{DDF79876-6C45-4580-869E-5BF3948A02FD}" type="slidenum">
               <a:rPr lang="he-IL" smtClean="0"/>
-              <a:t>26</a:t>
+              <a:t>30</a:t>
             </a:fld>
             <a:endParaRPr lang="he-IL"/>
           </a:p>
@@ -20585,7 +22136,7 @@
 </p:sld>
 </file>
 
-<file path=ppt/slides/slide27.xml><?xml version="1.0" encoding="utf-8"?>
+<file path=ppt/slides/slide31.xml><?xml version="1.0" encoding="utf-8"?>
 <p:sld xmlns:a="http://schemas.openxmlformats.org/drawingml/2006/main" xmlns:r="http://schemas.openxmlformats.org/officeDocument/2006/relationships" xmlns:p="http://schemas.openxmlformats.org/presentationml/2006/main">
   <p:cSld>
     <p:spTree>
@@ -20695,7 +22246,7 @@
           <a:p>
             <a:fld id="{DDF79876-6C45-4580-869E-5BF3948A02FD}" type="slidenum">
               <a:rPr lang="he-IL" smtClean="0"/>
-              <a:t>27</a:t>
+              <a:t>31</a:t>
             </a:fld>
             <a:endParaRPr lang="he-IL"/>
           </a:p>
@@ -20714,7 +22265,7 @@
 </p:sld>
 </file>
 
-<file path=ppt/slides/slide28.xml><?xml version="1.0" encoding="utf-8"?>
+<file path=ppt/slides/slide32.xml><?xml version="1.0" encoding="utf-8"?>
 <p:sld xmlns:a="http://schemas.openxmlformats.org/drawingml/2006/main" xmlns:r="http://schemas.openxmlformats.org/officeDocument/2006/relationships" xmlns:p="http://schemas.openxmlformats.org/presentationml/2006/main">
   <p:cSld>
     <p:spTree>
@@ -20799,7 +22350,7 @@
           <a:p>
             <a:fld id="{DDF79876-6C45-4580-869E-5BF3948A02FD}" type="slidenum">
               <a:rPr lang="he-IL" smtClean="0"/>
-              <a:t>28</a:t>
+              <a:t>32</a:t>
             </a:fld>
             <a:endParaRPr lang="he-IL"/>
           </a:p>
@@ -20818,7 +22369,7 @@
 </p:sld>
 </file>
 
-<file path=ppt/slides/slide29.xml><?xml version="1.0" encoding="utf-8"?>
+<file path=ppt/slides/slide33.xml><?xml version="1.0" encoding="utf-8"?>
 <p:sld xmlns:a="http://schemas.openxmlformats.org/drawingml/2006/main" xmlns:r="http://schemas.openxmlformats.org/officeDocument/2006/relationships" xmlns:p="http://schemas.openxmlformats.org/presentationml/2006/main">
   <p:cSld>
     <p:spTree>
@@ -20928,7 +22479,7 @@
           <a:p>
             <a:fld id="{DDF79876-6C45-4580-869E-5BF3948A02FD}" type="slidenum">
               <a:rPr lang="he-IL" smtClean="0"/>
-              <a:t>29</a:t>
+              <a:t>33</a:t>
             </a:fld>
             <a:endParaRPr lang="he-IL"/>
           </a:p>
@@ -20947,190 +22498,7 @@
 </p:sld>
 </file>
 
-<file path=ppt/slides/slide3.xml><?xml version="1.0" encoding="utf-8"?>
-<p:sld xmlns:a="http://schemas.openxmlformats.org/drawingml/2006/main" xmlns:r="http://schemas.openxmlformats.org/officeDocument/2006/relationships" xmlns:p="http://schemas.openxmlformats.org/presentationml/2006/main">
-  <p:cSld>
-    <p:spTree>
-      <p:nvGrpSpPr>
-        <p:cNvPr id="1" name=""/>
-        <p:cNvGrpSpPr/>
-        <p:nvPr/>
-      </p:nvGrpSpPr>
-      <p:grpSpPr>
-        <a:xfrm>
-          <a:off x="0" y="0"/>
-          <a:ext cx="0" cy="0"/>
-          <a:chOff x="0" y="0"/>
-          <a:chExt cx="0" cy="0"/>
-        </a:xfrm>
-      </p:grpSpPr>
-      <p:sp>
-        <p:nvSpPr>
-          <p:cNvPr id="2" name="כותרת 1"/>
-          <p:cNvSpPr>
-            <a:spLocks noGrp="1"/>
-          </p:cNvSpPr>
-          <p:nvPr>
-            <p:ph type="title"/>
-          </p:nvPr>
-        </p:nvSpPr>
-        <p:spPr/>
-        <p:txBody>
-          <a:bodyPr anchor="ctr" anchorCtr="0"/>
-          <a:lstStyle/>
-          <a:p>
-            <a:pPr algn="r" rtl="0"/>
-            <a:r>
-              <a:rPr lang="he-IL" dirty="0" smtClean="0"/>
-              <a:t>אירועים בעיריית ירושלים</a:t>
-            </a:r>
-            <a:endParaRPr lang="he-IL" dirty="0"/>
-          </a:p>
-        </p:txBody>
-      </p:sp>
-      <p:sp>
-        <p:nvSpPr>
-          <p:cNvPr id="3" name="מציין מיקום תוכן 2"/>
-          <p:cNvSpPr>
-            <a:spLocks noGrp="1"/>
-          </p:cNvSpPr>
-          <p:nvPr>
-            <p:ph idx="1"/>
-          </p:nvPr>
-        </p:nvSpPr>
-        <p:spPr>
-          <a:xfrm>
-            <a:off x="2589212" y="2009775"/>
-            <a:ext cx="8915400" cy="4000500"/>
-          </a:xfrm>
-        </p:spPr>
-        <p:txBody>
-          <a:bodyPr>
-            <a:normAutofit/>
-          </a:bodyPr>
-          <a:lstStyle/>
-          <a:p>
-            <a:pPr marL="0" indent="0">
-              <a:buNone/>
-            </a:pPr>
-            <a:r>
-              <a:rPr lang="he-IL" dirty="0"/>
-              <a:t>עיריית ירושלים </a:t>
-            </a:r>
-            <a:r>
-              <a:rPr lang="he-IL" dirty="0" smtClean="0"/>
-              <a:t>דואגת לתושביה ומציעה </a:t>
-            </a:r>
-            <a:r>
-              <a:rPr lang="he-IL" dirty="0"/>
-              <a:t>מגוון רחב של אירועים תרבותיים, כולל הופעות מוזיקה, הצגות תיאטרון, תערוכות אמנות, סרטים, ועוד. המטרה העיקרית של הארגון היא לספק לתושבי העיר חוויות תרבותיות מרתקות ומגוונות במחירים נוחים או </a:t>
-            </a:r>
-            <a:r>
-              <a:rPr lang="he-IL" dirty="0" smtClean="0"/>
-              <a:t>חינם. </a:t>
-            </a:r>
-          </a:p>
-          <a:p>
-            <a:pPr marL="0" indent="0">
-              <a:buNone/>
-            </a:pPr>
-            <a:r>
-              <a:rPr lang="he-IL" dirty="0" smtClean="0"/>
-              <a:t>בכדי </a:t>
-            </a:r>
-            <a:r>
-              <a:rPr lang="he-IL" dirty="0"/>
-              <a:t>להבטיח חוויה נעימה ובטוחה לכל משתתף, </a:t>
-            </a:r>
-            <a:r>
-              <a:rPr lang="he-IL" dirty="0" smtClean="0"/>
-              <a:t>חשוב מאוד לארגן רישום מראש. הרישום יאפשר </a:t>
-            </a:r>
-            <a:r>
-              <a:rPr lang="he-IL" dirty="0"/>
-              <a:t>לארגון </a:t>
-            </a:r>
-            <a:r>
-              <a:rPr lang="he-IL" dirty="0" smtClean="0"/>
-              <a:t>ולתכנן </a:t>
-            </a:r>
-            <a:r>
-              <a:rPr lang="he-IL" dirty="0"/>
-              <a:t>את האירוע בהתאם למספר המשתתפים הצפויים, לשלוט </a:t>
-            </a:r>
-            <a:r>
-              <a:rPr lang="he-IL" dirty="0" smtClean="0"/>
-              <a:t>בכמותם </a:t>
-            </a:r>
-            <a:r>
-              <a:rPr lang="he-IL" dirty="0"/>
-              <a:t>ולוודא את הסדר והבטיחות במהלך האירוע</a:t>
-            </a:r>
-            <a:r>
-              <a:rPr lang="he-IL" dirty="0" smtClean="0"/>
-              <a:t>. </a:t>
-            </a:r>
-            <a:r>
-              <a:rPr lang="he-IL" dirty="0"/>
-              <a:t>הרישום מראש מאפשר למשתתפים לחוות את האירוע בשקט נפשי, בלי לדאוג לשאלות כמו מקום ישיבה או זמן עריכה. בכך, הם יכולים להתמקד בחוויה עצמה וליצור רגעים ייחודיים ומיוחדים.</a:t>
-            </a:r>
-          </a:p>
-          <a:p>
-            <a:pPr marL="0" indent="0">
-              <a:buNone/>
-            </a:pPr>
-            <a:r>
-              <a:rPr lang="he-IL" dirty="0" smtClean="0"/>
-              <a:t>המערכת שלנו תעסוק בניהול מערכות המידע של האירועים בעיריית ירושלים. ותכלול את הישויות הבאות: מארגנים- פרטי קשר של מי שמארגן את האירוע, משתתפים- שיכולים להירשם לאירוע, אירוע- שמציג את הפרטים שלו וכך משתמשים יודעים אם הם רוצים להירשם, סוג אירוע- כמו ספורט, יום העצמאות..., הרשמה לאירועים, וחבר מועדון ירושלמי- שמקנה הנחה. אנו מניחים שמשלמים בכניסה וההנחה של ירושלמי היא אותו אחוז הנחה לכל האירועים.</a:t>
-            </a:r>
-            <a:endParaRPr lang="he-IL" dirty="0"/>
-          </a:p>
-        </p:txBody>
-      </p:sp>
-      <p:sp>
-        <p:nvSpPr>
-          <p:cNvPr id="4" name="מציין מיקום של מספר שקופית 3"/>
-          <p:cNvSpPr>
-            <a:spLocks noGrp="1"/>
-          </p:cNvSpPr>
-          <p:nvPr>
-            <p:ph type="sldNum" sz="quarter" idx="12"/>
-          </p:nvPr>
-        </p:nvSpPr>
-        <p:spPr/>
-        <p:txBody>
-          <a:bodyPr/>
-          <a:lstStyle/>
-          <a:p>
-            <a:fld id="{DDF79876-6C45-4580-869E-5BF3948A02FD}" type="slidenum">
-              <a:rPr lang="he-IL" smtClean="0"/>
-              <a:t>3</a:t>
-            </a:fld>
-            <a:endParaRPr lang="he-IL"/>
-          </a:p>
-        </p:txBody>
-      </p:sp>
-    </p:spTree>
-    <p:extLst>
-      <p:ext uri="{BB962C8B-B14F-4D97-AF65-F5344CB8AC3E}">
-        <p14:creationId xmlns:p14="http://schemas.microsoft.com/office/powerpoint/2010/main" val="2354638140"/>
-      </p:ext>
-    </p:extLst>
-  </p:cSld>
-  <p:clrMapOvr>
-    <a:masterClrMapping/>
-  </p:clrMapOvr>
-  <p:timing>
-    <p:tnLst>
-      <p:par>
-        <p:cTn id="1" dur="indefinite" restart="never" nodeType="tmRoot"/>
-      </p:par>
-    </p:tnLst>
-  </p:timing>
-</p:sld>
-</file>
-
-<file path=ppt/slides/slide30.xml><?xml version="1.0" encoding="utf-8"?>
+<file path=ppt/slides/slide34.xml><?xml version="1.0" encoding="utf-8"?>
 <p:sld xmlns:a="http://schemas.openxmlformats.org/drawingml/2006/main" xmlns:r="http://schemas.openxmlformats.org/officeDocument/2006/relationships" xmlns:p="http://schemas.openxmlformats.org/presentationml/2006/main">
   <p:cSld>
     <p:spTree>
@@ -21216,7 +22584,7 @@
           <a:p>
             <a:fld id="{DDF79876-6C45-4580-869E-5BF3948A02FD}" type="slidenum">
               <a:rPr lang="he-IL" smtClean="0"/>
-              <a:t>30</a:t>
+              <a:t>34</a:t>
             </a:fld>
             <a:endParaRPr lang="he-IL"/>
           </a:p>
@@ -21235,7 +22603,7 @@
 </p:sld>
 </file>
 
-<file path=ppt/slides/slide31.xml><?xml version="1.0" encoding="utf-8"?>
+<file path=ppt/slides/slide35.xml><?xml version="1.0" encoding="utf-8"?>
 <p:sld xmlns:a="http://schemas.openxmlformats.org/drawingml/2006/main" xmlns:r="http://schemas.openxmlformats.org/officeDocument/2006/relationships" xmlns:p="http://schemas.openxmlformats.org/presentationml/2006/main">
   <p:cSld>
     <p:spTree>
@@ -21345,7 +22713,7 @@
           <a:p>
             <a:fld id="{DDF79876-6C45-4580-869E-5BF3948A02FD}" type="slidenum">
               <a:rPr lang="he-IL" smtClean="0"/>
-              <a:t>31</a:t>
+              <a:t>35</a:t>
             </a:fld>
             <a:endParaRPr lang="he-IL"/>
           </a:p>
@@ -21364,7 +22732,7 @@
 </p:sld>
 </file>
 
-<file path=ppt/slides/slide32.xml><?xml version="1.0" encoding="utf-8"?>
+<file path=ppt/slides/slide36.xml><?xml version="1.0" encoding="utf-8"?>
 <p:sld xmlns:a="http://schemas.openxmlformats.org/drawingml/2006/main" xmlns:r="http://schemas.openxmlformats.org/officeDocument/2006/relationships" xmlns:p="http://schemas.openxmlformats.org/presentationml/2006/main">
   <p:cSld>
     <p:spTree>
@@ -21450,7 +22818,7 @@
           <a:p>
             <a:fld id="{DDF79876-6C45-4580-869E-5BF3948A02FD}" type="slidenum">
               <a:rPr lang="he-IL" smtClean="0"/>
-              <a:t>32</a:t>
+              <a:t>36</a:t>
             </a:fld>
             <a:endParaRPr lang="he-IL"/>
           </a:p>
@@ -21469,7 +22837,7 @@
 </p:sld>
 </file>
 
-<file path=ppt/slides/slide33.xml><?xml version="1.0" encoding="utf-8"?>
+<file path=ppt/slides/slide37.xml><?xml version="1.0" encoding="utf-8"?>
 <p:sld xmlns:a="http://schemas.openxmlformats.org/drawingml/2006/main" xmlns:r="http://schemas.openxmlformats.org/officeDocument/2006/relationships" xmlns:p="http://schemas.openxmlformats.org/presentationml/2006/main">
   <p:cSld>
     <p:spTree>
@@ -21579,7 +22947,7 @@
           <a:p>
             <a:fld id="{DDF79876-6C45-4580-869E-5BF3948A02FD}" type="slidenum">
               <a:rPr lang="he-IL" smtClean="0"/>
-              <a:t>33</a:t>
+              <a:t>37</a:t>
             </a:fld>
             <a:endParaRPr lang="he-IL"/>
           </a:p>
@@ -21598,7 +22966,7 @@
 </p:sld>
 </file>
 
-<file path=ppt/slides/slide34.xml><?xml version="1.0" encoding="utf-8"?>
+<file path=ppt/slides/slide38.xml><?xml version="1.0" encoding="utf-8"?>
 <p:sld xmlns:a="http://schemas.openxmlformats.org/drawingml/2006/main" xmlns:r="http://schemas.openxmlformats.org/officeDocument/2006/relationships" xmlns:p="http://schemas.openxmlformats.org/presentationml/2006/main">
   <p:cSld>
     <p:spTree>
@@ -21684,7 +23052,7 @@
           <a:p>
             <a:fld id="{DDF79876-6C45-4580-869E-5BF3948A02FD}" type="slidenum">
               <a:rPr lang="he-IL" smtClean="0"/>
-              <a:t>34</a:t>
+              <a:t>38</a:t>
             </a:fld>
             <a:endParaRPr lang="he-IL"/>
           </a:p>
@@ -21703,7 +23071,7 @@
 </p:sld>
 </file>
 
-<file path=ppt/slides/slide35.xml><?xml version="1.0" encoding="utf-8"?>
+<file path=ppt/slides/slide39.xml><?xml version="1.0" encoding="utf-8"?>
 <p:sld xmlns:a="http://schemas.openxmlformats.org/drawingml/2006/main" xmlns:r="http://schemas.openxmlformats.org/officeDocument/2006/relationships" xmlns:p="http://schemas.openxmlformats.org/presentationml/2006/main">
   <p:cSld>
     <p:spTree>
@@ -21813,7 +23181,7 @@
           <a:p>
             <a:fld id="{DDF79876-6C45-4580-869E-5BF3948A02FD}" type="slidenum">
               <a:rPr lang="he-IL" smtClean="0"/>
-              <a:t>35</a:t>
+              <a:t>39</a:t>
             </a:fld>
             <a:endParaRPr lang="he-IL"/>
           </a:p>
@@ -21823,521 +23191,6 @@
     <p:extLst>
       <p:ext uri="{BB962C8B-B14F-4D97-AF65-F5344CB8AC3E}">
         <p14:creationId xmlns:p14="http://schemas.microsoft.com/office/powerpoint/2010/main" val="4025113933"/>
-      </p:ext>
-    </p:extLst>
-  </p:cSld>
-  <p:clrMapOvr>
-    <a:masterClrMapping/>
-  </p:clrMapOvr>
-</p:sld>
-</file>
-
-<file path=ppt/slides/slide36.xml><?xml version="1.0" encoding="utf-8"?>
-<p:sld xmlns:a="http://schemas.openxmlformats.org/drawingml/2006/main" xmlns:r="http://schemas.openxmlformats.org/officeDocument/2006/relationships" xmlns:p="http://schemas.openxmlformats.org/presentationml/2006/main">
-  <p:cSld>
-    <p:spTree>
-      <p:nvGrpSpPr>
-        <p:cNvPr id="1" name=""/>
-        <p:cNvGrpSpPr/>
-        <p:nvPr/>
-      </p:nvGrpSpPr>
-      <p:grpSpPr>
-        <a:xfrm>
-          <a:off x="0" y="0"/>
-          <a:ext cx="0" cy="0"/>
-          <a:chOff x="0" y="0"/>
-          <a:chExt cx="0" cy="0"/>
-        </a:xfrm>
-      </p:grpSpPr>
-      <p:sp>
-        <p:nvSpPr>
-          <p:cNvPr id="4" name="כותרת 1"/>
-          <p:cNvSpPr>
-            <a:spLocks noGrp="1"/>
-          </p:cNvSpPr>
-          <p:nvPr>
-            <p:ph type="title"/>
-          </p:nvPr>
-        </p:nvSpPr>
-        <p:spPr>
-          <a:xfrm>
-            <a:off x="1747073" y="624110"/>
-            <a:ext cx="4227512" cy="1280890"/>
-          </a:xfrm>
-        </p:spPr>
-        <p:txBody>
-          <a:bodyPr/>
-          <a:lstStyle/>
-          <a:p>
-            <a:r>
-              <a:rPr lang="en-US" dirty="0" smtClean="0"/>
-              <a:t>DATA GENERATOR: </a:t>
-            </a:r>
-            <a:endParaRPr lang="he-IL" dirty="0"/>
-          </a:p>
-        </p:txBody>
-      </p:sp>
-      <p:pic>
-        <p:nvPicPr>
-          <p:cNvPr id="3" name="תמונה 2"/>
-          <p:cNvPicPr>
-            <a:picLocks noChangeAspect="1"/>
-          </p:cNvPicPr>
-          <p:nvPr/>
-        </p:nvPicPr>
-        <p:blipFill>
-          <a:blip r:embed="rId2"/>
-          <a:stretch>
-            <a:fillRect/>
-          </a:stretch>
-        </p:blipFill>
-        <p:spPr>
-          <a:xfrm>
-            <a:off x="7343775" y="218023"/>
-            <a:ext cx="4162760" cy="6541480"/>
-          </a:xfrm>
-          <a:prstGeom prst="rect">
-            <a:avLst/>
-          </a:prstGeom>
-        </p:spPr>
-      </p:pic>
-      <p:sp>
-        <p:nvSpPr>
-          <p:cNvPr id="2" name="מציין מיקום של מספר שקופית 1"/>
-          <p:cNvSpPr>
-            <a:spLocks noGrp="1"/>
-          </p:cNvSpPr>
-          <p:nvPr>
-            <p:ph type="sldNum" sz="quarter" idx="12"/>
-          </p:nvPr>
-        </p:nvSpPr>
-        <p:spPr/>
-        <p:txBody>
-          <a:bodyPr/>
-          <a:lstStyle/>
-          <a:p>
-            <a:fld id="{DDF79876-6C45-4580-869E-5BF3948A02FD}" type="slidenum">
-              <a:rPr lang="he-IL" smtClean="0"/>
-              <a:t>36</a:t>
-            </a:fld>
-            <a:endParaRPr lang="he-IL"/>
-          </a:p>
-        </p:txBody>
-      </p:sp>
-    </p:spTree>
-    <p:extLst>
-      <p:ext uri="{BB962C8B-B14F-4D97-AF65-F5344CB8AC3E}">
-        <p14:creationId xmlns:p14="http://schemas.microsoft.com/office/powerpoint/2010/main" val="3754053483"/>
-      </p:ext>
-    </p:extLst>
-  </p:cSld>
-  <p:clrMapOvr>
-    <a:masterClrMapping/>
-  </p:clrMapOvr>
-</p:sld>
-</file>
-
-<file path=ppt/slides/slide37.xml><?xml version="1.0" encoding="utf-8"?>
-<p:sld xmlns:a="http://schemas.openxmlformats.org/drawingml/2006/main" xmlns:r="http://schemas.openxmlformats.org/officeDocument/2006/relationships" xmlns:p="http://schemas.openxmlformats.org/presentationml/2006/main">
-  <p:cSld>
-    <p:spTree>
-      <p:nvGrpSpPr>
-        <p:cNvPr id="1" name=""/>
-        <p:cNvGrpSpPr/>
-        <p:nvPr/>
-      </p:nvGrpSpPr>
-      <p:grpSpPr>
-        <a:xfrm>
-          <a:off x="0" y="0"/>
-          <a:ext cx="0" cy="0"/>
-          <a:chOff x="0" y="0"/>
-          <a:chExt cx="0" cy="0"/>
-        </a:xfrm>
-      </p:grpSpPr>
-      <p:sp>
-        <p:nvSpPr>
-          <p:cNvPr id="2" name="כותרת 1"/>
-          <p:cNvSpPr>
-            <a:spLocks noGrp="1"/>
-          </p:cNvSpPr>
-          <p:nvPr>
-            <p:ph type="title"/>
-          </p:nvPr>
-        </p:nvSpPr>
-        <p:spPr/>
-        <p:txBody>
-          <a:bodyPr/>
-          <a:lstStyle/>
-          <a:p>
-            <a:r>
-              <a:rPr lang="he-IL" dirty="0" smtClean="0"/>
-              <a:t>גיבוי</a:t>
-            </a:r>
-            <a:endParaRPr lang="he-IL" dirty="0"/>
-          </a:p>
-        </p:txBody>
-      </p:sp>
-      <p:pic>
-        <p:nvPicPr>
-          <p:cNvPr id="4" name="תמונה 3"/>
-          <p:cNvPicPr>
-            <a:picLocks noChangeAspect="1"/>
-          </p:cNvPicPr>
-          <p:nvPr/>
-        </p:nvPicPr>
-        <p:blipFill>
-          <a:blip r:embed="rId2"/>
-          <a:stretch>
-            <a:fillRect/>
-          </a:stretch>
-        </p:blipFill>
-        <p:spPr>
-          <a:xfrm>
-            <a:off x="1828162" y="2400038"/>
-            <a:ext cx="9145276" cy="3753374"/>
-          </a:xfrm>
-          <a:prstGeom prst="rect">
-            <a:avLst/>
-          </a:prstGeom>
-        </p:spPr>
-      </p:pic>
-      <p:pic>
-        <p:nvPicPr>
-          <p:cNvPr id="5" name="תמונה 4"/>
-          <p:cNvPicPr>
-            <a:picLocks noChangeAspect="1"/>
-          </p:cNvPicPr>
-          <p:nvPr/>
-        </p:nvPicPr>
-        <p:blipFill>
-          <a:blip r:embed="rId3"/>
-          <a:stretch>
-            <a:fillRect/>
-          </a:stretch>
-        </p:blipFill>
-        <p:spPr>
-          <a:xfrm>
-            <a:off x="1556704" y="1576129"/>
-            <a:ext cx="9078592" cy="3705742"/>
-          </a:xfrm>
-          <a:prstGeom prst="rect">
-            <a:avLst/>
-          </a:prstGeom>
-        </p:spPr>
-      </p:pic>
-      <p:sp>
-        <p:nvSpPr>
-          <p:cNvPr id="3" name="מציין מיקום של מספר שקופית 2"/>
-          <p:cNvSpPr>
-            <a:spLocks noGrp="1"/>
-          </p:cNvSpPr>
-          <p:nvPr>
-            <p:ph type="sldNum" sz="quarter" idx="12"/>
-          </p:nvPr>
-        </p:nvSpPr>
-        <p:spPr/>
-        <p:txBody>
-          <a:bodyPr/>
-          <a:lstStyle/>
-          <a:p>
-            <a:fld id="{DDF79876-6C45-4580-869E-5BF3948A02FD}" type="slidenum">
-              <a:rPr lang="he-IL" smtClean="0"/>
-              <a:t>37</a:t>
-            </a:fld>
-            <a:endParaRPr lang="he-IL"/>
-          </a:p>
-        </p:txBody>
-      </p:sp>
-    </p:spTree>
-    <p:extLst>
-      <p:ext uri="{BB962C8B-B14F-4D97-AF65-F5344CB8AC3E}">
-        <p14:creationId xmlns:p14="http://schemas.microsoft.com/office/powerpoint/2010/main" val="1197995262"/>
-      </p:ext>
-    </p:extLst>
-  </p:cSld>
-  <p:clrMapOvr>
-    <a:masterClrMapping/>
-  </p:clrMapOvr>
-</p:sld>
-</file>
-
-<file path=ppt/slides/slide38.xml><?xml version="1.0" encoding="utf-8"?>
-<p:sld xmlns:a="http://schemas.openxmlformats.org/drawingml/2006/main" xmlns:r="http://schemas.openxmlformats.org/officeDocument/2006/relationships" xmlns:p="http://schemas.openxmlformats.org/presentationml/2006/main">
-  <p:cSld>
-    <p:spTree>
-      <p:nvGrpSpPr>
-        <p:cNvPr id="1" name=""/>
-        <p:cNvGrpSpPr/>
-        <p:nvPr/>
-      </p:nvGrpSpPr>
-      <p:grpSpPr>
-        <a:xfrm>
-          <a:off x="0" y="0"/>
-          <a:ext cx="0" cy="0"/>
-          <a:chOff x="0" y="0"/>
-          <a:chExt cx="0" cy="0"/>
-        </a:xfrm>
-      </p:grpSpPr>
-      <p:pic>
-        <p:nvPicPr>
-          <p:cNvPr id="4" name="תמונה 3"/>
-          <p:cNvPicPr>
-            <a:picLocks noChangeAspect="1"/>
-          </p:cNvPicPr>
-          <p:nvPr/>
-        </p:nvPicPr>
-        <p:blipFill>
-          <a:blip r:embed="rId2"/>
-          <a:stretch>
-            <a:fillRect/>
-          </a:stretch>
-        </p:blipFill>
-        <p:spPr>
-          <a:xfrm>
-            <a:off x="5812909" y="1264555"/>
-            <a:ext cx="5691703" cy="5265743"/>
-          </a:xfrm>
-          <a:prstGeom prst="rect">
-            <a:avLst/>
-          </a:prstGeom>
-        </p:spPr>
-      </p:pic>
-      <p:sp>
-        <p:nvSpPr>
-          <p:cNvPr id="3" name="כותרת 1"/>
-          <p:cNvSpPr>
-            <a:spLocks noGrp="1"/>
-          </p:cNvSpPr>
-          <p:nvPr>
-            <p:ph type="title"/>
-          </p:nvPr>
-        </p:nvSpPr>
-        <p:spPr>
-          <a:xfrm>
-            <a:off x="2592925" y="624110"/>
-            <a:ext cx="8911687" cy="1280890"/>
-          </a:xfrm>
-        </p:spPr>
-        <p:txBody>
-          <a:bodyPr/>
-          <a:lstStyle/>
-          <a:p>
-            <a:r>
-              <a:rPr lang="he-IL" dirty="0" smtClean="0"/>
-              <a:t>גיבוי</a:t>
-            </a:r>
-            <a:endParaRPr lang="he-IL" dirty="0"/>
-          </a:p>
-        </p:txBody>
-      </p:sp>
-      <p:sp>
-        <p:nvSpPr>
-          <p:cNvPr id="2" name="מציין מיקום של מספר שקופית 1"/>
-          <p:cNvSpPr>
-            <a:spLocks noGrp="1"/>
-          </p:cNvSpPr>
-          <p:nvPr>
-            <p:ph type="sldNum" sz="quarter" idx="12"/>
-          </p:nvPr>
-        </p:nvSpPr>
-        <p:spPr/>
-        <p:txBody>
-          <a:bodyPr/>
-          <a:lstStyle/>
-          <a:p>
-            <a:fld id="{DDF79876-6C45-4580-869E-5BF3948A02FD}" type="slidenum">
-              <a:rPr lang="he-IL" smtClean="0"/>
-              <a:t>38</a:t>
-            </a:fld>
-            <a:endParaRPr lang="he-IL"/>
-          </a:p>
-        </p:txBody>
-      </p:sp>
-    </p:spTree>
-    <p:extLst>
-      <p:ext uri="{BB962C8B-B14F-4D97-AF65-F5344CB8AC3E}">
-        <p14:creationId xmlns:p14="http://schemas.microsoft.com/office/powerpoint/2010/main" val="1873647641"/>
-      </p:ext>
-    </p:extLst>
-  </p:cSld>
-  <p:clrMapOvr>
-    <a:masterClrMapping/>
-  </p:clrMapOvr>
-</p:sld>
-</file>
-
-<file path=ppt/slides/slide39.xml><?xml version="1.0" encoding="utf-8"?>
-<p:sld xmlns:a="http://schemas.openxmlformats.org/drawingml/2006/main" xmlns:r="http://schemas.openxmlformats.org/officeDocument/2006/relationships" xmlns:p="http://schemas.openxmlformats.org/presentationml/2006/main">
-  <p:cSld>
-    <p:spTree>
-      <p:nvGrpSpPr>
-        <p:cNvPr id="1" name=""/>
-        <p:cNvGrpSpPr/>
-        <p:nvPr/>
-      </p:nvGrpSpPr>
-      <p:grpSpPr>
-        <a:xfrm>
-          <a:off x="0" y="0"/>
-          <a:ext cx="0" cy="0"/>
-          <a:chOff x="0" y="0"/>
-          <a:chExt cx="0" cy="0"/>
-        </a:xfrm>
-      </p:grpSpPr>
-      <p:pic>
-        <p:nvPicPr>
-          <p:cNvPr id="4" name="תמונה 3"/>
-          <p:cNvPicPr>
-            <a:picLocks noChangeAspect="1"/>
-          </p:cNvPicPr>
-          <p:nvPr/>
-        </p:nvPicPr>
-        <p:blipFill>
-          <a:blip r:embed="rId2"/>
-          <a:stretch>
-            <a:fillRect/>
-          </a:stretch>
-        </p:blipFill>
-        <p:spPr>
-          <a:xfrm>
-            <a:off x="1556694" y="2247690"/>
-            <a:ext cx="9211961" cy="3010320"/>
-          </a:xfrm>
-          <a:prstGeom prst="rect">
-            <a:avLst/>
-          </a:prstGeom>
-        </p:spPr>
-      </p:pic>
-      <p:sp>
-        <p:nvSpPr>
-          <p:cNvPr id="5" name="כותרת 1"/>
-          <p:cNvSpPr txBox="1">
-            <a:spLocks/>
-          </p:cNvSpPr>
-          <p:nvPr/>
-        </p:nvSpPr>
-        <p:spPr>
-          <a:xfrm>
-            <a:off x="2745325" y="776510"/>
-            <a:ext cx="8911687" cy="1280890"/>
-          </a:xfrm>
-          <a:prstGeom prst="rect">
-            <a:avLst/>
-          </a:prstGeom>
-        </p:spPr>
-        <p:txBody>
-          <a:bodyPr vert="horz" lIns="91440" tIns="45720" rIns="91440" bIns="45720" rtlCol="0" anchor="t">
-            <a:normAutofit/>
-          </a:bodyPr>
-          <a:lstStyle>
-            <a:lvl1pPr algn="l" defTabSz="457200" rtl="1" eaLnBrk="1" latinLnBrk="0" hangingPunct="1">
-              <a:spcBef>
-                <a:spcPct val="0"/>
-              </a:spcBef>
-              <a:buNone/>
-              <a:defRPr sz="3600" kern="1200">
-                <a:solidFill>
-                  <a:schemeClr val="accent2">
-                    <a:lumMod val="75000"/>
-                  </a:schemeClr>
-                </a:solidFill>
-                <a:latin typeface="+mj-lt"/>
-                <a:ea typeface="+mj-ea"/>
-                <a:cs typeface="+mj-cs"/>
-              </a:defRPr>
-            </a:lvl1pPr>
-            <a:lvl2pPr rtl="1" eaLnBrk="1" hangingPunct="1">
-              <a:defRPr>
-                <a:solidFill>
-                  <a:schemeClr val="tx2"/>
-                </a:solidFill>
-              </a:defRPr>
-            </a:lvl2pPr>
-            <a:lvl3pPr rtl="1" eaLnBrk="1" hangingPunct="1">
-              <a:defRPr>
-                <a:solidFill>
-                  <a:schemeClr val="tx2"/>
-                </a:solidFill>
-              </a:defRPr>
-            </a:lvl3pPr>
-            <a:lvl4pPr rtl="1" eaLnBrk="1" hangingPunct="1">
-              <a:defRPr>
-                <a:solidFill>
-                  <a:schemeClr val="tx2"/>
-                </a:solidFill>
-              </a:defRPr>
-            </a:lvl4pPr>
-            <a:lvl5pPr rtl="1" eaLnBrk="1" hangingPunct="1">
-              <a:defRPr>
-                <a:solidFill>
-                  <a:schemeClr val="tx2"/>
-                </a:solidFill>
-              </a:defRPr>
-            </a:lvl5pPr>
-            <a:lvl6pPr rtl="1" eaLnBrk="1" hangingPunct="1">
-              <a:defRPr>
-                <a:solidFill>
-                  <a:schemeClr val="tx2"/>
-                </a:solidFill>
-              </a:defRPr>
-            </a:lvl6pPr>
-            <a:lvl7pPr rtl="1" eaLnBrk="1" hangingPunct="1">
-              <a:defRPr>
-                <a:solidFill>
-                  <a:schemeClr val="tx2"/>
-                </a:solidFill>
-              </a:defRPr>
-            </a:lvl7pPr>
-            <a:lvl8pPr rtl="1" eaLnBrk="1" hangingPunct="1">
-              <a:defRPr>
-                <a:solidFill>
-                  <a:schemeClr val="tx2"/>
-                </a:solidFill>
-              </a:defRPr>
-            </a:lvl8pPr>
-            <a:lvl9pPr rtl="1" eaLnBrk="1" hangingPunct="1">
-              <a:defRPr>
-                <a:solidFill>
-                  <a:schemeClr val="tx2"/>
-                </a:solidFill>
-              </a:defRPr>
-            </a:lvl9pPr>
-          </a:lstStyle>
-          <a:p>
-            <a:r>
-              <a:rPr lang="he-IL" smtClean="0"/>
-              <a:t>גיבוי</a:t>
-            </a:r>
-            <a:endParaRPr lang="he-IL" dirty="0"/>
-          </a:p>
-        </p:txBody>
-      </p:sp>
-      <p:sp>
-        <p:nvSpPr>
-          <p:cNvPr id="2" name="מציין מיקום של מספר שקופית 1"/>
-          <p:cNvSpPr>
-            <a:spLocks noGrp="1"/>
-          </p:cNvSpPr>
-          <p:nvPr>
-            <p:ph type="sldNum" sz="quarter" idx="12"/>
-          </p:nvPr>
-        </p:nvSpPr>
-        <p:spPr/>
-        <p:txBody>
-          <a:bodyPr/>
-          <a:lstStyle/>
-          <a:p>
-            <a:fld id="{DDF79876-6C45-4580-869E-5BF3948A02FD}" type="slidenum">
-              <a:rPr lang="he-IL" smtClean="0"/>
-              <a:t>39</a:t>
-            </a:fld>
-            <a:endParaRPr lang="he-IL"/>
-          </a:p>
-        </p:txBody>
-      </p:sp>
-    </p:spTree>
-    <p:extLst>
-      <p:ext uri="{BB962C8B-B14F-4D97-AF65-F5344CB8AC3E}">
-        <p14:creationId xmlns:p14="http://schemas.microsoft.com/office/powerpoint/2010/main" val="4063873597"/>
       </p:ext>
     </p:extLst>
   </p:cSld>
@@ -22473,6 +23326,364 @@
       </p:grpSpPr>
       <p:sp>
         <p:nvSpPr>
+          <p:cNvPr id="4" name="כותרת 1"/>
+          <p:cNvSpPr>
+            <a:spLocks noGrp="1"/>
+          </p:cNvSpPr>
+          <p:nvPr>
+            <p:ph type="title"/>
+          </p:nvPr>
+        </p:nvSpPr>
+        <p:spPr>
+          <a:xfrm>
+            <a:off x="1747073" y="624110"/>
+            <a:ext cx="4227512" cy="1280890"/>
+          </a:xfrm>
+        </p:spPr>
+        <p:txBody>
+          <a:bodyPr/>
+          <a:lstStyle/>
+          <a:p>
+            <a:r>
+              <a:rPr lang="en-US" dirty="0" smtClean="0"/>
+              <a:t>DATA GENERATOR: </a:t>
+            </a:r>
+            <a:endParaRPr lang="he-IL" dirty="0"/>
+          </a:p>
+        </p:txBody>
+      </p:sp>
+      <p:pic>
+        <p:nvPicPr>
+          <p:cNvPr id="3" name="תמונה 2"/>
+          <p:cNvPicPr>
+            <a:picLocks noChangeAspect="1"/>
+          </p:cNvPicPr>
+          <p:nvPr/>
+        </p:nvPicPr>
+        <p:blipFill>
+          <a:blip r:embed="rId2"/>
+          <a:stretch>
+            <a:fillRect/>
+          </a:stretch>
+        </p:blipFill>
+        <p:spPr>
+          <a:xfrm>
+            <a:off x="7343775" y="218023"/>
+            <a:ext cx="4162760" cy="6541480"/>
+          </a:xfrm>
+          <a:prstGeom prst="rect">
+            <a:avLst/>
+          </a:prstGeom>
+        </p:spPr>
+      </p:pic>
+      <p:sp>
+        <p:nvSpPr>
+          <p:cNvPr id="2" name="מציין מיקום של מספר שקופית 1"/>
+          <p:cNvSpPr>
+            <a:spLocks noGrp="1"/>
+          </p:cNvSpPr>
+          <p:nvPr>
+            <p:ph type="sldNum" sz="quarter" idx="12"/>
+          </p:nvPr>
+        </p:nvSpPr>
+        <p:spPr/>
+        <p:txBody>
+          <a:bodyPr/>
+          <a:lstStyle/>
+          <a:p>
+            <a:fld id="{DDF79876-6C45-4580-869E-5BF3948A02FD}" type="slidenum">
+              <a:rPr lang="he-IL" smtClean="0"/>
+              <a:t>40</a:t>
+            </a:fld>
+            <a:endParaRPr lang="he-IL"/>
+          </a:p>
+        </p:txBody>
+      </p:sp>
+    </p:spTree>
+    <p:extLst>
+      <p:ext uri="{BB962C8B-B14F-4D97-AF65-F5344CB8AC3E}">
+        <p14:creationId xmlns:p14="http://schemas.microsoft.com/office/powerpoint/2010/main" val="3754053483"/>
+      </p:ext>
+    </p:extLst>
+  </p:cSld>
+  <p:clrMapOvr>
+    <a:masterClrMapping/>
+  </p:clrMapOvr>
+</p:sld>
+</file>
+
+<file path=ppt/slides/slide41.xml><?xml version="1.0" encoding="utf-8"?>
+<p:sld xmlns:a="http://schemas.openxmlformats.org/drawingml/2006/main" xmlns:r="http://schemas.openxmlformats.org/officeDocument/2006/relationships" xmlns:p="http://schemas.openxmlformats.org/presentationml/2006/main">
+  <p:cSld>
+    <p:spTree>
+      <p:nvGrpSpPr>
+        <p:cNvPr id="1" name=""/>
+        <p:cNvGrpSpPr/>
+        <p:nvPr/>
+      </p:nvGrpSpPr>
+      <p:grpSpPr>
+        <a:xfrm>
+          <a:off x="0" y="0"/>
+          <a:ext cx="0" cy="0"/>
+          <a:chOff x="0" y="0"/>
+          <a:chExt cx="0" cy="0"/>
+        </a:xfrm>
+      </p:grpSpPr>
+      <p:sp>
+        <p:nvSpPr>
+          <p:cNvPr id="2" name="כותרת 1"/>
+          <p:cNvSpPr>
+            <a:spLocks noGrp="1"/>
+          </p:cNvSpPr>
+          <p:nvPr>
+            <p:ph type="title"/>
+          </p:nvPr>
+        </p:nvSpPr>
+        <p:spPr/>
+        <p:txBody>
+          <a:bodyPr/>
+          <a:lstStyle/>
+          <a:p>
+            <a:r>
+              <a:rPr lang="he-IL" dirty="0" smtClean="0"/>
+              <a:t>גיבוי</a:t>
+            </a:r>
+            <a:endParaRPr lang="he-IL" dirty="0"/>
+          </a:p>
+        </p:txBody>
+      </p:sp>
+      <p:sp>
+        <p:nvSpPr>
+          <p:cNvPr id="3" name="מציין מיקום של מספר שקופית 2"/>
+          <p:cNvSpPr>
+            <a:spLocks noGrp="1"/>
+          </p:cNvSpPr>
+          <p:nvPr>
+            <p:ph type="sldNum" sz="quarter" idx="12"/>
+          </p:nvPr>
+        </p:nvSpPr>
+        <p:spPr/>
+        <p:txBody>
+          <a:bodyPr/>
+          <a:lstStyle/>
+          <a:p>
+            <a:fld id="{DDF79876-6C45-4580-869E-5BF3948A02FD}" type="slidenum">
+              <a:rPr lang="he-IL" smtClean="0"/>
+              <a:t>41</a:t>
+            </a:fld>
+            <a:endParaRPr lang="he-IL"/>
+          </a:p>
+        </p:txBody>
+      </p:sp>
+      <p:pic>
+        <p:nvPicPr>
+          <p:cNvPr id="9" name="תמונה 8"/>
+          <p:cNvPicPr>
+            <a:picLocks noChangeAspect="1"/>
+          </p:cNvPicPr>
+          <p:nvPr/>
+        </p:nvPicPr>
+        <p:blipFill>
+          <a:blip r:embed="rId2"/>
+          <a:stretch>
+            <a:fillRect/>
+          </a:stretch>
+        </p:blipFill>
+        <p:spPr>
+          <a:xfrm>
+            <a:off x="6652863" y="1857105"/>
+            <a:ext cx="5001323" cy="3867690"/>
+          </a:xfrm>
+          <a:prstGeom prst="rect">
+            <a:avLst/>
+          </a:prstGeom>
+        </p:spPr>
+      </p:pic>
+      <p:pic>
+        <p:nvPicPr>
+          <p:cNvPr id="10" name="תמונה 9"/>
+          <p:cNvPicPr>
+            <a:picLocks noChangeAspect="1"/>
+          </p:cNvPicPr>
+          <p:nvPr/>
+        </p:nvPicPr>
+        <p:blipFill>
+          <a:blip r:embed="rId3"/>
+          <a:stretch>
+            <a:fillRect/>
+          </a:stretch>
+        </p:blipFill>
+        <p:spPr>
+          <a:xfrm>
+            <a:off x="1010867" y="1847579"/>
+            <a:ext cx="5001323" cy="3877216"/>
+          </a:xfrm>
+          <a:prstGeom prst="rect">
+            <a:avLst/>
+          </a:prstGeom>
+        </p:spPr>
+      </p:pic>
+    </p:spTree>
+    <p:extLst>
+      <p:ext uri="{BB962C8B-B14F-4D97-AF65-F5344CB8AC3E}">
+        <p14:creationId xmlns:p14="http://schemas.microsoft.com/office/powerpoint/2010/main" val="1197995262"/>
+      </p:ext>
+    </p:extLst>
+  </p:cSld>
+  <p:clrMapOvr>
+    <a:masterClrMapping/>
+  </p:clrMapOvr>
+</p:sld>
+</file>
+
+<file path=ppt/slides/slide42.xml><?xml version="1.0" encoding="utf-8"?>
+<p:sld xmlns:a="http://schemas.openxmlformats.org/drawingml/2006/main" xmlns:r="http://schemas.openxmlformats.org/officeDocument/2006/relationships" xmlns:p="http://schemas.openxmlformats.org/presentationml/2006/main">
+  <p:cSld>
+    <p:spTree>
+      <p:nvGrpSpPr>
+        <p:cNvPr id="1" name=""/>
+        <p:cNvGrpSpPr/>
+        <p:nvPr/>
+      </p:nvGrpSpPr>
+      <p:grpSpPr>
+        <a:xfrm>
+          <a:off x="0" y="0"/>
+          <a:ext cx="0" cy="0"/>
+          <a:chOff x="0" y="0"/>
+          <a:chExt cx="0" cy="0"/>
+        </a:xfrm>
+      </p:grpSpPr>
+      <p:sp>
+        <p:nvSpPr>
+          <p:cNvPr id="3" name="כותרת 1"/>
+          <p:cNvSpPr>
+            <a:spLocks noGrp="1"/>
+          </p:cNvSpPr>
+          <p:nvPr>
+            <p:ph type="title"/>
+          </p:nvPr>
+        </p:nvSpPr>
+        <p:spPr>
+          <a:xfrm>
+            <a:off x="2592925" y="624110"/>
+            <a:ext cx="8911687" cy="1280890"/>
+          </a:xfrm>
+        </p:spPr>
+        <p:txBody>
+          <a:bodyPr/>
+          <a:lstStyle/>
+          <a:p>
+            <a:r>
+              <a:rPr lang="he-IL" dirty="0" smtClean="0"/>
+              <a:t>שחזור</a:t>
+            </a:r>
+            <a:endParaRPr lang="he-IL" dirty="0"/>
+          </a:p>
+        </p:txBody>
+      </p:sp>
+      <p:sp>
+        <p:nvSpPr>
+          <p:cNvPr id="2" name="מציין מיקום של מספר שקופית 1"/>
+          <p:cNvSpPr>
+            <a:spLocks noGrp="1"/>
+          </p:cNvSpPr>
+          <p:nvPr>
+            <p:ph type="sldNum" sz="quarter" idx="12"/>
+          </p:nvPr>
+        </p:nvSpPr>
+        <p:spPr/>
+        <p:txBody>
+          <a:bodyPr/>
+          <a:lstStyle/>
+          <a:p>
+            <a:fld id="{DDF79876-6C45-4580-869E-5BF3948A02FD}" type="slidenum">
+              <a:rPr lang="he-IL" smtClean="0"/>
+              <a:t>42</a:t>
+            </a:fld>
+            <a:endParaRPr lang="he-IL"/>
+          </a:p>
+        </p:txBody>
+      </p:sp>
+      <p:pic>
+        <p:nvPicPr>
+          <p:cNvPr id="5" name="תמונה 4"/>
+          <p:cNvPicPr>
+            <a:picLocks noChangeAspect="1"/>
+          </p:cNvPicPr>
+          <p:nvPr/>
+        </p:nvPicPr>
+        <p:blipFill>
+          <a:blip r:embed="rId2"/>
+          <a:stretch>
+            <a:fillRect/>
+          </a:stretch>
+        </p:blipFill>
+        <p:spPr>
+          <a:xfrm>
+            <a:off x="993013" y="1952186"/>
+            <a:ext cx="5082733" cy="3048425"/>
+          </a:xfrm>
+          <a:prstGeom prst="rect">
+            <a:avLst/>
+          </a:prstGeom>
+        </p:spPr>
+      </p:pic>
+      <p:pic>
+        <p:nvPicPr>
+          <p:cNvPr id="6" name="תמונה 5"/>
+          <p:cNvPicPr>
+            <a:picLocks noChangeAspect="1"/>
+          </p:cNvPicPr>
+          <p:nvPr/>
+        </p:nvPicPr>
+        <p:blipFill>
+          <a:blip r:embed="rId3"/>
+          <a:stretch>
+            <a:fillRect/>
+          </a:stretch>
+        </p:blipFill>
+        <p:spPr>
+          <a:xfrm>
+            <a:off x="6315074" y="1952186"/>
+            <a:ext cx="5076826" cy="3048425"/>
+          </a:xfrm>
+          <a:prstGeom prst="rect">
+            <a:avLst/>
+          </a:prstGeom>
+        </p:spPr>
+      </p:pic>
+    </p:spTree>
+    <p:extLst>
+      <p:ext uri="{BB962C8B-B14F-4D97-AF65-F5344CB8AC3E}">
+        <p14:creationId xmlns:p14="http://schemas.microsoft.com/office/powerpoint/2010/main" val="1873647641"/>
+      </p:ext>
+    </p:extLst>
+  </p:cSld>
+  <p:clrMapOvr>
+    <a:masterClrMapping/>
+  </p:clrMapOvr>
+</p:sld>
+</file>
+
+<file path=ppt/slides/slide43.xml><?xml version="1.0" encoding="utf-8"?>
+<p:sld xmlns:a="http://schemas.openxmlformats.org/drawingml/2006/main" xmlns:r="http://schemas.openxmlformats.org/officeDocument/2006/relationships" xmlns:p="http://schemas.openxmlformats.org/presentationml/2006/main">
+  <p:cSld>
+    <p:spTree>
+      <p:nvGrpSpPr>
+        <p:cNvPr id="1" name=""/>
+        <p:cNvGrpSpPr/>
+        <p:nvPr/>
+      </p:nvGrpSpPr>
+      <p:grpSpPr>
+        <a:xfrm>
+          <a:off x="0" y="0"/>
+          <a:ext cx="0" cy="0"/>
+          <a:chOff x="0" y="0"/>
+          <a:chExt cx="0" cy="0"/>
+        </a:xfrm>
+      </p:grpSpPr>
+      <p:sp>
+        <p:nvSpPr>
           <p:cNvPr id="2" name="כותרת 1"/>
           <p:cNvSpPr>
             <a:spLocks noGrp="1"/>
@@ -23380,7 +24591,7 @@
           <a:p>
             <a:fld id="{DDF79876-6C45-4580-869E-5BF3948A02FD}" type="slidenum">
               <a:rPr lang="he-IL" smtClean="0"/>
-              <a:t>40</a:t>
+              <a:t>43</a:t>
             </a:fld>
             <a:endParaRPr lang="he-IL"/>
           </a:p>
@@ -23399,7 +24610,7 @@
 </p:sld>
 </file>
 
-<file path=ppt/slides/slide41.xml><?xml version="1.0" encoding="utf-8"?>
+<file path=ppt/slides/slide44.xml><?xml version="1.0" encoding="utf-8"?>
 <p:sld xmlns:a="http://schemas.openxmlformats.org/drawingml/2006/main" xmlns:r="http://schemas.openxmlformats.org/officeDocument/2006/relationships" xmlns:p="http://schemas.openxmlformats.org/presentationml/2006/main">
   <p:cSld>
     <p:spTree>
@@ -24181,7 +25392,7 @@
           <a:p>
             <a:fld id="{DDF79876-6C45-4580-869E-5BF3948A02FD}" type="slidenum">
               <a:rPr lang="he-IL" smtClean="0"/>
-              <a:t>41</a:t>
+              <a:t>44</a:t>
             </a:fld>
             <a:endParaRPr lang="he-IL"/>
           </a:p>
@@ -24200,7 +25411,7 @@
 </p:sld>
 </file>
 
-<file path=ppt/slides/slide42.xml><?xml version="1.0" encoding="utf-8"?>
+<file path=ppt/slides/slide45.xml><?xml version="1.0" encoding="utf-8"?>
 <p:sld xmlns:a="http://schemas.openxmlformats.org/drawingml/2006/main" xmlns:r="http://schemas.openxmlformats.org/officeDocument/2006/relationships" xmlns:p="http://schemas.openxmlformats.org/presentationml/2006/main">
   <p:cSld>
     <p:spTree>
@@ -24815,7 +26026,7 @@
           <a:p>
             <a:fld id="{DDF79876-6C45-4580-869E-5BF3948A02FD}" type="slidenum">
               <a:rPr lang="he-IL" smtClean="0"/>
-              <a:t>42</a:t>
+              <a:t>45</a:t>
             </a:fld>
             <a:endParaRPr lang="he-IL"/>
           </a:p>
@@ -24834,7 +26045,7 @@
 </p:sld>
 </file>
 
-<file path=ppt/slides/slide43.xml><?xml version="1.0" encoding="utf-8"?>
+<file path=ppt/slides/slide46.xml><?xml version="1.0" encoding="utf-8"?>
 <p:sld xmlns:a="http://schemas.openxmlformats.org/drawingml/2006/main" xmlns:r="http://schemas.openxmlformats.org/officeDocument/2006/relationships" xmlns:p="http://schemas.openxmlformats.org/presentationml/2006/main">
   <p:cSld>
     <p:spTree>
@@ -25334,7 +26545,7 @@
           <a:p>
             <a:fld id="{DDF79876-6C45-4580-869E-5BF3948A02FD}" type="slidenum">
               <a:rPr lang="he-IL" smtClean="0"/>
-              <a:t>43</a:t>
+              <a:t>46</a:t>
             </a:fld>
             <a:endParaRPr lang="he-IL"/>
           </a:p>
@@ -25353,7 +26564,7 @@
 </p:sld>
 </file>
 
-<file path=ppt/slides/slide44.xml><?xml version="1.0" encoding="utf-8"?>
+<file path=ppt/slides/slide47.xml><?xml version="1.0" encoding="utf-8"?>
 <p:sld xmlns:a="http://schemas.openxmlformats.org/drawingml/2006/main" xmlns:r="http://schemas.openxmlformats.org/officeDocument/2006/relationships" xmlns:p="http://schemas.openxmlformats.org/presentationml/2006/main">
   <p:cSld>
     <p:spTree>
@@ -25847,7 +27058,7 @@
           <a:p>
             <a:fld id="{DDF79876-6C45-4580-869E-5BF3948A02FD}" type="slidenum">
               <a:rPr lang="he-IL" smtClean="0"/>
-              <a:t>44</a:t>
+              <a:t>47</a:t>
             </a:fld>
             <a:endParaRPr lang="he-IL"/>
           </a:p>
@@ -25857,1062 +27068,6 @@
     <p:extLst>
       <p:ext uri="{BB962C8B-B14F-4D97-AF65-F5344CB8AC3E}">
         <p14:creationId xmlns:p14="http://schemas.microsoft.com/office/powerpoint/2010/main" val="3533943360"/>
-      </p:ext>
-    </p:extLst>
-  </p:cSld>
-  <p:clrMapOvr>
-    <a:masterClrMapping/>
-  </p:clrMapOvr>
-</p:sld>
-</file>
-
-<file path=ppt/slides/slide45.xml><?xml version="1.0" encoding="utf-8"?>
-<p:sld xmlns:a="http://schemas.openxmlformats.org/drawingml/2006/main" xmlns:r="http://schemas.openxmlformats.org/officeDocument/2006/relationships" xmlns:p="http://schemas.openxmlformats.org/presentationml/2006/main">
-  <p:cSld>
-    <p:spTree>
-      <p:nvGrpSpPr>
-        <p:cNvPr id="1" name=""/>
-        <p:cNvGrpSpPr/>
-        <p:nvPr/>
-      </p:nvGrpSpPr>
-      <p:grpSpPr>
-        <a:xfrm>
-          <a:off x="0" y="0"/>
-          <a:ext cx="0" cy="0"/>
-          <a:chOff x="0" y="0"/>
-          <a:chExt cx="0" cy="0"/>
-        </a:xfrm>
-      </p:grpSpPr>
-      <p:sp>
-        <p:nvSpPr>
-          <p:cNvPr id="2" name="כותרת 1"/>
-          <p:cNvSpPr>
-            <a:spLocks noGrp="1"/>
-          </p:cNvSpPr>
-          <p:nvPr>
-            <p:ph type="title"/>
-          </p:nvPr>
-        </p:nvSpPr>
-        <p:spPr/>
-        <p:txBody>
-          <a:bodyPr/>
-          <a:lstStyle/>
-          <a:p>
-            <a:r>
-              <a:rPr lang="he-IL" dirty="0" smtClean="0"/>
-              <a:t>שאילתת מחיקה</a:t>
-            </a:r>
-            <a:endParaRPr lang="he-IL" dirty="0"/>
-          </a:p>
-        </p:txBody>
-      </p:sp>
-      <p:sp>
-        <p:nvSpPr>
-          <p:cNvPr id="3" name="מציין מיקום תוכן 2"/>
-          <p:cNvSpPr>
-            <a:spLocks noGrp="1"/>
-          </p:cNvSpPr>
-          <p:nvPr>
-            <p:ph idx="1"/>
-          </p:nvPr>
-        </p:nvSpPr>
-        <p:spPr/>
-        <p:txBody>
-          <a:bodyPr/>
-          <a:lstStyle/>
-          <a:p>
-            <a:pPr marL="0" indent="0" rtl="0">
-              <a:buNone/>
-            </a:pPr>
-            <a:r>
-              <a:rPr lang="he-IL" i="1" dirty="0" smtClean="0">
-                <a:solidFill>
-                  <a:srgbClr val="FF0000"/>
-                </a:solidFill>
-                <a:highlight>
-                  <a:srgbClr val="FFFFFF"/>
-                </a:highlight>
-                <a:latin typeface="Courier New" panose="02070309020205020404" pitchFamily="49" charset="0"/>
-              </a:rPr>
-              <a:t>מחיקת כל המשתתפים שיש להם חבר מועדון בסוף שנה </a:t>
-            </a:r>
-            <a:endParaRPr lang="en-US" dirty="0">
-              <a:solidFill>
-                <a:srgbClr val="000080"/>
-              </a:solidFill>
-              <a:highlight>
-                <a:srgbClr val="FFFFFF"/>
-              </a:highlight>
-              <a:latin typeface="Courier New" panose="02070309020205020404" pitchFamily="49" charset="0"/>
-            </a:endParaRPr>
-          </a:p>
-          <a:p>
-            <a:pPr marL="0" indent="0" algn="l" rtl="0">
-              <a:buNone/>
-            </a:pPr>
-            <a:r>
-              <a:rPr lang="en-US" dirty="0">
-                <a:solidFill>
-                  <a:srgbClr val="008080"/>
-                </a:solidFill>
-                <a:highlight>
-                  <a:srgbClr val="FFFFFF"/>
-                </a:highlight>
-                <a:latin typeface="Courier New" panose="02070309020205020404" pitchFamily="49" charset="0"/>
-              </a:rPr>
-              <a:t>DELETE FROM Participants</a:t>
-            </a:r>
-          </a:p>
-          <a:p>
-            <a:pPr marL="0" indent="0" algn="l" rtl="0">
-              <a:buNone/>
-            </a:pPr>
-            <a:r>
-              <a:rPr lang="en-US" dirty="0">
-                <a:solidFill>
-                  <a:srgbClr val="008080"/>
-                </a:solidFill>
-                <a:highlight>
-                  <a:srgbClr val="FFFFFF"/>
-                </a:highlight>
-                <a:latin typeface="Courier New" panose="02070309020205020404" pitchFamily="49" charset="0"/>
-              </a:rPr>
-              <a:t>WHERE </a:t>
-            </a:r>
-            <a:r>
-              <a:rPr lang="en-US" dirty="0" err="1">
-                <a:solidFill>
-                  <a:srgbClr val="008080"/>
-                </a:solidFill>
-                <a:highlight>
-                  <a:srgbClr val="FFFFFF"/>
-                </a:highlight>
-                <a:latin typeface="Courier New" panose="02070309020205020404" pitchFamily="49" charset="0"/>
-              </a:rPr>
-              <a:t>clubMember</a:t>
-            </a:r>
-            <a:r>
-              <a:rPr lang="en-US" dirty="0">
-                <a:solidFill>
-                  <a:srgbClr val="008080"/>
-                </a:solidFill>
-                <a:highlight>
-                  <a:srgbClr val="FFFFFF"/>
-                </a:highlight>
-                <a:latin typeface="Courier New" panose="02070309020205020404" pitchFamily="49" charset="0"/>
-              </a:rPr>
-              <a:t> != 0</a:t>
-            </a:r>
-          </a:p>
-          <a:p>
-            <a:pPr marL="0" indent="0" algn="l" rtl="0">
-              <a:buNone/>
-            </a:pPr>
-            <a:r>
-              <a:rPr lang="en-US" dirty="0">
-                <a:solidFill>
-                  <a:srgbClr val="008080"/>
-                </a:solidFill>
-                <a:highlight>
-                  <a:srgbClr val="FFFFFF"/>
-                </a:highlight>
-                <a:latin typeface="Courier New" panose="02070309020205020404" pitchFamily="49" charset="0"/>
-              </a:rPr>
-              <a:t>  AND TO_CHAR(SYSDATE, 'YYYY') = '2023';</a:t>
-            </a:r>
-            <a:r>
-              <a:rPr lang="he-IL" dirty="0" smtClean="0">
-                <a:solidFill>
-                  <a:srgbClr val="000080"/>
-                </a:solidFill>
-                <a:highlight>
-                  <a:srgbClr val="FFFFFF"/>
-                </a:highlight>
-                <a:latin typeface="Courier New" panose="02070309020205020404" pitchFamily="49" charset="0"/>
-              </a:rPr>
-              <a:t>);</a:t>
-            </a:r>
-            <a:endParaRPr lang="he-IL" dirty="0"/>
-          </a:p>
-        </p:txBody>
-      </p:sp>
-      <p:sp>
-        <p:nvSpPr>
-          <p:cNvPr id="4" name="מציין מיקום של מספר שקופית 3"/>
-          <p:cNvSpPr>
-            <a:spLocks noGrp="1"/>
-          </p:cNvSpPr>
-          <p:nvPr>
-            <p:ph type="sldNum" sz="quarter" idx="12"/>
-          </p:nvPr>
-        </p:nvSpPr>
-        <p:spPr/>
-        <p:txBody>
-          <a:bodyPr/>
-          <a:lstStyle/>
-          <a:p>
-            <a:fld id="{DDF79876-6C45-4580-869E-5BF3948A02FD}" type="slidenum">
-              <a:rPr lang="he-IL" smtClean="0"/>
-              <a:t>45</a:t>
-            </a:fld>
-            <a:endParaRPr lang="he-IL"/>
-          </a:p>
-        </p:txBody>
-      </p:sp>
-    </p:spTree>
-    <p:extLst>
-      <p:ext uri="{BB962C8B-B14F-4D97-AF65-F5344CB8AC3E}">
-        <p14:creationId xmlns:p14="http://schemas.microsoft.com/office/powerpoint/2010/main" val="508524194"/>
-      </p:ext>
-    </p:extLst>
-  </p:cSld>
-  <p:clrMapOvr>
-    <a:masterClrMapping/>
-  </p:clrMapOvr>
-</p:sld>
-</file>
-
-<file path=ppt/slides/slide46.xml><?xml version="1.0" encoding="utf-8"?>
-<p:sld xmlns:a="http://schemas.openxmlformats.org/drawingml/2006/main" xmlns:r="http://schemas.openxmlformats.org/officeDocument/2006/relationships" xmlns:p="http://schemas.openxmlformats.org/presentationml/2006/main">
-  <p:cSld>
-    <p:spTree>
-      <p:nvGrpSpPr>
-        <p:cNvPr id="1" name=""/>
-        <p:cNvGrpSpPr/>
-        <p:nvPr/>
-      </p:nvGrpSpPr>
-      <p:grpSpPr>
-        <a:xfrm>
-          <a:off x="0" y="0"/>
-          <a:ext cx="0" cy="0"/>
-          <a:chOff x="0" y="0"/>
-          <a:chExt cx="0" cy="0"/>
-        </a:xfrm>
-      </p:grpSpPr>
-      <p:sp>
-        <p:nvSpPr>
-          <p:cNvPr id="2" name="כותרת 1"/>
-          <p:cNvSpPr>
-            <a:spLocks noGrp="1"/>
-          </p:cNvSpPr>
-          <p:nvPr>
-            <p:ph type="title"/>
-          </p:nvPr>
-        </p:nvSpPr>
-        <p:spPr/>
-        <p:txBody>
-          <a:bodyPr/>
-          <a:lstStyle/>
-          <a:p>
-            <a:r>
-              <a:rPr lang="he-IL" dirty="0" smtClean="0"/>
-              <a:t>שאילתת מחיקה</a:t>
-            </a:r>
-            <a:endParaRPr lang="he-IL" dirty="0"/>
-          </a:p>
-        </p:txBody>
-      </p:sp>
-      <p:sp>
-        <p:nvSpPr>
-          <p:cNvPr id="3" name="מציין מיקום תוכן 2"/>
-          <p:cNvSpPr>
-            <a:spLocks noGrp="1"/>
-          </p:cNvSpPr>
-          <p:nvPr>
-            <p:ph idx="1"/>
-          </p:nvPr>
-        </p:nvSpPr>
-        <p:spPr/>
-        <p:txBody>
-          <a:bodyPr/>
-          <a:lstStyle/>
-          <a:p>
-            <a:pPr marL="0" indent="0" rtl="0">
-              <a:buNone/>
-            </a:pPr>
-            <a:r>
-              <a:rPr lang="he-IL" i="1" dirty="0" smtClean="0">
-                <a:solidFill>
-                  <a:srgbClr val="FF0000"/>
-                </a:solidFill>
-                <a:highlight>
-                  <a:srgbClr val="FFFFFF"/>
-                </a:highlight>
-                <a:latin typeface="Courier New" panose="02070309020205020404" pitchFamily="49" charset="0"/>
-              </a:rPr>
-              <a:t>מחיקת כל האירועים מסוג ספציפי </a:t>
-            </a:r>
-            <a:endParaRPr lang="en-US" dirty="0">
-              <a:solidFill>
-                <a:srgbClr val="000080"/>
-              </a:solidFill>
-              <a:highlight>
-                <a:srgbClr val="FFFFFF"/>
-              </a:highlight>
-              <a:latin typeface="Courier New" panose="02070309020205020404" pitchFamily="49" charset="0"/>
-            </a:endParaRPr>
-          </a:p>
-          <a:p>
-            <a:pPr marL="0" indent="0" algn="l" rtl="0">
-              <a:buNone/>
-            </a:pPr>
-            <a:r>
-              <a:rPr lang="en-US" dirty="0">
-                <a:solidFill>
-                  <a:srgbClr val="008080"/>
-                </a:solidFill>
-                <a:highlight>
-                  <a:srgbClr val="FFFFFF"/>
-                </a:highlight>
-                <a:latin typeface="Courier New" panose="02070309020205020404" pitchFamily="49" charset="0"/>
-              </a:rPr>
-              <a:t>DELETE FROM Event</a:t>
-            </a:r>
-          </a:p>
-          <a:p>
-            <a:pPr marL="0" indent="0" algn="l" rtl="0">
-              <a:buNone/>
-            </a:pPr>
-            <a:r>
-              <a:rPr lang="en-US" dirty="0">
-                <a:solidFill>
-                  <a:srgbClr val="008080"/>
-                </a:solidFill>
-                <a:highlight>
-                  <a:srgbClr val="FFFFFF"/>
-                </a:highlight>
-                <a:latin typeface="Courier New" panose="02070309020205020404" pitchFamily="49" charset="0"/>
-              </a:rPr>
-              <a:t>WHERE </a:t>
-            </a:r>
-            <a:r>
-              <a:rPr lang="en-US" dirty="0" err="1">
-                <a:solidFill>
-                  <a:srgbClr val="008080"/>
-                </a:solidFill>
-                <a:highlight>
-                  <a:srgbClr val="FFFFFF"/>
-                </a:highlight>
-                <a:latin typeface="Courier New" panose="02070309020205020404" pitchFamily="49" charset="0"/>
-              </a:rPr>
-              <a:t>eventTypeId</a:t>
-            </a:r>
-            <a:r>
-              <a:rPr lang="en-US" dirty="0">
-                <a:solidFill>
-                  <a:srgbClr val="008080"/>
-                </a:solidFill>
-                <a:highlight>
-                  <a:srgbClr val="FFFFFF"/>
-                </a:highlight>
-                <a:latin typeface="Courier New" panose="02070309020205020404" pitchFamily="49" charset="0"/>
-              </a:rPr>
-              <a:t> = (</a:t>
-            </a:r>
-          </a:p>
-          <a:p>
-            <a:pPr marL="0" indent="0" algn="l" rtl="0">
-              <a:buNone/>
-            </a:pPr>
-            <a:r>
-              <a:rPr lang="en-US" dirty="0">
-                <a:solidFill>
-                  <a:srgbClr val="008080"/>
-                </a:solidFill>
-                <a:highlight>
-                  <a:srgbClr val="FFFFFF"/>
-                </a:highlight>
-                <a:latin typeface="Courier New" panose="02070309020205020404" pitchFamily="49" charset="0"/>
-              </a:rPr>
-              <a:t>  SELECT </a:t>
-            </a:r>
-            <a:r>
-              <a:rPr lang="en-US" dirty="0" err="1">
-                <a:solidFill>
-                  <a:srgbClr val="008080"/>
-                </a:solidFill>
-                <a:highlight>
-                  <a:srgbClr val="FFFFFF"/>
-                </a:highlight>
-                <a:latin typeface="Courier New" panose="02070309020205020404" pitchFamily="49" charset="0"/>
-              </a:rPr>
-              <a:t>eventTypeId</a:t>
-            </a:r>
-            <a:endParaRPr lang="en-US" dirty="0">
-              <a:solidFill>
-                <a:srgbClr val="008080"/>
-              </a:solidFill>
-              <a:highlight>
-                <a:srgbClr val="FFFFFF"/>
-              </a:highlight>
-              <a:latin typeface="Courier New" panose="02070309020205020404" pitchFamily="49" charset="0"/>
-            </a:endParaRPr>
-          </a:p>
-          <a:p>
-            <a:pPr marL="0" indent="0" algn="l" rtl="0">
-              <a:buNone/>
-            </a:pPr>
-            <a:r>
-              <a:rPr lang="en-US" dirty="0">
-                <a:solidFill>
-                  <a:srgbClr val="008080"/>
-                </a:solidFill>
-                <a:highlight>
-                  <a:srgbClr val="FFFFFF"/>
-                </a:highlight>
-                <a:latin typeface="Courier New" panose="02070309020205020404" pitchFamily="49" charset="0"/>
-              </a:rPr>
-              <a:t>  FROM </a:t>
-            </a:r>
-            <a:r>
-              <a:rPr lang="en-US" dirty="0" err="1">
-                <a:solidFill>
-                  <a:srgbClr val="008080"/>
-                </a:solidFill>
-                <a:highlight>
-                  <a:srgbClr val="FFFFFF"/>
-                </a:highlight>
-                <a:latin typeface="Courier New" panose="02070309020205020404" pitchFamily="49" charset="0"/>
-              </a:rPr>
-              <a:t>EventType</a:t>
-            </a:r>
-            <a:endParaRPr lang="en-US" dirty="0">
-              <a:solidFill>
-                <a:srgbClr val="008080"/>
-              </a:solidFill>
-              <a:highlight>
-                <a:srgbClr val="FFFFFF"/>
-              </a:highlight>
-              <a:latin typeface="Courier New" panose="02070309020205020404" pitchFamily="49" charset="0"/>
-            </a:endParaRPr>
-          </a:p>
-          <a:p>
-            <a:pPr marL="0" indent="0" algn="l" rtl="0">
-              <a:buNone/>
-            </a:pPr>
-            <a:r>
-              <a:rPr lang="en-US" dirty="0">
-                <a:solidFill>
-                  <a:srgbClr val="008080"/>
-                </a:solidFill>
-                <a:highlight>
-                  <a:srgbClr val="FFFFFF"/>
-                </a:highlight>
-                <a:latin typeface="Courier New" panose="02070309020205020404" pitchFamily="49" charset="0"/>
-              </a:rPr>
-              <a:t>  WHERE </a:t>
-            </a:r>
-            <a:r>
-              <a:rPr lang="en-US" dirty="0" err="1">
-                <a:solidFill>
-                  <a:srgbClr val="008080"/>
-                </a:solidFill>
-                <a:highlight>
-                  <a:srgbClr val="FFFFFF"/>
-                </a:highlight>
-                <a:latin typeface="Courier New" panose="02070309020205020404" pitchFamily="49" charset="0"/>
-              </a:rPr>
-              <a:t>eventType</a:t>
-            </a:r>
-            <a:r>
-              <a:rPr lang="en-US" dirty="0">
-                <a:solidFill>
-                  <a:srgbClr val="008080"/>
-                </a:solidFill>
-                <a:highlight>
-                  <a:srgbClr val="FFFFFF"/>
-                </a:highlight>
-                <a:latin typeface="Courier New" panose="02070309020205020404" pitchFamily="49" charset="0"/>
-              </a:rPr>
-              <a:t> = 'Specific Type'</a:t>
-            </a:r>
-          </a:p>
-          <a:p>
-            <a:pPr marL="0" indent="0" algn="l" rtl="0">
-              <a:buNone/>
-            </a:pPr>
-            <a:r>
-              <a:rPr lang="en-US" dirty="0">
-                <a:solidFill>
-                  <a:srgbClr val="008080"/>
-                </a:solidFill>
-                <a:highlight>
-                  <a:srgbClr val="FFFFFF"/>
-                </a:highlight>
-                <a:latin typeface="Courier New" panose="02070309020205020404" pitchFamily="49" charset="0"/>
-              </a:rPr>
-              <a:t>);</a:t>
-            </a:r>
-            <a:endParaRPr lang="he-IL" dirty="0"/>
-          </a:p>
-        </p:txBody>
-      </p:sp>
-      <p:sp>
-        <p:nvSpPr>
-          <p:cNvPr id="4" name="מציין מיקום של מספר שקופית 3"/>
-          <p:cNvSpPr>
-            <a:spLocks noGrp="1"/>
-          </p:cNvSpPr>
-          <p:nvPr>
-            <p:ph type="sldNum" sz="quarter" idx="12"/>
-          </p:nvPr>
-        </p:nvSpPr>
-        <p:spPr/>
-        <p:txBody>
-          <a:bodyPr/>
-          <a:lstStyle/>
-          <a:p>
-            <a:fld id="{DDF79876-6C45-4580-869E-5BF3948A02FD}" type="slidenum">
-              <a:rPr lang="he-IL" smtClean="0"/>
-              <a:t>46</a:t>
-            </a:fld>
-            <a:endParaRPr lang="he-IL"/>
-          </a:p>
-        </p:txBody>
-      </p:sp>
-    </p:spTree>
-    <p:extLst>
-      <p:ext uri="{BB962C8B-B14F-4D97-AF65-F5344CB8AC3E}">
-        <p14:creationId xmlns:p14="http://schemas.microsoft.com/office/powerpoint/2010/main" val="3123644598"/>
-      </p:ext>
-    </p:extLst>
-  </p:cSld>
-  <p:clrMapOvr>
-    <a:masterClrMapping/>
-  </p:clrMapOvr>
-</p:sld>
-</file>
-
-<file path=ppt/slides/slide47.xml><?xml version="1.0" encoding="utf-8"?>
-<p:sld xmlns:a="http://schemas.openxmlformats.org/drawingml/2006/main" xmlns:r="http://schemas.openxmlformats.org/officeDocument/2006/relationships" xmlns:p="http://schemas.openxmlformats.org/presentationml/2006/main">
-  <p:cSld>
-    <p:spTree>
-      <p:nvGrpSpPr>
-        <p:cNvPr id="1" name=""/>
-        <p:cNvGrpSpPr/>
-        <p:nvPr/>
-      </p:nvGrpSpPr>
-      <p:grpSpPr>
-        <a:xfrm>
-          <a:off x="0" y="0"/>
-          <a:ext cx="0" cy="0"/>
-          <a:chOff x="0" y="0"/>
-          <a:chExt cx="0" cy="0"/>
-        </a:xfrm>
-      </p:grpSpPr>
-      <p:sp>
-        <p:nvSpPr>
-          <p:cNvPr id="2" name="כותרת 1"/>
-          <p:cNvSpPr>
-            <a:spLocks noGrp="1"/>
-          </p:cNvSpPr>
-          <p:nvPr>
-            <p:ph type="title"/>
-          </p:nvPr>
-        </p:nvSpPr>
-        <p:spPr/>
-        <p:txBody>
-          <a:bodyPr/>
-          <a:lstStyle/>
-          <a:p>
-            <a:r>
-              <a:rPr lang="he-IL" dirty="0" smtClean="0"/>
-              <a:t>שאילתת עדכון</a:t>
-            </a:r>
-            <a:endParaRPr lang="he-IL" dirty="0"/>
-          </a:p>
-        </p:txBody>
-      </p:sp>
-      <p:sp>
-        <p:nvSpPr>
-          <p:cNvPr id="3" name="מציין מיקום תוכן 2"/>
-          <p:cNvSpPr>
-            <a:spLocks noGrp="1"/>
-          </p:cNvSpPr>
-          <p:nvPr>
-            <p:ph idx="1"/>
-          </p:nvPr>
-        </p:nvSpPr>
-        <p:spPr/>
-        <p:txBody>
-          <a:bodyPr/>
-          <a:lstStyle/>
-          <a:p>
-            <a:pPr marL="0" indent="0" rtl="0">
-              <a:buNone/>
-            </a:pPr>
-            <a:r>
-              <a:rPr lang="he-IL" i="1" dirty="0" smtClean="0">
-                <a:solidFill>
-                  <a:srgbClr val="FF0000"/>
-                </a:solidFill>
-                <a:highlight>
-                  <a:srgbClr val="FFFFFF"/>
-                </a:highlight>
-                <a:latin typeface="Courier New" panose="02070309020205020404" pitchFamily="49" charset="0"/>
-              </a:rPr>
-              <a:t>עדכון הנחה לכרטיסים של יום העצמאות</a:t>
-            </a:r>
-            <a:endParaRPr lang="en-US" dirty="0">
-              <a:solidFill>
-                <a:srgbClr val="000080"/>
-              </a:solidFill>
-              <a:highlight>
-                <a:srgbClr val="FFFFFF"/>
-              </a:highlight>
-              <a:latin typeface="Courier New" panose="02070309020205020404" pitchFamily="49" charset="0"/>
-            </a:endParaRPr>
-          </a:p>
-          <a:p>
-            <a:pPr marL="0" indent="0" algn="l" rtl="0">
-              <a:buNone/>
-            </a:pPr>
-            <a:r>
-              <a:rPr lang="en-US" dirty="0">
-                <a:solidFill>
-                  <a:srgbClr val="008080"/>
-                </a:solidFill>
-                <a:highlight>
-                  <a:srgbClr val="FFFFFF"/>
-                </a:highlight>
-                <a:latin typeface="Courier New" panose="02070309020205020404" pitchFamily="49" charset="0"/>
-              </a:rPr>
-              <a:t>UPDATE</a:t>
-            </a:r>
-            <a:r>
-              <a:rPr lang="en-US" dirty="0">
-                <a:solidFill>
-                  <a:srgbClr val="000080"/>
-                </a:solidFill>
-                <a:highlight>
-                  <a:srgbClr val="FFFFFF"/>
-                </a:highlight>
-                <a:latin typeface="Courier New" panose="02070309020205020404" pitchFamily="49" charset="0"/>
-              </a:rPr>
-              <a:t> Orders</a:t>
-            </a:r>
-          </a:p>
-          <a:p>
-            <a:pPr marL="0" indent="0" algn="l" rtl="0">
-              <a:buNone/>
-            </a:pPr>
-            <a:r>
-              <a:rPr lang="en-US" dirty="0">
-                <a:solidFill>
-                  <a:srgbClr val="008080"/>
-                </a:solidFill>
-                <a:highlight>
-                  <a:srgbClr val="FFFFFF"/>
-                </a:highlight>
-                <a:latin typeface="Courier New" panose="02070309020205020404" pitchFamily="49" charset="0"/>
-              </a:rPr>
-              <a:t>SET</a:t>
-            </a:r>
-            <a:r>
-              <a:rPr lang="en-US" dirty="0">
-                <a:solidFill>
-                  <a:srgbClr val="000080"/>
-                </a:solidFill>
-                <a:highlight>
-                  <a:srgbClr val="FFFFFF"/>
-                </a:highlight>
-                <a:latin typeface="Courier New" panose="02070309020205020404" pitchFamily="49" charset="0"/>
-              </a:rPr>
-              <a:t> </a:t>
-            </a:r>
-            <a:r>
-              <a:rPr lang="en-US" dirty="0" err="1">
-                <a:solidFill>
-                  <a:srgbClr val="000080"/>
-                </a:solidFill>
-                <a:highlight>
-                  <a:srgbClr val="FFFFFF"/>
-                </a:highlight>
-                <a:latin typeface="Courier New" panose="02070309020205020404" pitchFamily="49" charset="0"/>
-              </a:rPr>
-              <a:t>ticketCost</a:t>
-            </a:r>
-            <a:r>
-              <a:rPr lang="en-US" dirty="0">
-                <a:solidFill>
-                  <a:srgbClr val="000080"/>
-                </a:solidFill>
-                <a:highlight>
-                  <a:srgbClr val="FFFFFF"/>
-                </a:highlight>
-                <a:latin typeface="Courier New" panose="02070309020205020404" pitchFamily="49" charset="0"/>
-              </a:rPr>
-              <a:t> = </a:t>
-            </a:r>
-            <a:r>
-              <a:rPr lang="en-US" dirty="0" err="1">
-                <a:solidFill>
-                  <a:srgbClr val="000080"/>
-                </a:solidFill>
-                <a:highlight>
-                  <a:srgbClr val="FFFFFF"/>
-                </a:highlight>
-                <a:latin typeface="Courier New" panose="02070309020205020404" pitchFamily="49" charset="0"/>
-              </a:rPr>
-              <a:t>ticketCost</a:t>
-            </a:r>
-            <a:r>
-              <a:rPr lang="en-US" dirty="0">
-                <a:solidFill>
-                  <a:srgbClr val="000080"/>
-                </a:solidFill>
-                <a:highlight>
-                  <a:srgbClr val="FFFFFF"/>
-                </a:highlight>
-                <a:latin typeface="Courier New" panose="02070309020205020404" pitchFamily="49" charset="0"/>
-              </a:rPr>
-              <a:t> / </a:t>
-            </a:r>
-            <a:r>
-              <a:rPr lang="en-US" dirty="0">
-                <a:solidFill>
-                  <a:srgbClr val="0000FF"/>
-                </a:solidFill>
-                <a:highlight>
-                  <a:srgbClr val="FFFFFF"/>
-                </a:highlight>
-                <a:latin typeface="Courier New" panose="02070309020205020404" pitchFamily="49" charset="0"/>
-              </a:rPr>
-              <a:t>2</a:t>
-            </a:r>
-            <a:endParaRPr lang="en-US" dirty="0">
-              <a:solidFill>
-                <a:srgbClr val="000080"/>
-              </a:solidFill>
-              <a:highlight>
-                <a:srgbClr val="FFFFFF"/>
-              </a:highlight>
-              <a:latin typeface="Courier New" panose="02070309020205020404" pitchFamily="49" charset="0"/>
-            </a:endParaRPr>
-          </a:p>
-          <a:p>
-            <a:pPr marL="0" indent="0" algn="l" rtl="0">
-              <a:buNone/>
-            </a:pPr>
-            <a:r>
-              <a:rPr lang="en-US" dirty="0">
-                <a:solidFill>
-                  <a:srgbClr val="008080"/>
-                </a:solidFill>
-                <a:highlight>
-                  <a:srgbClr val="FFFFFF"/>
-                </a:highlight>
-                <a:latin typeface="Courier New" panose="02070309020205020404" pitchFamily="49" charset="0"/>
-              </a:rPr>
-              <a:t>WHERE</a:t>
-            </a:r>
-            <a:r>
-              <a:rPr lang="en-US" dirty="0">
-                <a:solidFill>
-                  <a:srgbClr val="000080"/>
-                </a:solidFill>
-                <a:highlight>
-                  <a:srgbClr val="FFFFFF"/>
-                </a:highlight>
-                <a:latin typeface="Courier New" panose="02070309020205020404" pitchFamily="49" charset="0"/>
-              </a:rPr>
-              <a:t> </a:t>
-            </a:r>
-            <a:r>
-              <a:rPr lang="en-US" dirty="0" err="1">
-                <a:solidFill>
-                  <a:srgbClr val="000080"/>
-                </a:solidFill>
-                <a:highlight>
-                  <a:srgbClr val="FFFFFF"/>
-                </a:highlight>
-                <a:latin typeface="Courier New" panose="02070309020205020404" pitchFamily="49" charset="0"/>
-              </a:rPr>
-              <a:t>eventID</a:t>
-            </a:r>
-            <a:r>
-              <a:rPr lang="en-US" dirty="0">
-                <a:solidFill>
-                  <a:srgbClr val="000080"/>
-                </a:solidFill>
-                <a:highlight>
-                  <a:srgbClr val="FFFFFF"/>
-                </a:highlight>
-                <a:latin typeface="Courier New" panose="02070309020205020404" pitchFamily="49" charset="0"/>
-              </a:rPr>
-              <a:t> </a:t>
-            </a:r>
-            <a:r>
-              <a:rPr lang="en-US" dirty="0">
-                <a:solidFill>
-                  <a:srgbClr val="008080"/>
-                </a:solidFill>
-                <a:highlight>
-                  <a:srgbClr val="FFFFFF"/>
-                </a:highlight>
-                <a:latin typeface="Courier New" panose="02070309020205020404" pitchFamily="49" charset="0"/>
-              </a:rPr>
-              <a:t>IN</a:t>
-            </a:r>
-            <a:r>
-              <a:rPr lang="en-US" dirty="0">
-                <a:solidFill>
-                  <a:srgbClr val="000080"/>
-                </a:solidFill>
-                <a:highlight>
-                  <a:srgbClr val="FFFFFF"/>
-                </a:highlight>
-                <a:latin typeface="Courier New" panose="02070309020205020404" pitchFamily="49" charset="0"/>
-              </a:rPr>
-              <a:t> (</a:t>
-            </a:r>
-          </a:p>
-          <a:p>
-            <a:pPr marL="0" indent="0" algn="l" rtl="0">
-              <a:buNone/>
-            </a:pPr>
-            <a:r>
-              <a:rPr lang="en-US" dirty="0">
-                <a:solidFill>
-                  <a:srgbClr val="000080"/>
-                </a:solidFill>
-                <a:highlight>
-                  <a:srgbClr val="FFFFFF"/>
-                </a:highlight>
-                <a:latin typeface="Courier New" panose="02070309020205020404" pitchFamily="49" charset="0"/>
-              </a:rPr>
-              <a:t>  </a:t>
-            </a:r>
-            <a:r>
-              <a:rPr lang="en-US" dirty="0">
-                <a:solidFill>
-                  <a:srgbClr val="008080"/>
-                </a:solidFill>
-                <a:highlight>
-                  <a:srgbClr val="FFFFFF"/>
-                </a:highlight>
-                <a:latin typeface="Courier New" panose="02070309020205020404" pitchFamily="49" charset="0"/>
-              </a:rPr>
-              <a:t>SELECT</a:t>
-            </a:r>
-            <a:r>
-              <a:rPr lang="en-US" dirty="0">
-                <a:solidFill>
-                  <a:srgbClr val="000080"/>
-                </a:solidFill>
-                <a:highlight>
-                  <a:srgbClr val="FFFFFF"/>
-                </a:highlight>
-                <a:latin typeface="Courier New" panose="02070309020205020404" pitchFamily="49" charset="0"/>
-              </a:rPr>
-              <a:t> </a:t>
-            </a:r>
-            <a:r>
-              <a:rPr lang="en-US" dirty="0" err="1">
-                <a:solidFill>
-                  <a:srgbClr val="000080"/>
-                </a:solidFill>
-                <a:highlight>
-                  <a:srgbClr val="FFFFFF"/>
-                </a:highlight>
-                <a:latin typeface="Courier New" panose="02070309020205020404" pitchFamily="49" charset="0"/>
-              </a:rPr>
-              <a:t>eventID</a:t>
-            </a:r>
-            <a:endParaRPr lang="en-US" dirty="0">
-              <a:solidFill>
-                <a:srgbClr val="000080"/>
-              </a:solidFill>
-              <a:highlight>
-                <a:srgbClr val="FFFFFF"/>
-              </a:highlight>
-              <a:latin typeface="Courier New" panose="02070309020205020404" pitchFamily="49" charset="0"/>
-            </a:endParaRPr>
-          </a:p>
-          <a:p>
-            <a:pPr marL="0" indent="0" algn="l" rtl="0">
-              <a:buNone/>
-            </a:pPr>
-            <a:r>
-              <a:rPr lang="en-US" dirty="0">
-                <a:solidFill>
-                  <a:srgbClr val="000080"/>
-                </a:solidFill>
-                <a:highlight>
-                  <a:srgbClr val="FFFFFF"/>
-                </a:highlight>
-                <a:latin typeface="Courier New" panose="02070309020205020404" pitchFamily="49" charset="0"/>
-              </a:rPr>
-              <a:t>  </a:t>
-            </a:r>
-            <a:r>
-              <a:rPr lang="en-US" dirty="0">
-                <a:solidFill>
-                  <a:srgbClr val="008080"/>
-                </a:solidFill>
-                <a:highlight>
-                  <a:srgbClr val="FFFFFF"/>
-                </a:highlight>
-                <a:latin typeface="Courier New" panose="02070309020205020404" pitchFamily="49" charset="0"/>
-              </a:rPr>
-              <a:t>FROM</a:t>
-            </a:r>
-            <a:r>
-              <a:rPr lang="en-US" dirty="0">
-                <a:solidFill>
-                  <a:srgbClr val="000080"/>
-                </a:solidFill>
-                <a:highlight>
-                  <a:srgbClr val="FFFFFF"/>
-                </a:highlight>
-                <a:latin typeface="Courier New" panose="02070309020205020404" pitchFamily="49" charset="0"/>
-              </a:rPr>
-              <a:t> Event</a:t>
-            </a:r>
-          </a:p>
-          <a:p>
-            <a:pPr marL="0" indent="0" algn="l" rtl="0">
-              <a:buNone/>
-            </a:pPr>
-            <a:r>
-              <a:rPr lang="en-US" dirty="0">
-                <a:solidFill>
-                  <a:srgbClr val="000080"/>
-                </a:solidFill>
-                <a:highlight>
-                  <a:srgbClr val="FFFFFF"/>
-                </a:highlight>
-                <a:latin typeface="Courier New" panose="02070309020205020404" pitchFamily="49" charset="0"/>
-              </a:rPr>
-              <a:t>  </a:t>
-            </a:r>
-            <a:r>
-              <a:rPr lang="en-US" dirty="0">
-                <a:solidFill>
-                  <a:srgbClr val="008080"/>
-                </a:solidFill>
-                <a:highlight>
-                  <a:srgbClr val="FFFFFF"/>
-                </a:highlight>
-                <a:latin typeface="Courier New" panose="02070309020205020404" pitchFamily="49" charset="0"/>
-              </a:rPr>
-              <a:t>WHERE</a:t>
-            </a:r>
-            <a:r>
-              <a:rPr lang="en-US" dirty="0">
-                <a:solidFill>
-                  <a:srgbClr val="000080"/>
-                </a:solidFill>
-                <a:highlight>
-                  <a:srgbClr val="FFFFFF"/>
-                </a:highlight>
-                <a:latin typeface="Courier New" panose="02070309020205020404" pitchFamily="49" charset="0"/>
-              </a:rPr>
-              <a:t> </a:t>
-            </a:r>
-            <a:r>
-              <a:rPr lang="en-US" dirty="0" err="1">
-                <a:solidFill>
-                  <a:srgbClr val="000080"/>
-                </a:solidFill>
-                <a:highlight>
-                  <a:srgbClr val="FFFFFF"/>
-                </a:highlight>
-                <a:latin typeface="Courier New" panose="02070309020205020404" pitchFamily="49" charset="0"/>
-              </a:rPr>
-              <a:t>eventDate</a:t>
-            </a:r>
-            <a:r>
-              <a:rPr lang="en-US" dirty="0">
-                <a:solidFill>
-                  <a:srgbClr val="000080"/>
-                </a:solidFill>
-                <a:highlight>
-                  <a:srgbClr val="FFFFFF"/>
-                </a:highlight>
-                <a:latin typeface="Courier New" panose="02070309020205020404" pitchFamily="49" charset="0"/>
-              </a:rPr>
-              <a:t> = TO_DATE(</a:t>
-            </a:r>
-            <a:r>
-              <a:rPr lang="en-US" dirty="0">
-                <a:solidFill>
-                  <a:srgbClr val="0000FF"/>
-                </a:solidFill>
-                <a:highlight>
-                  <a:srgbClr val="FFFFFF"/>
-                </a:highlight>
-                <a:latin typeface="Courier New" panose="02070309020205020404" pitchFamily="49" charset="0"/>
-              </a:rPr>
-              <a:t>'2024-05-15'</a:t>
-            </a:r>
-            <a:r>
-              <a:rPr lang="en-US" dirty="0">
-                <a:solidFill>
-                  <a:srgbClr val="000080"/>
-                </a:solidFill>
-                <a:highlight>
-                  <a:srgbClr val="FFFFFF"/>
-                </a:highlight>
-                <a:latin typeface="Courier New" panose="02070309020205020404" pitchFamily="49" charset="0"/>
-              </a:rPr>
-              <a:t>, </a:t>
-            </a:r>
-            <a:r>
-              <a:rPr lang="en-US" dirty="0">
-                <a:solidFill>
-                  <a:srgbClr val="0000FF"/>
-                </a:solidFill>
-                <a:highlight>
-                  <a:srgbClr val="FFFFFF"/>
-                </a:highlight>
-                <a:latin typeface="Courier New" panose="02070309020205020404" pitchFamily="49" charset="0"/>
-              </a:rPr>
-              <a:t>'YYYY-MM-DD'</a:t>
-            </a:r>
-            <a:r>
-              <a:rPr lang="en-US" dirty="0">
-                <a:solidFill>
-                  <a:srgbClr val="000080"/>
-                </a:solidFill>
-                <a:highlight>
-                  <a:srgbClr val="FFFFFF"/>
-                </a:highlight>
-                <a:latin typeface="Courier New" panose="02070309020205020404" pitchFamily="49" charset="0"/>
-              </a:rPr>
-              <a:t>)</a:t>
-            </a:r>
-            <a:endParaRPr lang="he-IL" dirty="0"/>
-          </a:p>
-        </p:txBody>
-      </p:sp>
-      <p:sp>
-        <p:nvSpPr>
-          <p:cNvPr id="4" name="מציין מיקום של מספר שקופית 3"/>
-          <p:cNvSpPr>
-            <a:spLocks noGrp="1"/>
-          </p:cNvSpPr>
-          <p:nvPr>
-            <p:ph type="sldNum" sz="quarter" idx="12"/>
-          </p:nvPr>
-        </p:nvSpPr>
-        <p:spPr/>
-        <p:txBody>
-          <a:bodyPr/>
-          <a:lstStyle/>
-          <a:p>
-            <a:fld id="{DDF79876-6C45-4580-869E-5BF3948A02FD}" type="slidenum">
-              <a:rPr lang="he-IL" smtClean="0"/>
-              <a:t>47</a:t>
-            </a:fld>
-            <a:endParaRPr lang="he-IL"/>
-          </a:p>
-        </p:txBody>
-      </p:sp>
-    </p:spTree>
-    <p:extLst>
-      <p:ext uri="{BB962C8B-B14F-4D97-AF65-F5344CB8AC3E}">
-        <p14:creationId xmlns:p14="http://schemas.microsoft.com/office/powerpoint/2010/main" val="1611507404"/>
       </p:ext>
     </p:extLst>
   </p:cSld>
@@ -26956,7 +27111,7 @@
           <a:p>
             <a:r>
               <a:rPr lang="he-IL" dirty="0" smtClean="0"/>
-              <a:t>שאילתת עדכון</a:t>
+              <a:t>שאילתת מחיקה</a:t>
             </a:r>
             <a:endParaRPr lang="he-IL" dirty="0"/>
           </a:p>
@@ -26990,7 +27145,7 @@
                 </a:highlight>
                 <a:latin typeface="Courier New" panose="02070309020205020404" pitchFamily="49" charset="0"/>
               </a:rPr>
-              <a:t>עדכון הנחה נוספת מיוחדת לכרטיס ירושלמי</a:t>
+              <a:t>מחיקת כל המשתתפים שיש להם חבר מועדון בסוף שנה </a:t>
             </a:r>
             <a:endParaRPr lang="en-US" dirty="0">
               <a:solidFill>
@@ -27016,7 +27171,7 @@
                 </a:highlight>
                 <a:latin typeface="Courier New" panose="02070309020205020404" pitchFamily="49" charset="0"/>
               </a:rPr>
-              <a:t>UPDATE Orders</a:t>
+              <a:t>DELETE FROM Participants</a:t>
             </a:r>
           </a:p>
           <a:p>
@@ -27033,55 +27188,31 @@
                 </a:highlight>
                 <a:latin typeface="Courier New" panose="02070309020205020404" pitchFamily="49" charset="0"/>
               </a:rPr>
-              <a:t>SET </a:t>
-            </a:r>
-            <a:r>
-              <a:rPr lang="en-US" dirty="0" err="1">
-                <a:solidFill>
-                  <a:srgbClr val="008080"/>
-                </a:solidFill>
-                <a:highlight>
-                  <a:srgbClr val="FFFFFF"/>
-                </a:highlight>
-                <a:latin typeface="Courier New" panose="02070309020205020404" pitchFamily="49" charset="0"/>
-              </a:rPr>
-              <a:t>ticketCost</a:t>
-            </a:r>
-            <a:r>
-              <a:rPr lang="en-US" dirty="0">
-                <a:solidFill>
-                  <a:srgbClr val="008080"/>
-                </a:solidFill>
-                <a:highlight>
-                  <a:srgbClr val="FFFFFF"/>
-                </a:highlight>
-                <a:latin typeface="Courier New" panose="02070309020205020404" pitchFamily="49" charset="0"/>
-              </a:rPr>
-              <a:t> = </a:t>
-            </a:r>
-            <a:r>
-              <a:rPr lang="en-US" dirty="0" err="1">
-                <a:solidFill>
-                  <a:srgbClr val="008080"/>
-                </a:solidFill>
-                <a:highlight>
-                  <a:srgbClr val="FFFFFF"/>
-                </a:highlight>
-                <a:latin typeface="Courier New" panose="02070309020205020404" pitchFamily="49" charset="0"/>
-              </a:rPr>
-              <a:t>ticketCost</a:t>
-            </a:r>
-            <a:r>
-              <a:rPr lang="en-US" dirty="0">
-                <a:solidFill>
-                  <a:srgbClr val="008080"/>
-                </a:solidFill>
-                <a:highlight>
-                  <a:srgbClr val="FFFFFF"/>
-                </a:highlight>
-                <a:latin typeface="Courier New" panose="02070309020205020404" pitchFamily="49" charset="0"/>
-              </a:rPr>
-              <a:t> / 2</a:t>
+              <a:t>WHERE </a:t>
+            </a:r>
+            <a:r>
+              <a:rPr lang="en-US" dirty="0" err="1">
+                <a:solidFill>
+                  <a:srgbClr val="008080"/>
+                </a:solidFill>
+                <a:highlight>
+                  <a:srgbClr val="FFFFFF"/>
+                </a:highlight>
+                <a:latin typeface="Courier New" panose="02070309020205020404" pitchFamily="49" charset="0"/>
+              </a:rPr>
+              <a:t>clubMember</a:t>
+            </a:r>
+            <a:r>
+              <a:rPr lang="en-US" dirty="0">
+                <a:solidFill>
+                  <a:srgbClr val="008080"/>
+                </a:solidFill>
+                <a:highlight>
+                  <a:srgbClr val="FFFFFF"/>
+                </a:highlight>
+                <a:latin typeface="Courier New" panose="02070309020205020404" pitchFamily="49" charset="0"/>
+              </a:rPr>
+              <a:t> != 0</a:t>
             </a:r>
           </a:p>
           <a:p>
@@ -27098,244 +27229,12 @@
                 </a:highlight>
                 <a:latin typeface="Courier New" panose="02070309020205020404" pitchFamily="49" charset="0"/>
               </a:rPr>
-              <a:t>WHERE </a:t>
-            </a:r>
-            <a:r>
-              <a:rPr lang="en-US" dirty="0" err="1">
-                <a:solidFill>
-                  <a:srgbClr val="008080"/>
-                </a:solidFill>
-                <a:highlight>
-                  <a:srgbClr val="FFFFFF"/>
-                </a:highlight>
-                <a:latin typeface="Courier New" panose="02070309020205020404" pitchFamily="49" charset="0"/>
-              </a:rPr>
-              <a:t>orderID</a:t>
-            </a:r>
-            <a:r>
-              <a:rPr lang="en-US" dirty="0">
-                <a:solidFill>
-                  <a:srgbClr val="008080"/>
-                </a:solidFill>
-                <a:highlight>
-                  <a:srgbClr val="FFFFFF"/>
-                </a:highlight>
-                <a:latin typeface="Courier New" panose="02070309020205020404" pitchFamily="49" charset="0"/>
-              </a:rPr>
-              <a:t> IN (</a:t>
-            </a:r>
-          </a:p>
-          <a:p>
-            <a:pPr marL="0" indent="0" algn="l" rtl="0">
-              <a:buNone/>
-            </a:pPr>
-            <a:r>
-              <a:rPr lang="en-US" dirty="0">
-                <a:solidFill>
-                  <a:srgbClr val="008080"/>
-                </a:solidFill>
-                <a:highlight>
-                  <a:srgbClr val="FFFFFF"/>
-                </a:highlight>
-                <a:latin typeface="Courier New" panose="02070309020205020404" pitchFamily="49" charset="0"/>
-              </a:rPr>
-              <a:t>  SELECT </a:t>
-            </a:r>
-            <a:r>
-              <a:rPr lang="en-US" dirty="0" err="1">
-                <a:solidFill>
-                  <a:srgbClr val="008080"/>
-                </a:solidFill>
-                <a:highlight>
-                  <a:srgbClr val="FFFFFF"/>
-                </a:highlight>
-                <a:latin typeface="Courier New" panose="02070309020205020404" pitchFamily="49" charset="0"/>
-              </a:rPr>
-              <a:t>mo.orderID</a:t>
-            </a:r>
-            <a:endParaRPr lang="en-US" dirty="0">
-              <a:solidFill>
-                <a:srgbClr val="008080"/>
-              </a:solidFill>
-              <a:highlight>
-                <a:srgbClr val="FFFFFF"/>
-              </a:highlight>
-              <a:latin typeface="Courier New" panose="02070309020205020404" pitchFamily="49" charset="0"/>
-            </a:endParaRPr>
-          </a:p>
-          <a:p>
-            <a:pPr marL="0" indent="0" algn="l" rtl="0">
-              <a:buNone/>
-            </a:pPr>
-            <a:r>
-              <a:rPr lang="en-US" dirty="0">
-                <a:solidFill>
-                  <a:srgbClr val="008080"/>
-                </a:solidFill>
-                <a:highlight>
-                  <a:srgbClr val="FFFFFF"/>
-                </a:highlight>
-                <a:latin typeface="Courier New" panose="02070309020205020404" pitchFamily="49" charset="0"/>
-              </a:rPr>
-              <a:t>  FROM </a:t>
-            </a:r>
-            <a:r>
-              <a:rPr lang="en-US" dirty="0" err="1">
-                <a:solidFill>
-                  <a:srgbClr val="008080"/>
-                </a:solidFill>
-                <a:highlight>
-                  <a:srgbClr val="FFFFFF"/>
-                </a:highlight>
-                <a:latin typeface="Courier New" panose="02070309020205020404" pitchFamily="49" charset="0"/>
-              </a:rPr>
-              <a:t>MakeOrder</a:t>
-            </a:r>
-            <a:r>
-              <a:rPr lang="en-US" dirty="0">
-                <a:solidFill>
-                  <a:srgbClr val="008080"/>
-                </a:solidFill>
-                <a:highlight>
-                  <a:srgbClr val="FFFFFF"/>
-                </a:highlight>
-                <a:latin typeface="Courier New" panose="02070309020205020404" pitchFamily="49" charset="0"/>
-              </a:rPr>
-              <a:t> </a:t>
-            </a:r>
-            <a:r>
-              <a:rPr lang="en-US" dirty="0" err="1">
-                <a:solidFill>
-                  <a:srgbClr val="008080"/>
-                </a:solidFill>
-                <a:highlight>
-                  <a:srgbClr val="FFFFFF"/>
-                </a:highlight>
-                <a:latin typeface="Courier New" panose="02070309020205020404" pitchFamily="49" charset="0"/>
-              </a:rPr>
-              <a:t>mo</a:t>
-            </a:r>
-            <a:endParaRPr lang="en-US" dirty="0">
-              <a:solidFill>
-                <a:srgbClr val="008080"/>
-              </a:solidFill>
-              <a:highlight>
-                <a:srgbClr val="FFFFFF"/>
-              </a:highlight>
-              <a:latin typeface="Courier New" panose="02070309020205020404" pitchFamily="49" charset="0"/>
-            </a:endParaRPr>
-          </a:p>
-          <a:p>
-            <a:pPr marL="0" indent="0" algn="l" rtl="0">
-              <a:buNone/>
-            </a:pPr>
-            <a:r>
-              <a:rPr lang="en-US" dirty="0">
-                <a:solidFill>
-                  <a:srgbClr val="008080"/>
-                </a:solidFill>
-                <a:highlight>
-                  <a:srgbClr val="FFFFFF"/>
-                </a:highlight>
-                <a:latin typeface="Courier New" panose="02070309020205020404" pitchFamily="49" charset="0"/>
-              </a:rPr>
-              <a:t>  JOIN Participants p ON </a:t>
-            </a:r>
-            <a:r>
-              <a:rPr lang="en-US" dirty="0" err="1">
-                <a:solidFill>
-                  <a:srgbClr val="008080"/>
-                </a:solidFill>
-                <a:highlight>
-                  <a:srgbClr val="FFFFFF"/>
-                </a:highlight>
-                <a:latin typeface="Courier New" panose="02070309020205020404" pitchFamily="49" charset="0"/>
-              </a:rPr>
-              <a:t>mo.participantID</a:t>
-            </a:r>
-            <a:r>
-              <a:rPr lang="en-US" dirty="0">
-                <a:solidFill>
-                  <a:srgbClr val="008080"/>
-                </a:solidFill>
-                <a:highlight>
-                  <a:srgbClr val="FFFFFF"/>
-                </a:highlight>
-                <a:latin typeface="Courier New" panose="02070309020205020404" pitchFamily="49" charset="0"/>
-              </a:rPr>
-              <a:t> = </a:t>
-            </a:r>
-            <a:r>
-              <a:rPr lang="en-US" dirty="0" err="1">
-                <a:solidFill>
-                  <a:srgbClr val="008080"/>
-                </a:solidFill>
-                <a:highlight>
-                  <a:srgbClr val="FFFFFF"/>
-                </a:highlight>
-                <a:latin typeface="Courier New" panose="02070309020205020404" pitchFamily="49" charset="0"/>
-              </a:rPr>
-              <a:t>p.participantID</a:t>
-            </a:r>
-            <a:endParaRPr lang="en-US" dirty="0">
-              <a:solidFill>
-                <a:srgbClr val="008080"/>
-              </a:solidFill>
-              <a:highlight>
-                <a:srgbClr val="FFFFFF"/>
-              </a:highlight>
-              <a:latin typeface="Courier New" panose="02070309020205020404" pitchFamily="49" charset="0"/>
-            </a:endParaRPr>
-          </a:p>
-          <a:p>
-            <a:pPr marL="0" indent="0" algn="l" rtl="0">
-              <a:buNone/>
-            </a:pPr>
-            <a:r>
-              <a:rPr lang="en-US" dirty="0">
-                <a:solidFill>
-                  <a:srgbClr val="008080"/>
-                </a:solidFill>
-                <a:highlight>
-                  <a:srgbClr val="FFFFFF"/>
-                </a:highlight>
-                <a:latin typeface="Courier New" panose="02070309020205020404" pitchFamily="49" charset="0"/>
-              </a:rPr>
-              <a:t>  WHERE </a:t>
-            </a:r>
-            <a:r>
-              <a:rPr lang="en-US" dirty="0" err="1">
-                <a:solidFill>
-                  <a:srgbClr val="008080"/>
-                </a:solidFill>
-                <a:highlight>
-                  <a:srgbClr val="FFFFFF"/>
-                </a:highlight>
-                <a:latin typeface="Courier New" panose="02070309020205020404" pitchFamily="49" charset="0"/>
-              </a:rPr>
-              <a:t>p.clubMember</a:t>
-            </a:r>
-            <a:r>
-              <a:rPr lang="en-US" dirty="0">
-                <a:solidFill>
-                  <a:srgbClr val="008080"/>
-                </a:solidFill>
-                <a:highlight>
-                  <a:srgbClr val="FFFFFF"/>
-                </a:highlight>
-                <a:latin typeface="Courier New" panose="02070309020205020404" pitchFamily="49" charset="0"/>
-              </a:rPr>
-              <a:t> = 1</a:t>
-            </a:r>
-          </a:p>
-          <a:p>
-            <a:pPr marL="0" indent="0" algn="l" rtl="0">
-              <a:buNone/>
-            </a:pPr>
-            <a:r>
-              <a:rPr lang="en-US" dirty="0">
-                <a:solidFill>
-                  <a:srgbClr val="008080"/>
+              <a:t>  AND TO_CHAR(SYSDATE, 'YYYY') = '2023';</a:t>
+            </a:r>
+            <a:r>
+              <a:rPr lang="he-IL" dirty="0" smtClean="0">
+                <a:solidFill>
+                  <a:srgbClr val="000080"/>
                 </a:solidFill>
                 <a:highlight>
                   <a:srgbClr val="FFFFFF"/>
@@ -27374,7 +27273,7 @@
     </p:spTree>
     <p:extLst>
       <p:ext uri="{BB962C8B-B14F-4D97-AF65-F5344CB8AC3E}">
-        <p14:creationId xmlns:p14="http://schemas.microsoft.com/office/powerpoint/2010/main" val="2634334566"/>
+        <p14:creationId xmlns:p14="http://schemas.microsoft.com/office/powerpoint/2010/main" val="508524194"/>
       </p:ext>
     </p:extLst>
   </p:cSld>
@@ -27403,7 +27302,7 @@
       </p:grpSpPr>
       <p:sp>
         <p:nvSpPr>
-          <p:cNvPr id="6" name="כותרת 5"/>
+          <p:cNvPr id="2" name="כותרת 1"/>
           <p:cNvSpPr>
             <a:spLocks noGrp="1"/>
           </p:cNvSpPr>
@@ -27418,7 +27317,7 @@
           <a:p>
             <a:r>
               <a:rPr lang="he-IL" dirty="0" smtClean="0"/>
-              <a:t>אילוצים</a:t>
+              <a:t>שאילתת מחיקה</a:t>
             </a:r>
             <a:endParaRPr lang="he-IL" dirty="0"/>
           </a:p>
@@ -27426,7 +27325,7 @@
       </p:sp>
       <p:sp>
         <p:nvSpPr>
-          <p:cNvPr id="7" name="מציין מיקום תוכן 2"/>
+          <p:cNvPr id="3" name="מציין מיקום תוכן 2"/>
           <p:cNvSpPr>
             <a:spLocks noGrp="1"/>
           </p:cNvSpPr>
@@ -27434,12 +27333,7 @@
             <p:ph idx="1"/>
           </p:nvPr>
         </p:nvSpPr>
-        <p:spPr>
-          <a:xfrm>
-            <a:off x="2589212" y="2133600"/>
-            <a:ext cx="8915400" cy="3777622"/>
-          </a:xfrm>
-        </p:spPr>
+        <p:spPr/>
         <p:txBody>
           <a:bodyPr/>
           <a:lstStyle/>
@@ -27457,7 +27351,7 @@
                 </a:highlight>
                 <a:latin typeface="Courier New" panose="02070309020205020404" pitchFamily="49" charset="0"/>
               </a:rPr>
-              <a:t>אילוץ- מס טלפון לא יותר מ10 ספרות</a:t>
+              <a:t>מחיקת כל האירועים מסוג ספציפי </a:t>
             </a:r>
             <a:endParaRPr lang="en-US" dirty="0">
               <a:solidFill>
@@ -27483,43 +27377,7 @@
                 </a:highlight>
                 <a:latin typeface="Courier New" panose="02070309020205020404" pitchFamily="49" charset="0"/>
               </a:rPr>
-              <a:t>ALTER</a:t>
-            </a:r>
-            <a:r>
-              <a:rPr lang="en-US" dirty="0">
-                <a:solidFill>
-                  <a:srgbClr val="000080"/>
-                </a:solidFill>
-                <a:highlight>
-                  <a:srgbClr val="FFFFFF"/>
-                </a:highlight>
-                <a:latin typeface="Courier New" panose="02070309020205020404" pitchFamily="49" charset="0"/>
-              </a:rPr>
-              <a:t> </a:t>
-            </a:r>
-            <a:r>
-              <a:rPr lang="en-US" dirty="0">
-                <a:solidFill>
-                  <a:srgbClr val="008080"/>
-                </a:solidFill>
-                <a:highlight>
-                  <a:srgbClr val="FFFFFF"/>
-                </a:highlight>
-                <a:latin typeface="Courier New" panose="02070309020205020404" pitchFamily="49" charset="0"/>
-              </a:rPr>
-              <a:t>TABLE</a:t>
-            </a:r>
-            <a:r>
-              <a:rPr lang="en-US" dirty="0">
-                <a:solidFill>
-                  <a:srgbClr val="000080"/>
-                </a:solidFill>
-                <a:highlight>
-                  <a:srgbClr val="FFFFFF"/>
-                </a:highlight>
-                <a:latin typeface="Courier New" panose="02070309020205020404" pitchFamily="49" charset="0"/>
-              </a:rPr>
-              <a:t> Participants</a:t>
+              <a:t>DELETE FROM Event</a:t>
             </a:r>
           </a:p>
           <a:p>
@@ -27536,172 +27394,64 @@
                 </a:highlight>
                 <a:latin typeface="Courier New" panose="02070309020205020404" pitchFamily="49" charset="0"/>
               </a:rPr>
-              <a:t>ADD</a:t>
-            </a:r>
-            <a:r>
-              <a:rPr lang="en-US" dirty="0">
-                <a:solidFill>
-                  <a:srgbClr val="000080"/>
-                </a:solidFill>
-                <a:highlight>
-                  <a:srgbClr val="FFFFFF"/>
-                </a:highlight>
-                <a:latin typeface="Courier New" panose="02070309020205020404" pitchFamily="49" charset="0"/>
-              </a:rPr>
-              <a:t> </a:t>
-            </a:r>
-            <a:r>
-              <a:rPr lang="en-US" dirty="0">
-                <a:solidFill>
-                  <a:srgbClr val="008080"/>
-                </a:solidFill>
-                <a:highlight>
-                  <a:srgbClr val="FFFFFF"/>
-                </a:highlight>
-                <a:latin typeface="Courier New" panose="02070309020205020404" pitchFamily="49" charset="0"/>
-              </a:rPr>
-              <a:t>CONSTRAINT</a:t>
-            </a:r>
-            <a:r>
-              <a:rPr lang="en-US" dirty="0">
-                <a:solidFill>
-                  <a:srgbClr val="000080"/>
-                </a:solidFill>
-                <a:highlight>
-                  <a:srgbClr val="FFFFFF"/>
-                </a:highlight>
-                <a:latin typeface="Courier New" panose="02070309020205020404" pitchFamily="49" charset="0"/>
-              </a:rPr>
-              <a:t> </a:t>
-            </a:r>
-            <a:r>
-              <a:rPr lang="en-US" dirty="0" err="1">
-                <a:solidFill>
-                  <a:srgbClr val="000080"/>
-                </a:solidFill>
-                <a:highlight>
-                  <a:srgbClr val="FFFFFF"/>
-                </a:highlight>
-                <a:latin typeface="Courier New" panose="02070309020205020404" pitchFamily="49" charset="0"/>
-              </a:rPr>
-              <a:t>chk_phone_length</a:t>
-            </a:r>
-            <a:r>
-              <a:rPr lang="en-US" dirty="0">
-                <a:solidFill>
-                  <a:srgbClr val="000080"/>
-                </a:solidFill>
-                <a:highlight>
-                  <a:srgbClr val="FFFFFF"/>
-                </a:highlight>
-                <a:latin typeface="Courier New" panose="02070309020205020404" pitchFamily="49" charset="0"/>
-              </a:rPr>
-              <a:t> </a:t>
-            </a:r>
-            <a:r>
-              <a:rPr lang="en-US" dirty="0">
-                <a:solidFill>
-                  <a:srgbClr val="008080"/>
-                </a:solidFill>
-                <a:highlight>
-                  <a:srgbClr val="FFFFFF"/>
-                </a:highlight>
-                <a:latin typeface="Courier New" panose="02070309020205020404" pitchFamily="49" charset="0"/>
-              </a:rPr>
-              <a:t>CHECK</a:t>
-            </a:r>
-            <a:r>
-              <a:rPr lang="en-US" dirty="0">
-                <a:solidFill>
-                  <a:srgbClr val="000080"/>
-                </a:solidFill>
-                <a:highlight>
-                  <a:srgbClr val="FFFFFF"/>
-                </a:highlight>
-                <a:latin typeface="Courier New" panose="02070309020205020404" pitchFamily="49" charset="0"/>
-              </a:rPr>
-              <a:t> (</a:t>
-            </a:r>
-            <a:r>
-              <a:rPr lang="en-US" dirty="0">
-                <a:solidFill>
-                  <a:srgbClr val="008080"/>
-                </a:solidFill>
-                <a:highlight>
-                  <a:srgbClr val="FFFFFF"/>
-                </a:highlight>
-                <a:latin typeface="Courier New" panose="02070309020205020404" pitchFamily="49" charset="0"/>
-              </a:rPr>
-              <a:t>LENGTH</a:t>
-            </a:r>
-            <a:r>
-              <a:rPr lang="en-US" dirty="0">
-                <a:solidFill>
-                  <a:srgbClr val="000080"/>
-                </a:solidFill>
-                <a:highlight>
-                  <a:srgbClr val="FFFFFF"/>
-                </a:highlight>
-                <a:latin typeface="Courier New" panose="02070309020205020404" pitchFamily="49" charset="0"/>
-              </a:rPr>
-              <a:t>(phone) = </a:t>
-            </a:r>
-            <a:r>
-              <a:rPr lang="en-US" dirty="0">
-                <a:solidFill>
-                  <a:srgbClr val="0000FF"/>
-                </a:solidFill>
-                <a:highlight>
-                  <a:srgbClr val="FFFFFF"/>
-                </a:highlight>
-                <a:latin typeface="Courier New" panose="02070309020205020404" pitchFamily="49" charset="0"/>
-              </a:rPr>
-              <a:t>10</a:t>
-            </a:r>
-            <a:r>
-              <a:rPr lang="en-US" dirty="0" smtClean="0">
-                <a:solidFill>
-                  <a:srgbClr val="000080"/>
-                </a:solidFill>
-                <a:highlight>
-                  <a:srgbClr val="FFFFFF"/>
-                </a:highlight>
-                <a:latin typeface="Courier New" panose="02070309020205020404" pitchFamily="49" charset="0"/>
-              </a:rPr>
-              <a:t>);</a:t>
-            </a:r>
-          </a:p>
-          <a:p>
-            <a:pPr marL="0" indent="0" rtl="0">
+              <a:t>WHERE </a:t>
+            </a:r>
+            <a:r>
+              <a:rPr lang="en-US" dirty="0" err="1">
+                <a:solidFill>
+                  <a:srgbClr val="008080"/>
+                </a:solidFill>
+                <a:highlight>
+                  <a:srgbClr val="FFFFFF"/>
+                </a:highlight>
+                <a:latin typeface="Courier New" panose="02070309020205020404" pitchFamily="49" charset="0"/>
+              </a:rPr>
+              <a:t>eventTypeId</a:t>
+            </a:r>
+            <a:r>
+              <a:rPr lang="en-US" dirty="0">
+                <a:solidFill>
+                  <a:srgbClr val="008080"/>
+                </a:solidFill>
+                <a:highlight>
+                  <a:srgbClr val="FFFFFF"/>
+                </a:highlight>
+                <a:latin typeface="Courier New" panose="02070309020205020404" pitchFamily="49" charset="0"/>
+              </a:rPr>
+              <a:t> = (</a:t>
+            </a:r>
+          </a:p>
+          <a:p>
+            <a:pPr marL="0" indent="0" algn="l" rtl="0">
               <a:buNone/>
             </a:pPr>
             <a:r>
-              <a:rPr lang="he-IL" i="1" dirty="0">
-                <a:solidFill>
-                  <a:srgbClr val="FF0000"/>
-                </a:solidFill>
-                <a:highlight>
-                  <a:srgbClr val="FFFFFF"/>
-                </a:highlight>
-                <a:latin typeface="Courier New" panose="02070309020205020404" pitchFamily="49" charset="0"/>
-              </a:rPr>
-              <a:t>אילוץ- </a:t>
-            </a:r>
-            <a:r>
-              <a:rPr lang="he-IL" i="1" dirty="0" smtClean="0">
-                <a:solidFill>
-                  <a:srgbClr val="FF0000"/>
-                </a:solidFill>
-                <a:highlight>
-                  <a:srgbClr val="FFFFFF"/>
-                </a:highlight>
-                <a:latin typeface="Courier New" panose="02070309020205020404" pitchFamily="49" charset="0"/>
-              </a:rPr>
-              <a:t>הערך ברירת מחדל של חנייה יהיה 0</a:t>
-            </a:r>
-            <a:endParaRPr lang="he-IL" dirty="0">
+              <a:rPr lang="en-US" dirty="0">
+                <a:solidFill>
+                  <a:srgbClr val="008080"/>
+                </a:solidFill>
+                <a:highlight>
+                  <a:srgbClr val="FFFFFF"/>
+                </a:highlight>
+                <a:latin typeface="Courier New" panose="02070309020205020404" pitchFamily="49" charset="0"/>
+              </a:rPr>
+              <a:t>  SELECT </a:t>
+            </a:r>
+            <a:r>
+              <a:rPr lang="en-US" dirty="0" err="1">
+                <a:solidFill>
+                  <a:srgbClr val="008080"/>
+                </a:solidFill>
+                <a:highlight>
+                  <a:srgbClr val="FFFFFF"/>
+                </a:highlight>
+                <a:latin typeface="Courier New" panose="02070309020205020404" pitchFamily="49" charset="0"/>
+              </a:rPr>
+              <a:t>eventTypeId</a:t>
+            </a:r>
+            <a:endParaRPr lang="en-US" dirty="0">
               <a:solidFill>
-                <a:srgbClr val="000080"/>
+                <a:srgbClr val="008080"/>
               </a:solidFill>
               <a:highlight>
                 <a:srgbClr val="FFFFFF"/>
@@ -27723,177 +27473,23 @@
                 </a:highlight>
                 <a:latin typeface="Courier New" panose="02070309020205020404" pitchFamily="49" charset="0"/>
               </a:rPr>
-              <a:t>ALTER</a:t>
-            </a:r>
-            <a:r>
-              <a:rPr lang="en-US" dirty="0">
-                <a:solidFill>
-                  <a:srgbClr val="000080"/>
-                </a:solidFill>
-                <a:highlight>
-                  <a:srgbClr val="FFFFFF"/>
-                </a:highlight>
-                <a:latin typeface="Courier New" panose="02070309020205020404" pitchFamily="49" charset="0"/>
-              </a:rPr>
-              <a:t> </a:t>
-            </a:r>
-            <a:r>
-              <a:rPr lang="en-US" dirty="0">
-                <a:solidFill>
-                  <a:srgbClr val="008080"/>
-                </a:solidFill>
-                <a:highlight>
-                  <a:srgbClr val="FFFFFF"/>
-                </a:highlight>
-                <a:latin typeface="Courier New" panose="02070309020205020404" pitchFamily="49" charset="0"/>
-              </a:rPr>
-              <a:t>TABLE</a:t>
-            </a:r>
-            <a:r>
-              <a:rPr lang="en-US" dirty="0">
-                <a:solidFill>
-                  <a:srgbClr val="000080"/>
-                </a:solidFill>
-                <a:highlight>
-                  <a:srgbClr val="FFFFFF"/>
-                </a:highlight>
-                <a:latin typeface="Courier New" panose="02070309020205020404" pitchFamily="49" charset="0"/>
-              </a:rPr>
-              <a:t> Locations</a:t>
-            </a:r>
-          </a:p>
-          <a:p>
-            <a:pPr marL="0" indent="0" algn="l" rtl="0">
-              <a:buNone/>
-            </a:pPr>
-            <a:r>
-              <a:rPr lang="en-US" dirty="0">
-                <a:solidFill>
-                  <a:srgbClr val="008080"/>
-                </a:solidFill>
-                <a:highlight>
-                  <a:srgbClr val="FFFFFF"/>
-                </a:highlight>
-                <a:latin typeface="Courier New" panose="02070309020205020404" pitchFamily="49" charset="0"/>
-              </a:rPr>
-              <a:t>MODIFY</a:t>
-            </a:r>
-            <a:r>
-              <a:rPr lang="en-US" dirty="0">
-                <a:solidFill>
-                  <a:srgbClr val="000080"/>
-                </a:solidFill>
-                <a:highlight>
-                  <a:srgbClr val="FFFFFF"/>
-                </a:highlight>
-                <a:latin typeface="Courier New" panose="02070309020205020404" pitchFamily="49" charset="0"/>
-              </a:rPr>
-              <a:t> parking </a:t>
-            </a:r>
-            <a:r>
-              <a:rPr lang="en-US" dirty="0">
-                <a:solidFill>
-                  <a:srgbClr val="008080"/>
-                </a:solidFill>
-                <a:highlight>
-                  <a:srgbClr val="FFFFFF"/>
-                </a:highlight>
-                <a:latin typeface="Courier New" panose="02070309020205020404" pitchFamily="49" charset="0"/>
-              </a:rPr>
-              <a:t>DEFAULT</a:t>
-            </a:r>
-            <a:r>
-              <a:rPr lang="en-US" dirty="0">
-                <a:solidFill>
-                  <a:srgbClr val="000080"/>
-                </a:solidFill>
-                <a:highlight>
-                  <a:srgbClr val="FFFFFF"/>
-                </a:highlight>
-                <a:latin typeface="Courier New" panose="02070309020205020404" pitchFamily="49" charset="0"/>
-              </a:rPr>
-              <a:t> </a:t>
-            </a:r>
-            <a:r>
-              <a:rPr lang="en-US" dirty="0">
-                <a:solidFill>
-                  <a:srgbClr val="0000FF"/>
-                </a:solidFill>
-                <a:highlight>
-                  <a:srgbClr val="FFFFFF"/>
-                </a:highlight>
-                <a:latin typeface="Courier New" panose="02070309020205020404" pitchFamily="49" charset="0"/>
-              </a:rPr>
-              <a:t>0</a:t>
-            </a:r>
-            <a:r>
-              <a:rPr lang="en-US" dirty="0">
-                <a:solidFill>
-                  <a:srgbClr val="000080"/>
-                </a:solidFill>
-                <a:highlight>
-                  <a:srgbClr val="FFFFFF"/>
-                </a:highlight>
-                <a:latin typeface="Courier New" panose="02070309020205020404" pitchFamily="49" charset="0"/>
-              </a:rPr>
-              <a:t>;</a:t>
-            </a:r>
-          </a:p>
-          <a:p>
-            <a:pPr marL="0" indent="0" algn="r">
-              <a:buNone/>
-            </a:pPr>
-            <a:r>
-              <a:rPr lang="he-IL" i="1" dirty="0">
-                <a:solidFill>
-                  <a:srgbClr val="FF0000"/>
-                </a:solidFill>
-                <a:highlight>
-                  <a:srgbClr val="FFFFFF"/>
-                </a:highlight>
-                <a:latin typeface="Courier New" panose="02070309020205020404" pitchFamily="49" charset="0"/>
-              </a:rPr>
-              <a:t>אילוץ- </a:t>
-            </a:r>
-            <a:r>
-              <a:rPr lang="he-IL" i="1" dirty="0" smtClean="0">
-                <a:solidFill>
-                  <a:srgbClr val="FF0000"/>
-                </a:solidFill>
-                <a:highlight>
-                  <a:srgbClr val="FFFFFF"/>
-                </a:highlight>
-                <a:latin typeface="Courier New" panose="02070309020205020404" pitchFamily="49" charset="0"/>
-              </a:rPr>
-              <a:t>התיאור של סוג אירוע לא יהיה </a:t>
-            </a:r>
-            <a:r>
-              <a:rPr lang="en-US" i="1" dirty="0" smtClean="0">
-                <a:solidFill>
-                  <a:srgbClr val="FF0000"/>
-                </a:solidFill>
-                <a:highlight>
-                  <a:srgbClr val="FFFFFF"/>
-                </a:highlight>
-                <a:latin typeface="Courier New" panose="02070309020205020404" pitchFamily="49" charset="0"/>
-              </a:rPr>
-              <a:t>NULL</a:t>
-            </a:r>
-            <a:r>
-              <a:rPr lang="he-IL" i="1" dirty="0" smtClean="0">
-                <a:solidFill>
-                  <a:srgbClr val="FF0000"/>
-                </a:solidFill>
-                <a:highlight>
-                  <a:srgbClr val="FFFFFF"/>
-                </a:highlight>
-                <a:latin typeface="Courier New" panose="02070309020205020404" pitchFamily="49" charset="0"/>
-              </a:rPr>
-              <a:t> </a:t>
-            </a:r>
-            <a:endParaRPr lang="he-IL" dirty="0">
+              <a:t>  FROM </a:t>
+            </a:r>
+            <a:r>
+              <a:rPr lang="en-US" dirty="0" err="1">
+                <a:solidFill>
+                  <a:srgbClr val="008080"/>
+                </a:solidFill>
+                <a:highlight>
+                  <a:srgbClr val="FFFFFF"/>
+                </a:highlight>
+                <a:latin typeface="Courier New" panose="02070309020205020404" pitchFamily="49" charset="0"/>
+              </a:rPr>
+              <a:t>EventType</a:t>
+            </a:r>
+            <a:endParaRPr lang="en-US" dirty="0">
               <a:solidFill>
-                <a:srgbClr val="000080"/>
+                <a:srgbClr val="008080"/>
               </a:solidFill>
               <a:highlight>
                 <a:srgbClr val="FFFFFF"/>
@@ -27915,65 +27511,32 @@
                 </a:highlight>
                 <a:latin typeface="Courier New" panose="02070309020205020404" pitchFamily="49" charset="0"/>
               </a:rPr>
-              <a:t>ALTER</a:t>
-            </a:r>
-            <a:r>
-              <a:rPr lang="en-US" dirty="0">
-                <a:solidFill>
-                  <a:srgbClr val="000080"/>
-                </a:solidFill>
-                <a:highlight>
-                  <a:srgbClr val="FFFFFF"/>
-                </a:highlight>
-                <a:latin typeface="Courier New" panose="02070309020205020404" pitchFamily="49" charset="0"/>
-              </a:rPr>
-              <a:t> </a:t>
-            </a:r>
-            <a:r>
-              <a:rPr lang="en-US" dirty="0">
-                <a:solidFill>
-                  <a:srgbClr val="008080"/>
-                </a:solidFill>
-                <a:highlight>
-                  <a:srgbClr val="FFFFFF"/>
-                </a:highlight>
-                <a:latin typeface="Courier New" panose="02070309020205020404" pitchFamily="49" charset="0"/>
-              </a:rPr>
-              <a:t>TABLE</a:t>
-            </a:r>
-            <a:r>
-              <a:rPr lang="en-US" dirty="0">
-                <a:solidFill>
-                  <a:srgbClr val="000080"/>
-                </a:solidFill>
-                <a:highlight>
-                  <a:srgbClr val="FFFFFF"/>
-                </a:highlight>
-                <a:latin typeface="Courier New" panose="02070309020205020404" pitchFamily="49" charset="0"/>
-              </a:rPr>
-              <a:t> </a:t>
-            </a:r>
-            <a:r>
-              <a:rPr lang="en-US" dirty="0" err="1">
-                <a:solidFill>
-                  <a:srgbClr val="000080"/>
-                </a:solidFill>
-                <a:highlight>
-                  <a:srgbClr val="FFFFFF"/>
-                </a:highlight>
-                <a:latin typeface="Courier New" panose="02070309020205020404" pitchFamily="49" charset="0"/>
-              </a:rPr>
-              <a:t>EventType</a:t>
-            </a:r>
-            <a:endParaRPr lang="en-US" dirty="0">
-              <a:solidFill>
-                <a:srgbClr val="000080"/>
-              </a:solidFill>
-              <a:highlight>
-                <a:srgbClr val="FFFFFF"/>
-              </a:highlight>
-              <a:latin typeface="Courier New" panose="02070309020205020404" pitchFamily="49" charset="0"/>
-            </a:endParaRPr>
+              <a:t>  WHERE </a:t>
+            </a:r>
+            <a:r>
+              <a:rPr lang="en-US" dirty="0" err="1">
+                <a:solidFill>
+                  <a:srgbClr val="008080"/>
+                </a:solidFill>
+                <a:highlight>
+                  <a:srgbClr val="FFFFFF"/>
+                </a:highlight>
+                <a:latin typeface="Courier New" panose="02070309020205020404" pitchFamily="49" charset="0"/>
+              </a:rPr>
+              <a:t>eventType</a:t>
+            </a:r>
+            <a:r>
+              <a:rPr lang="en-US" dirty="0">
+                <a:solidFill>
+                  <a:srgbClr val="008080"/>
+                </a:solidFill>
+                <a:highlight>
+                  <a:srgbClr val="FFFFFF"/>
+                </a:highlight>
+                <a:latin typeface="Courier New" panose="02070309020205020404" pitchFamily="49" charset="0"/>
+              </a:rPr>
+              <a:t> = 'Specific Type'</a:t>
+            </a:r>
           </a:p>
           <a:p>
             <a:pPr marL="0" indent="0" algn="l" rtl="0">
@@ -27989,98 +27552,15 @@
                 </a:highlight>
                 <a:latin typeface="Courier New" panose="02070309020205020404" pitchFamily="49" charset="0"/>
               </a:rPr>
-              <a:t>MODIFY</a:t>
-            </a:r>
-            <a:r>
-              <a:rPr lang="en-US" dirty="0">
-                <a:solidFill>
-                  <a:srgbClr val="000080"/>
-                </a:solidFill>
-                <a:highlight>
-                  <a:srgbClr val="FFFFFF"/>
-                </a:highlight>
-                <a:latin typeface="Courier New" panose="02070309020205020404" pitchFamily="49" charset="0"/>
-              </a:rPr>
-              <a:t> </a:t>
-            </a:r>
-            <a:r>
-              <a:rPr lang="en-US" dirty="0" err="1">
-                <a:solidFill>
-                  <a:srgbClr val="000080"/>
-                </a:solidFill>
-                <a:highlight>
-                  <a:srgbClr val="FFFFFF"/>
-                </a:highlight>
-                <a:latin typeface="Courier New" panose="02070309020205020404" pitchFamily="49" charset="0"/>
-              </a:rPr>
-              <a:t>typeDescription</a:t>
-            </a:r>
-            <a:r>
-              <a:rPr lang="en-US" dirty="0">
-                <a:solidFill>
-                  <a:srgbClr val="000080"/>
-                </a:solidFill>
-                <a:highlight>
-                  <a:srgbClr val="FFFFFF"/>
-                </a:highlight>
-                <a:latin typeface="Courier New" panose="02070309020205020404" pitchFamily="49" charset="0"/>
-              </a:rPr>
-              <a:t> </a:t>
-            </a:r>
-            <a:r>
-              <a:rPr lang="en-US" dirty="0">
-                <a:solidFill>
-                  <a:srgbClr val="008080"/>
-                </a:solidFill>
-                <a:highlight>
-                  <a:srgbClr val="FFFFFF"/>
-                </a:highlight>
-                <a:latin typeface="Courier New" panose="02070309020205020404" pitchFamily="49" charset="0"/>
-              </a:rPr>
-              <a:t>NOT</a:t>
-            </a:r>
-            <a:r>
-              <a:rPr lang="en-US" dirty="0">
-                <a:solidFill>
-                  <a:srgbClr val="000080"/>
-                </a:solidFill>
-                <a:highlight>
-                  <a:srgbClr val="FFFFFF"/>
-                </a:highlight>
-                <a:latin typeface="Courier New" panose="02070309020205020404" pitchFamily="49" charset="0"/>
-              </a:rPr>
-              <a:t> </a:t>
-            </a:r>
-            <a:r>
-              <a:rPr lang="en-US" dirty="0">
-                <a:solidFill>
-                  <a:srgbClr val="008080"/>
-                </a:solidFill>
-                <a:highlight>
-                  <a:srgbClr val="FFFFFF"/>
-                </a:highlight>
-                <a:latin typeface="Courier New" panose="02070309020205020404" pitchFamily="49" charset="0"/>
-              </a:rPr>
-              <a:t>NULL</a:t>
-            </a:r>
-            <a:r>
-              <a:rPr lang="en-US" dirty="0">
-                <a:solidFill>
-                  <a:srgbClr val="000080"/>
-                </a:solidFill>
-                <a:highlight>
-                  <a:srgbClr val="FFFFFF"/>
-                </a:highlight>
-                <a:latin typeface="Courier New" panose="02070309020205020404" pitchFamily="49" charset="0"/>
-              </a:rPr>
-              <a:t>;</a:t>
-            </a:r>
+              <a:t>);</a:t>
+            </a:r>
+            <a:endParaRPr lang="he-IL" dirty="0"/>
           </a:p>
         </p:txBody>
       </p:sp>
       <p:sp>
         <p:nvSpPr>
-          <p:cNvPr id="2" name="מציין מיקום של מספר שקופית 1"/>
+          <p:cNvPr id="4" name="מציין מיקום של מספר שקופית 3"/>
           <p:cNvSpPr>
             <a:spLocks noGrp="1"/>
           </p:cNvSpPr>
@@ -28104,7 +27584,7 @@
     </p:spTree>
     <p:extLst>
       <p:ext uri="{BB962C8B-B14F-4D97-AF65-F5344CB8AC3E}">
-        <p14:creationId xmlns:p14="http://schemas.microsoft.com/office/powerpoint/2010/main" val="198588736"/>
+        <p14:creationId xmlns:p14="http://schemas.microsoft.com/office/powerpoint/2010/main" val="3123644598"/>
       </p:ext>
     </p:extLst>
   </p:cSld>
@@ -28261,6 +27741,1737 @@
       </p:par>
     </p:tnLst>
   </p:timing>
+</p:sld>
+</file>
+
+<file path=ppt/slides/slide50.xml><?xml version="1.0" encoding="utf-8"?>
+<p:sld xmlns:a="http://schemas.openxmlformats.org/drawingml/2006/main" xmlns:r="http://schemas.openxmlformats.org/officeDocument/2006/relationships" xmlns:p="http://schemas.openxmlformats.org/presentationml/2006/main">
+  <p:cSld>
+    <p:spTree>
+      <p:nvGrpSpPr>
+        <p:cNvPr id="1" name=""/>
+        <p:cNvGrpSpPr/>
+        <p:nvPr/>
+      </p:nvGrpSpPr>
+      <p:grpSpPr>
+        <a:xfrm>
+          <a:off x="0" y="0"/>
+          <a:ext cx="0" cy="0"/>
+          <a:chOff x="0" y="0"/>
+          <a:chExt cx="0" cy="0"/>
+        </a:xfrm>
+      </p:grpSpPr>
+      <p:sp>
+        <p:nvSpPr>
+          <p:cNvPr id="2" name="כותרת 1"/>
+          <p:cNvSpPr>
+            <a:spLocks noGrp="1"/>
+          </p:cNvSpPr>
+          <p:nvPr>
+            <p:ph type="title"/>
+          </p:nvPr>
+        </p:nvSpPr>
+        <p:spPr/>
+        <p:txBody>
+          <a:bodyPr/>
+          <a:lstStyle/>
+          <a:p>
+            <a:r>
+              <a:rPr lang="he-IL" dirty="0" smtClean="0"/>
+              <a:t>שאילתת עדכון</a:t>
+            </a:r>
+            <a:endParaRPr lang="he-IL" dirty="0"/>
+          </a:p>
+        </p:txBody>
+      </p:sp>
+      <p:sp>
+        <p:nvSpPr>
+          <p:cNvPr id="3" name="מציין מיקום תוכן 2"/>
+          <p:cNvSpPr>
+            <a:spLocks noGrp="1"/>
+          </p:cNvSpPr>
+          <p:nvPr>
+            <p:ph idx="1"/>
+          </p:nvPr>
+        </p:nvSpPr>
+        <p:spPr/>
+        <p:txBody>
+          <a:bodyPr/>
+          <a:lstStyle/>
+          <a:p>
+            <a:pPr marL="0" indent="0" rtl="0">
+              <a:buNone/>
+            </a:pPr>
+            <a:r>
+              <a:rPr lang="he-IL" i="1" dirty="0" smtClean="0">
+                <a:solidFill>
+                  <a:srgbClr val="FF0000"/>
+                </a:solidFill>
+                <a:highlight>
+                  <a:srgbClr val="FFFFFF"/>
+                </a:highlight>
+                <a:latin typeface="Courier New" panose="02070309020205020404" pitchFamily="49" charset="0"/>
+              </a:rPr>
+              <a:t>עדכון הנחה לכרטיסים של יום העצמאות</a:t>
+            </a:r>
+            <a:endParaRPr lang="en-US" dirty="0">
+              <a:solidFill>
+                <a:srgbClr val="000080"/>
+              </a:solidFill>
+              <a:highlight>
+                <a:srgbClr val="FFFFFF"/>
+              </a:highlight>
+              <a:latin typeface="Courier New" panose="02070309020205020404" pitchFamily="49" charset="0"/>
+            </a:endParaRPr>
+          </a:p>
+          <a:p>
+            <a:pPr marL="0" indent="0" algn="l" rtl="0">
+              <a:buNone/>
+            </a:pPr>
+            <a:r>
+              <a:rPr lang="en-US" dirty="0">
+                <a:solidFill>
+                  <a:srgbClr val="008080"/>
+                </a:solidFill>
+                <a:highlight>
+                  <a:srgbClr val="FFFFFF"/>
+                </a:highlight>
+                <a:latin typeface="Courier New" panose="02070309020205020404" pitchFamily="49" charset="0"/>
+              </a:rPr>
+              <a:t>UPDATE</a:t>
+            </a:r>
+            <a:r>
+              <a:rPr lang="en-US" dirty="0">
+                <a:solidFill>
+                  <a:srgbClr val="000080"/>
+                </a:solidFill>
+                <a:highlight>
+                  <a:srgbClr val="FFFFFF"/>
+                </a:highlight>
+                <a:latin typeface="Courier New" panose="02070309020205020404" pitchFamily="49" charset="0"/>
+              </a:rPr>
+              <a:t> Orders</a:t>
+            </a:r>
+          </a:p>
+          <a:p>
+            <a:pPr marL="0" indent="0" algn="l" rtl="0">
+              <a:buNone/>
+            </a:pPr>
+            <a:r>
+              <a:rPr lang="en-US" dirty="0">
+                <a:solidFill>
+                  <a:srgbClr val="008080"/>
+                </a:solidFill>
+                <a:highlight>
+                  <a:srgbClr val="FFFFFF"/>
+                </a:highlight>
+                <a:latin typeface="Courier New" panose="02070309020205020404" pitchFamily="49" charset="0"/>
+              </a:rPr>
+              <a:t>SET</a:t>
+            </a:r>
+            <a:r>
+              <a:rPr lang="en-US" dirty="0">
+                <a:solidFill>
+                  <a:srgbClr val="000080"/>
+                </a:solidFill>
+                <a:highlight>
+                  <a:srgbClr val="FFFFFF"/>
+                </a:highlight>
+                <a:latin typeface="Courier New" panose="02070309020205020404" pitchFamily="49" charset="0"/>
+              </a:rPr>
+              <a:t> </a:t>
+            </a:r>
+            <a:r>
+              <a:rPr lang="en-US" dirty="0" err="1">
+                <a:solidFill>
+                  <a:srgbClr val="000080"/>
+                </a:solidFill>
+                <a:highlight>
+                  <a:srgbClr val="FFFFFF"/>
+                </a:highlight>
+                <a:latin typeface="Courier New" panose="02070309020205020404" pitchFamily="49" charset="0"/>
+              </a:rPr>
+              <a:t>ticketCost</a:t>
+            </a:r>
+            <a:r>
+              <a:rPr lang="en-US" dirty="0">
+                <a:solidFill>
+                  <a:srgbClr val="000080"/>
+                </a:solidFill>
+                <a:highlight>
+                  <a:srgbClr val="FFFFFF"/>
+                </a:highlight>
+                <a:latin typeface="Courier New" panose="02070309020205020404" pitchFamily="49" charset="0"/>
+              </a:rPr>
+              <a:t> = </a:t>
+            </a:r>
+            <a:r>
+              <a:rPr lang="en-US" dirty="0" err="1">
+                <a:solidFill>
+                  <a:srgbClr val="000080"/>
+                </a:solidFill>
+                <a:highlight>
+                  <a:srgbClr val="FFFFFF"/>
+                </a:highlight>
+                <a:latin typeface="Courier New" panose="02070309020205020404" pitchFamily="49" charset="0"/>
+              </a:rPr>
+              <a:t>ticketCost</a:t>
+            </a:r>
+            <a:r>
+              <a:rPr lang="en-US" dirty="0">
+                <a:solidFill>
+                  <a:srgbClr val="000080"/>
+                </a:solidFill>
+                <a:highlight>
+                  <a:srgbClr val="FFFFFF"/>
+                </a:highlight>
+                <a:latin typeface="Courier New" panose="02070309020205020404" pitchFamily="49" charset="0"/>
+              </a:rPr>
+              <a:t> / </a:t>
+            </a:r>
+            <a:r>
+              <a:rPr lang="en-US" dirty="0">
+                <a:solidFill>
+                  <a:srgbClr val="0000FF"/>
+                </a:solidFill>
+                <a:highlight>
+                  <a:srgbClr val="FFFFFF"/>
+                </a:highlight>
+                <a:latin typeface="Courier New" panose="02070309020205020404" pitchFamily="49" charset="0"/>
+              </a:rPr>
+              <a:t>2</a:t>
+            </a:r>
+            <a:endParaRPr lang="en-US" dirty="0">
+              <a:solidFill>
+                <a:srgbClr val="000080"/>
+              </a:solidFill>
+              <a:highlight>
+                <a:srgbClr val="FFFFFF"/>
+              </a:highlight>
+              <a:latin typeface="Courier New" panose="02070309020205020404" pitchFamily="49" charset="0"/>
+            </a:endParaRPr>
+          </a:p>
+          <a:p>
+            <a:pPr marL="0" indent="0" algn="l" rtl="0">
+              <a:buNone/>
+            </a:pPr>
+            <a:r>
+              <a:rPr lang="en-US" dirty="0">
+                <a:solidFill>
+                  <a:srgbClr val="008080"/>
+                </a:solidFill>
+                <a:highlight>
+                  <a:srgbClr val="FFFFFF"/>
+                </a:highlight>
+                <a:latin typeface="Courier New" panose="02070309020205020404" pitchFamily="49" charset="0"/>
+              </a:rPr>
+              <a:t>WHERE</a:t>
+            </a:r>
+            <a:r>
+              <a:rPr lang="en-US" dirty="0">
+                <a:solidFill>
+                  <a:srgbClr val="000080"/>
+                </a:solidFill>
+                <a:highlight>
+                  <a:srgbClr val="FFFFFF"/>
+                </a:highlight>
+                <a:latin typeface="Courier New" panose="02070309020205020404" pitchFamily="49" charset="0"/>
+              </a:rPr>
+              <a:t> </a:t>
+            </a:r>
+            <a:r>
+              <a:rPr lang="en-US" dirty="0" err="1">
+                <a:solidFill>
+                  <a:srgbClr val="000080"/>
+                </a:solidFill>
+                <a:highlight>
+                  <a:srgbClr val="FFFFFF"/>
+                </a:highlight>
+                <a:latin typeface="Courier New" panose="02070309020205020404" pitchFamily="49" charset="0"/>
+              </a:rPr>
+              <a:t>eventID</a:t>
+            </a:r>
+            <a:r>
+              <a:rPr lang="en-US" dirty="0">
+                <a:solidFill>
+                  <a:srgbClr val="000080"/>
+                </a:solidFill>
+                <a:highlight>
+                  <a:srgbClr val="FFFFFF"/>
+                </a:highlight>
+                <a:latin typeface="Courier New" panose="02070309020205020404" pitchFamily="49" charset="0"/>
+              </a:rPr>
+              <a:t> </a:t>
+            </a:r>
+            <a:r>
+              <a:rPr lang="en-US" dirty="0">
+                <a:solidFill>
+                  <a:srgbClr val="008080"/>
+                </a:solidFill>
+                <a:highlight>
+                  <a:srgbClr val="FFFFFF"/>
+                </a:highlight>
+                <a:latin typeface="Courier New" panose="02070309020205020404" pitchFamily="49" charset="0"/>
+              </a:rPr>
+              <a:t>IN</a:t>
+            </a:r>
+            <a:r>
+              <a:rPr lang="en-US" dirty="0">
+                <a:solidFill>
+                  <a:srgbClr val="000080"/>
+                </a:solidFill>
+                <a:highlight>
+                  <a:srgbClr val="FFFFFF"/>
+                </a:highlight>
+                <a:latin typeface="Courier New" panose="02070309020205020404" pitchFamily="49" charset="0"/>
+              </a:rPr>
+              <a:t> (</a:t>
+            </a:r>
+          </a:p>
+          <a:p>
+            <a:pPr marL="0" indent="0" algn="l" rtl="0">
+              <a:buNone/>
+            </a:pPr>
+            <a:r>
+              <a:rPr lang="en-US" dirty="0">
+                <a:solidFill>
+                  <a:srgbClr val="000080"/>
+                </a:solidFill>
+                <a:highlight>
+                  <a:srgbClr val="FFFFFF"/>
+                </a:highlight>
+                <a:latin typeface="Courier New" panose="02070309020205020404" pitchFamily="49" charset="0"/>
+              </a:rPr>
+              <a:t>  </a:t>
+            </a:r>
+            <a:r>
+              <a:rPr lang="en-US" dirty="0">
+                <a:solidFill>
+                  <a:srgbClr val="008080"/>
+                </a:solidFill>
+                <a:highlight>
+                  <a:srgbClr val="FFFFFF"/>
+                </a:highlight>
+                <a:latin typeface="Courier New" panose="02070309020205020404" pitchFamily="49" charset="0"/>
+              </a:rPr>
+              <a:t>SELECT</a:t>
+            </a:r>
+            <a:r>
+              <a:rPr lang="en-US" dirty="0">
+                <a:solidFill>
+                  <a:srgbClr val="000080"/>
+                </a:solidFill>
+                <a:highlight>
+                  <a:srgbClr val="FFFFFF"/>
+                </a:highlight>
+                <a:latin typeface="Courier New" panose="02070309020205020404" pitchFamily="49" charset="0"/>
+              </a:rPr>
+              <a:t> </a:t>
+            </a:r>
+            <a:r>
+              <a:rPr lang="en-US" dirty="0" err="1">
+                <a:solidFill>
+                  <a:srgbClr val="000080"/>
+                </a:solidFill>
+                <a:highlight>
+                  <a:srgbClr val="FFFFFF"/>
+                </a:highlight>
+                <a:latin typeface="Courier New" panose="02070309020205020404" pitchFamily="49" charset="0"/>
+              </a:rPr>
+              <a:t>eventID</a:t>
+            </a:r>
+            <a:endParaRPr lang="en-US" dirty="0">
+              <a:solidFill>
+                <a:srgbClr val="000080"/>
+              </a:solidFill>
+              <a:highlight>
+                <a:srgbClr val="FFFFFF"/>
+              </a:highlight>
+              <a:latin typeface="Courier New" panose="02070309020205020404" pitchFamily="49" charset="0"/>
+            </a:endParaRPr>
+          </a:p>
+          <a:p>
+            <a:pPr marL="0" indent="0" algn="l" rtl="0">
+              <a:buNone/>
+            </a:pPr>
+            <a:r>
+              <a:rPr lang="en-US" dirty="0">
+                <a:solidFill>
+                  <a:srgbClr val="000080"/>
+                </a:solidFill>
+                <a:highlight>
+                  <a:srgbClr val="FFFFFF"/>
+                </a:highlight>
+                <a:latin typeface="Courier New" panose="02070309020205020404" pitchFamily="49" charset="0"/>
+              </a:rPr>
+              <a:t>  </a:t>
+            </a:r>
+            <a:r>
+              <a:rPr lang="en-US" dirty="0">
+                <a:solidFill>
+                  <a:srgbClr val="008080"/>
+                </a:solidFill>
+                <a:highlight>
+                  <a:srgbClr val="FFFFFF"/>
+                </a:highlight>
+                <a:latin typeface="Courier New" panose="02070309020205020404" pitchFamily="49" charset="0"/>
+              </a:rPr>
+              <a:t>FROM</a:t>
+            </a:r>
+            <a:r>
+              <a:rPr lang="en-US" dirty="0">
+                <a:solidFill>
+                  <a:srgbClr val="000080"/>
+                </a:solidFill>
+                <a:highlight>
+                  <a:srgbClr val="FFFFFF"/>
+                </a:highlight>
+                <a:latin typeface="Courier New" panose="02070309020205020404" pitchFamily="49" charset="0"/>
+              </a:rPr>
+              <a:t> Event</a:t>
+            </a:r>
+          </a:p>
+          <a:p>
+            <a:pPr marL="0" indent="0" algn="l" rtl="0">
+              <a:buNone/>
+            </a:pPr>
+            <a:r>
+              <a:rPr lang="en-US" dirty="0">
+                <a:solidFill>
+                  <a:srgbClr val="000080"/>
+                </a:solidFill>
+                <a:highlight>
+                  <a:srgbClr val="FFFFFF"/>
+                </a:highlight>
+                <a:latin typeface="Courier New" panose="02070309020205020404" pitchFamily="49" charset="0"/>
+              </a:rPr>
+              <a:t>  </a:t>
+            </a:r>
+            <a:r>
+              <a:rPr lang="en-US" dirty="0">
+                <a:solidFill>
+                  <a:srgbClr val="008080"/>
+                </a:solidFill>
+                <a:highlight>
+                  <a:srgbClr val="FFFFFF"/>
+                </a:highlight>
+                <a:latin typeface="Courier New" panose="02070309020205020404" pitchFamily="49" charset="0"/>
+              </a:rPr>
+              <a:t>WHERE</a:t>
+            </a:r>
+            <a:r>
+              <a:rPr lang="en-US" dirty="0">
+                <a:solidFill>
+                  <a:srgbClr val="000080"/>
+                </a:solidFill>
+                <a:highlight>
+                  <a:srgbClr val="FFFFFF"/>
+                </a:highlight>
+                <a:latin typeface="Courier New" panose="02070309020205020404" pitchFamily="49" charset="0"/>
+              </a:rPr>
+              <a:t> </a:t>
+            </a:r>
+            <a:r>
+              <a:rPr lang="en-US" dirty="0" err="1">
+                <a:solidFill>
+                  <a:srgbClr val="000080"/>
+                </a:solidFill>
+                <a:highlight>
+                  <a:srgbClr val="FFFFFF"/>
+                </a:highlight>
+                <a:latin typeface="Courier New" panose="02070309020205020404" pitchFamily="49" charset="0"/>
+              </a:rPr>
+              <a:t>eventDate</a:t>
+            </a:r>
+            <a:r>
+              <a:rPr lang="en-US" dirty="0">
+                <a:solidFill>
+                  <a:srgbClr val="000080"/>
+                </a:solidFill>
+                <a:highlight>
+                  <a:srgbClr val="FFFFFF"/>
+                </a:highlight>
+                <a:latin typeface="Courier New" panose="02070309020205020404" pitchFamily="49" charset="0"/>
+              </a:rPr>
+              <a:t> = TO_DATE(</a:t>
+            </a:r>
+            <a:r>
+              <a:rPr lang="en-US" dirty="0">
+                <a:solidFill>
+                  <a:srgbClr val="0000FF"/>
+                </a:solidFill>
+                <a:highlight>
+                  <a:srgbClr val="FFFFFF"/>
+                </a:highlight>
+                <a:latin typeface="Courier New" panose="02070309020205020404" pitchFamily="49" charset="0"/>
+              </a:rPr>
+              <a:t>'2024-05-15'</a:t>
+            </a:r>
+            <a:r>
+              <a:rPr lang="en-US" dirty="0">
+                <a:solidFill>
+                  <a:srgbClr val="000080"/>
+                </a:solidFill>
+                <a:highlight>
+                  <a:srgbClr val="FFFFFF"/>
+                </a:highlight>
+                <a:latin typeface="Courier New" panose="02070309020205020404" pitchFamily="49" charset="0"/>
+              </a:rPr>
+              <a:t>, </a:t>
+            </a:r>
+            <a:r>
+              <a:rPr lang="en-US" dirty="0">
+                <a:solidFill>
+                  <a:srgbClr val="0000FF"/>
+                </a:solidFill>
+                <a:highlight>
+                  <a:srgbClr val="FFFFFF"/>
+                </a:highlight>
+                <a:latin typeface="Courier New" panose="02070309020205020404" pitchFamily="49" charset="0"/>
+              </a:rPr>
+              <a:t>'YYYY-MM-DD'</a:t>
+            </a:r>
+            <a:r>
+              <a:rPr lang="en-US" dirty="0">
+                <a:solidFill>
+                  <a:srgbClr val="000080"/>
+                </a:solidFill>
+                <a:highlight>
+                  <a:srgbClr val="FFFFFF"/>
+                </a:highlight>
+                <a:latin typeface="Courier New" panose="02070309020205020404" pitchFamily="49" charset="0"/>
+              </a:rPr>
+              <a:t>)</a:t>
+            </a:r>
+            <a:endParaRPr lang="he-IL" dirty="0"/>
+          </a:p>
+        </p:txBody>
+      </p:sp>
+      <p:sp>
+        <p:nvSpPr>
+          <p:cNvPr id="4" name="מציין מיקום של מספר שקופית 3"/>
+          <p:cNvSpPr>
+            <a:spLocks noGrp="1"/>
+          </p:cNvSpPr>
+          <p:nvPr>
+            <p:ph type="sldNum" sz="quarter" idx="12"/>
+          </p:nvPr>
+        </p:nvSpPr>
+        <p:spPr/>
+        <p:txBody>
+          <a:bodyPr/>
+          <a:lstStyle/>
+          <a:p>
+            <a:fld id="{DDF79876-6C45-4580-869E-5BF3948A02FD}" type="slidenum">
+              <a:rPr lang="he-IL" smtClean="0"/>
+              <a:t>50</a:t>
+            </a:fld>
+            <a:endParaRPr lang="he-IL"/>
+          </a:p>
+        </p:txBody>
+      </p:sp>
+    </p:spTree>
+    <p:extLst>
+      <p:ext uri="{BB962C8B-B14F-4D97-AF65-F5344CB8AC3E}">
+        <p14:creationId xmlns:p14="http://schemas.microsoft.com/office/powerpoint/2010/main" val="1611507404"/>
+      </p:ext>
+    </p:extLst>
+  </p:cSld>
+  <p:clrMapOvr>
+    <a:masterClrMapping/>
+  </p:clrMapOvr>
+</p:sld>
+</file>
+
+<file path=ppt/slides/slide51.xml><?xml version="1.0" encoding="utf-8"?>
+<p:sld xmlns:a="http://schemas.openxmlformats.org/drawingml/2006/main" xmlns:r="http://schemas.openxmlformats.org/officeDocument/2006/relationships" xmlns:p="http://schemas.openxmlformats.org/presentationml/2006/main">
+  <p:cSld>
+    <p:spTree>
+      <p:nvGrpSpPr>
+        <p:cNvPr id="1" name=""/>
+        <p:cNvGrpSpPr/>
+        <p:nvPr/>
+      </p:nvGrpSpPr>
+      <p:grpSpPr>
+        <a:xfrm>
+          <a:off x="0" y="0"/>
+          <a:ext cx="0" cy="0"/>
+          <a:chOff x="0" y="0"/>
+          <a:chExt cx="0" cy="0"/>
+        </a:xfrm>
+      </p:grpSpPr>
+      <p:sp>
+        <p:nvSpPr>
+          <p:cNvPr id="2" name="כותרת 1"/>
+          <p:cNvSpPr>
+            <a:spLocks noGrp="1"/>
+          </p:cNvSpPr>
+          <p:nvPr>
+            <p:ph type="title"/>
+          </p:nvPr>
+        </p:nvSpPr>
+        <p:spPr/>
+        <p:txBody>
+          <a:bodyPr/>
+          <a:lstStyle/>
+          <a:p>
+            <a:r>
+              <a:rPr lang="he-IL" dirty="0" smtClean="0"/>
+              <a:t>שאילתת עדכון</a:t>
+            </a:r>
+            <a:endParaRPr lang="he-IL" dirty="0"/>
+          </a:p>
+        </p:txBody>
+      </p:sp>
+      <p:sp>
+        <p:nvSpPr>
+          <p:cNvPr id="3" name="מציין מיקום תוכן 2"/>
+          <p:cNvSpPr>
+            <a:spLocks noGrp="1"/>
+          </p:cNvSpPr>
+          <p:nvPr>
+            <p:ph idx="1"/>
+          </p:nvPr>
+        </p:nvSpPr>
+        <p:spPr/>
+        <p:txBody>
+          <a:bodyPr/>
+          <a:lstStyle/>
+          <a:p>
+            <a:pPr marL="0" indent="0" rtl="0">
+              <a:buNone/>
+            </a:pPr>
+            <a:r>
+              <a:rPr lang="he-IL" i="1" dirty="0" smtClean="0">
+                <a:solidFill>
+                  <a:srgbClr val="FF0000"/>
+                </a:solidFill>
+                <a:highlight>
+                  <a:srgbClr val="FFFFFF"/>
+                </a:highlight>
+                <a:latin typeface="Courier New" panose="02070309020205020404" pitchFamily="49" charset="0"/>
+              </a:rPr>
+              <a:t>עדכון הנחה נוספת מיוחדת לכרטיס ירושלמי</a:t>
+            </a:r>
+            <a:endParaRPr lang="en-US" dirty="0">
+              <a:solidFill>
+                <a:srgbClr val="000080"/>
+              </a:solidFill>
+              <a:highlight>
+                <a:srgbClr val="FFFFFF"/>
+              </a:highlight>
+              <a:latin typeface="Courier New" panose="02070309020205020404" pitchFamily="49" charset="0"/>
+            </a:endParaRPr>
+          </a:p>
+          <a:p>
+            <a:pPr marL="0" indent="0" algn="l" rtl="0">
+              <a:buNone/>
+            </a:pPr>
+            <a:r>
+              <a:rPr lang="en-US" dirty="0">
+                <a:solidFill>
+                  <a:srgbClr val="008080"/>
+                </a:solidFill>
+                <a:highlight>
+                  <a:srgbClr val="FFFFFF"/>
+                </a:highlight>
+                <a:latin typeface="Courier New" panose="02070309020205020404" pitchFamily="49" charset="0"/>
+              </a:rPr>
+              <a:t>UPDATE Orders</a:t>
+            </a:r>
+          </a:p>
+          <a:p>
+            <a:pPr marL="0" indent="0" algn="l" rtl="0">
+              <a:buNone/>
+            </a:pPr>
+            <a:r>
+              <a:rPr lang="en-US" dirty="0">
+                <a:solidFill>
+                  <a:srgbClr val="008080"/>
+                </a:solidFill>
+                <a:highlight>
+                  <a:srgbClr val="FFFFFF"/>
+                </a:highlight>
+                <a:latin typeface="Courier New" panose="02070309020205020404" pitchFamily="49" charset="0"/>
+              </a:rPr>
+              <a:t>SET </a:t>
+            </a:r>
+            <a:r>
+              <a:rPr lang="en-US" dirty="0" err="1">
+                <a:solidFill>
+                  <a:srgbClr val="008080"/>
+                </a:solidFill>
+                <a:highlight>
+                  <a:srgbClr val="FFFFFF"/>
+                </a:highlight>
+                <a:latin typeface="Courier New" panose="02070309020205020404" pitchFamily="49" charset="0"/>
+              </a:rPr>
+              <a:t>ticketCost</a:t>
+            </a:r>
+            <a:r>
+              <a:rPr lang="en-US" dirty="0">
+                <a:solidFill>
+                  <a:srgbClr val="008080"/>
+                </a:solidFill>
+                <a:highlight>
+                  <a:srgbClr val="FFFFFF"/>
+                </a:highlight>
+                <a:latin typeface="Courier New" panose="02070309020205020404" pitchFamily="49" charset="0"/>
+              </a:rPr>
+              <a:t> = </a:t>
+            </a:r>
+            <a:r>
+              <a:rPr lang="en-US" dirty="0" err="1">
+                <a:solidFill>
+                  <a:srgbClr val="008080"/>
+                </a:solidFill>
+                <a:highlight>
+                  <a:srgbClr val="FFFFFF"/>
+                </a:highlight>
+                <a:latin typeface="Courier New" panose="02070309020205020404" pitchFamily="49" charset="0"/>
+              </a:rPr>
+              <a:t>ticketCost</a:t>
+            </a:r>
+            <a:r>
+              <a:rPr lang="en-US" dirty="0">
+                <a:solidFill>
+                  <a:srgbClr val="008080"/>
+                </a:solidFill>
+                <a:highlight>
+                  <a:srgbClr val="FFFFFF"/>
+                </a:highlight>
+                <a:latin typeface="Courier New" panose="02070309020205020404" pitchFamily="49" charset="0"/>
+              </a:rPr>
+              <a:t> / 2</a:t>
+            </a:r>
+          </a:p>
+          <a:p>
+            <a:pPr marL="0" indent="0" algn="l" rtl="0">
+              <a:buNone/>
+            </a:pPr>
+            <a:r>
+              <a:rPr lang="en-US" dirty="0">
+                <a:solidFill>
+                  <a:srgbClr val="008080"/>
+                </a:solidFill>
+                <a:highlight>
+                  <a:srgbClr val="FFFFFF"/>
+                </a:highlight>
+                <a:latin typeface="Courier New" panose="02070309020205020404" pitchFamily="49" charset="0"/>
+              </a:rPr>
+              <a:t>WHERE </a:t>
+            </a:r>
+            <a:r>
+              <a:rPr lang="en-US" dirty="0" err="1">
+                <a:solidFill>
+                  <a:srgbClr val="008080"/>
+                </a:solidFill>
+                <a:highlight>
+                  <a:srgbClr val="FFFFFF"/>
+                </a:highlight>
+                <a:latin typeface="Courier New" panose="02070309020205020404" pitchFamily="49" charset="0"/>
+              </a:rPr>
+              <a:t>orderID</a:t>
+            </a:r>
+            <a:r>
+              <a:rPr lang="en-US" dirty="0">
+                <a:solidFill>
+                  <a:srgbClr val="008080"/>
+                </a:solidFill>
+                <a:highlight>
+                  <a:srgbClr val="FFFFFF"/>
+                </a:highlight>
+                <a:latin typeface="Courier New" panose="02070309020205020404" pitchFamily="49" charset="0"/>
+              </a:rPr>
+              <a:t> IN (</a:t>
+            </a:r>
+          </a:p>
+          <a:p>
+            <a:pPr marL="0" indent="0" algn="l" rtl="0">
+              <a:buNone/>
+            </a:pPr>
+            <a:r>
+              <a:rPr lang="en-US" dirty="0">
+                <a:solidFill>
+                  <a:srgbClr val="008080"/>
+                </a:solidFill>
+                <a:highlight>
+                  <a:srgbClr val="FFFFFF"/>
+                </a:highlight>
+                <a:latin typeface="Courier New" panose="02070309020205020404" pitchFamily="49" charset="0"/>
+              </a:rPr>
+              <a:t>  SELECT </a:t>
+            </a:r>
+            <a:r>
+              <a:rPr lang="en-US" dirty="0" err="1">
+                <a:solidFill>
+                  <a:srgbClr val="008080"/>
+                </a:solidFill>
+                <a:highlight>
+                  <a:srgbClr val="FFFFFF"/>
+                </a:highlight>
+                <a:latin typeface="Courier New" panose="02070309020205020404" pitchFamily="49" charset="0"/>
+              </a:rPr>
+              <a:t>mo.orderID</a:t>
+            </a:r>
+            <a:endParaRPr lang="en-US" dirty="0">
+              <a:solidFill>
+                <a:srgbClr val="008080"/>
+              </a:solidFill>
+              <a:highlight>
+                <a:srgbClr val="FFFFFF"/>
+              </a:highlight>
+              <a:latin typeface="Courier New" panose="02070309020205020404" pitchFamily="49" charset="0"/>
+            </a:endParaRPr>
+          </a:p>
+          <a:p>
+            <a:pPr marL="0" indent="0" algn="l" rtl="0">
+              <a:buNone/>
+            </a:pPr>
+            <a:r>
+              <a:rPr lang="en-US" dirty="0">
+                <a:solidFill>
+                  <a:srgbClr val="008080"/>
+                </a:solidFill>
+                <a:highlight>
+                  <a:srgbClr val="FFFFFF"/>
+                </a:highlight>
+                <a:latin typeface="Courier New" panose="02070309020205020404" pitchFamily="49" charset="0"/>
+              </a:rPr>
+              <a:t>  FROM </a:t>
+            </a:r>
+            <a:r>
+              <a:rPr lang="en-US" dirty="0" err="1">
+                <a:solidFill>
+                  <a:srgbClr val="008080"/>
+                </a:solidFill>
+                <a:highlight>
+                  <a:srgbClr val="FFFFFF"/>
+                </a:highlight>
+                <a:latin typeface="Courier New" panose="02070309020205020404" pitchFamily="49" charset="0"/>
+              </a:rPr>
+              <a:t>MakeOrder</a:t>
+            </a:r>
+            <a:r>
+              <a:rPr lang="en-US" dirty="0">
+                <a:solidFill>
+                  <a:srgbClr val="008080"/>
+                </a:solidFill>
+                <a:highlight>
+                  <a:srgbClr val="FFFFFF"/>
+                </a:highlight>
+                <a:latin typeface="Courier New" panose="02070309020205020404" pitchFamily="49" charset="0"/>
+              </a:rPr>
+              <a:t> </a:t>
+            </a:r>
+            <a:r>
+              <a:rPr lang="en-US" dirty="0" err="1">
+                <a:solidFill>
+                  <a:srgbClr val="008080"/>
+                </a:solidFill>
+                <a:highlight>
+                  <a:srgbClr val="FFFFFF"/>
+                </a:highlight>
+                <a:latin typeface="Courier New" panose="02070309020205020404" pitchFamily="49" charset="0"/>
+              </a:rPr>
+              <a:t>mo</a:t>
+            </a:r>
+            <a:endParaRPr lang="en-US" dirty="0">
+              <a:solidFill>
+                <a:srgbClr val="008080"/>
+              </a:solidFill>
+              <a:highlight>
+                <a:srgbClr val="FFFFFF"/>
+              </a:highlight>
+              <a:latin typeface="Courier New" panose="02070309020205020404" pitchFamily="49" charset="0"/>
+            </a:endParaRPr>
+          </a:p>
+          <a:p>
+            <a:pPr marL="0" indent="0" algn="l" rtl="0">
+              <a:buNone/>
+            </a:pPr>
+            <a:r>
+              <a:rPr lang="en-US" dirty="0">
+                <a:solidFill>
+                  <a:srgbClr val="008080"/>
+                </a:solidFill>
+                <a:highlight>
+                  <a:srgbClr val="FFFFFF"/>
+                </a:highlight>
+                <a:latin typeface="Courier New" panose="02070309020205020404" pitchFamily="49" charset="0"/>
+              </a:rPr>
+              <a:t>  JOIN Participants p ON </a:t>
+            </a:r>
+            <a:r>
+              <a:rPr lang="en-US" dirty="0" err="1">
+                <a:solidFill>
+                  <a:srgbClr val="008080"/>
+                </a:solidFill>
+                <a:highlight>
+                  <a:srgbClr val="FFFFFF"/>
+                </a:highlight>
+                <a:latin typeface="Courier New" panose="02070309020205020404" pitchFamily="49" charset="0"/>
+              </a:rPr>
+              <a:t>mo.participantID</a:t>
+            </a:r>
+            <a:r>
+              <a:rPr lang="en-US" dirty="0">
+                <a:solidFill>
+                  <a:srgbClr val="008080"/>
+                </a:solidFill>
+                <a:highlight>
+                  <a:srgbClr val="FFFFFF"/>
+                </a:highlight>
+                <a:latin typeface="Courier New" panose="02070309020205020404" pitchFamily="49" charset="0"/>
+              </a:rPr>
+              <a:t> = </a:t>
+            </a:r>
+            <a:r>
+              <a:rPr lang="en-US" dirty="0" err="1">
+                <a:solidFill>
+                  <a:srgbClr val="008080"/>
+                </a:solidFill>
+                <a:highlight>
+                  <a:srgbClr val="FFFFFF"/>
+                </a:highlight>
+                <a:latin typeface="Courier New" panose="02070309020205020404" pitchFamily="49" charset="0"/>
+              </a:rPr>
+              <a:t>p.participantID</a:t>
+            </a:r>
+            <a:endParaRPr lang="en-US" dirty="0">
+              <a:solidFill>
+                <a:srgbClr val="008080"/>
+              </a:solidFill>
+              <a:highlight>
+                <a:srgbClr val="FFFFFF"/>
+              </a:highlight>
+              <a:latin typeface="Courier New" panose="02070309020205020404" pitchFamily="49" charset="0"/>
+            </a:endParaRPr>
+          </a:p>
+          <a:p>
+            <a:pPr marL="0" indent="0" algn="l" rtl="0">
+              <a:buNone/>
+            </a:pPr>
+            <a:r>
+              <a:rPr lang="en-US" dirty="0">
+                <a:solidFill>
+                  <a:srgbClr val="008080"/>
+                </a:solidFill>
+                <a:highlight>
+                  <a:srgbClr val="FFFFFF"/>
+                </a:highlight>
+                <a:latin typeface="Courier New" panose="02070309020205020404" pitchFamily="49" charset="0"/>
+              </a:rPr>
+              <a:t>  WHERE </a:t>
+            </a:r>
+            <a:r>
+              <a:rPr lang="en-US" dirty="0" err="1">
+                <a:solidFill>
+                  <a:srgbClr val="008080"/>
+                </a:solidFill>
+                <a:highlight>
+                  <a:srgbClr val="FFFFFF"/>
+                </a:highlight>
+                <a:latin typeface="Courier New" panose="02070309020205020404" pitchFamily="49" charset="0"/>
+              </a:rPr>
+              <a:t>p.clubMember</a:t>
+            </a:r>
+            <a:r>
+              <a:rPr lang="en-US" dirty="0">
+                <a:solidFill>
+                  <a:srgbClr val="008080"/>
+                </a:solidFill>
+                <a:highlight>
+                  <a:srgbClr val="FFFFFF"/>
+                </a:highlight>
+                <a:latin typeface="Courier New" panose="02070309020205020404" pitchFamily="49" charset="0"/>
+              </a:rPr>
+              <a:t> = 1</a:t>
+            </a:r>
+          </a:p>
+          <a:p>
+            <a:pPr marL="0" indent="0" algn="l" rtl="0">
+              <a:buNone/>
+            </a:pPr>
+            <a:r>
+              <a:rPr lang="en-US" dirty="0">
+                <a:solidFill>
+                  <a:srgbClr val="008080"/>
+                </a:solidFill>
+                <a:highlight>
+                  <a:srgbClr val="FFFFFF"/>
+                </a:highlight>
+                <a:latin typeface="Courier New" panose="02070309020205020404" pitchFamily="49" charset="0"/>
+              </a:rPr>
+              <a:t>);</a:t>
+            </a:r>
+            <a:endParaRPr lang="he-IL" dirty="0"/>
+          </a:p>
+        </p:txBody>
+      </p:sp>
+      <p:sp>
+        <p:nvSpPr>
+          <p:cNvPr id="4" name="מציין מיקום של מספר שקופית 3"/>
+          <p:cNvSpPr>
+            <a:spLocks noGrp="1"/>
+          </p:cNvSpPr>
+          <p:nvPr>
+            <p:ph type="sldNum" sz="quarter" idx="12"/>
+          </p:nvPr>
+        </p:nvSpPr>
+        <p:spPr/>
+        <p:txBody>
+          <a:bodyPr/>
+          <a:lstStyle/>
+          <a:p>
+            <a:fld id="{DDF79876-6C45-4580-869E-5BF3948A02FD}" type="slidenum">
+              <a:rPr lang="he-IL" smtClean="0"/>
+              <a:t>51</a:t>
+            </a:fld>
+            <a:endParaRPr lang="he-IL"/>
+          </a:p>
+        </p:txBody>
+      </p:sp>
+    </p:spTree>
+    <p:extLst>
+      <p:ext uri="{BB962C8B-B14F-4D97-AF65-F5344CB8AC3E}">
+        <p14:creationId xmlns:p14="http://schemas.microsoft.com/office/powerpoint/2010/main" val="2634334566"/>
+      </p:ext>
+    </p:extLst>
+  </p:cSld>
+  <p:clrMapOvr>
+    <a:masterClrMapping/>
+  </p:clrMapOvr>
+</p:sld>
+</file>
+
+<file path=ppt/slides/slide52.xml><?xml version="1.0" encoding="utf-8"?>
+<p:sld xmlns:a="http://schemas.openxmlformats.org/drawingml/2006/main" xmlns:r="http://schemas.openxmlformats.org/officeDocument/2006/relationships" xmlns:p="http://schemas.openxmlformats.org/presentationml/2006/main">
+  <p:cSld>
+    <p:spTree>
+      <p:nvGrpSpPr>
+        <p:cNvPr id="1" name=""/>
+        <p:cNvGrpSpPr/>
+        <p:nvPr/>
+      </p:nvGrpSpPr>
+      <p:grpSpPr>
+        <a:xfrm>
+          <a:off x="0" y="0"/>
+          <a:ext cx="0" cy="0"/>
+          <a:chOff x="0" y="0"/>
+          <a:chExt cx="0" cy="0"/>
+        </a:xfrm>
+      </p:grpSpPr>
+      <p:sp>
+        <p:nvSpPr>
+          <p:cNvPr id="6" name="כותרת 5"/>
+          <p:cNvSpPr>
+            <a:spLocks noGrp="1"/>
+          </p:cNvSpPr>
+          <p:nvPr>
+            <p:ph type="title"/>
+          </p:nvPr>
+        </p:nvSpPr>
+        <p:spPr/>
+        <p:txBody>
+          <a:bodyPr/>
+          <a:lstStyle/>
+          <a:p>
+            <a:r>
+              <a:rPr lang="he-IL" dirty="0" smtClean="0"/>
+              <a:t>אילוצים</a:t>
+            </a:r>
+            <a:endParaRPr lang="he-IL" dirty="0"/>
+          </a:p>
+        </p:txBody>
+      </p:sp>
+      <p:sp>
+        <p:nvSpPr>
+          <p:cNvPr id="7" name="מציין מיקום תוכן 2"/>
+          <p:cNvSpPr>
+            <a:spLocks noGrp="1"/>
+          </p:cNvSpPr>
+          <p:nvPr>
+            <p:ph idx="1"/>
+          </p:nvPr>
+        </p:nvSpPr>
+        <p:spPr>
+          <a:xfrm>
+            <a:off x="2589212" y="2133600"/>
+            <a:ext cx="8915400" cy="3777622"/>
+          </a:xfrm>
+        </p:spPr>
+        <p:txBody>
+          <a:bodyPr/>
+          <a:lstStyle/>
+          <a:p>
+            <a:pPr marL="0" indent="0" rtl="0">
+              <a:buNone/>
+            </a:pPr>
+            <a:r>
+              <a:rPr lang="he-IL" i="1" dirty="0" smtClean="0">
+                <a:solidFill>
+                  <a:srgbClr val="FF0000"/>
+                </a:solidFill>
+                <a:highlight>
+                  <a:srgbClr val="FFFFFF"/>
+                </a:highlight>
+                <a:latin typeface="Courier New" panose="02070309020205020404" pitchFamily="49" charset="0"/>
+              </a:rPr>
+              <a:t>אילוץ- מס טלפון לא יותר מ10 ספרות</a:t>
+            </a:r>
+            <a:endParaRPr lang="en-US" dirty="0">
+              <a:solidFill>
+                <a:srgbClr val="000080"/>
+              </a:solidFill>
+              <a:highlight>
+                <a:srgbClr val="FFFFFF"/>
+              </a:highlight>
+              <a:latin typeface="Courier New" panose="02070309020205020404" pitchFamily="49" charset="0"/>
+            </a:endParaRPr>
+          </a:p>
+          <a:p>
+            <a:pPr marL="0" indent="0" algn="l" rtl="0">
+              <a:buNone/>
+            </a:pPr>
+            <a:r>
+              <a:rPr lang="en-US" dirty="0">
+                <a:solidFill>
+                  <a:srgbClr val="008080"/>
+                </a:solidFill>
+                <a:highlight>
+                  <a:srgbClr val="FFFFFF"/>
+                </a:highlight>
+                <a:latin typeface="Courier New" panose="02070309020205020404" pitchFamily="49" charset="0"/>
+              </a:rPr>
+              <a:t>ALTER</a:t>
+            </a:r>
+            <a:r>
+              <a:rPr lang="en-US" dirty="0">
+                <a:solidFill>
+                  <a:srgbClr val="000080"/>
+                </a:solidFill>
+                <a:highlight>
+                  <a:srgbClr val="FFFFFF"/>
+                </a:highlight>
+                <a:latin typeface="Courier New" panose="02070309020205020404" pitchFamily="49" charset="0"/>
+              </a:rPr>
+              <a:t> </a:t>
+            </a:r>
+            <a:r>
+              <a:rPr lang="en-US" dirty="0">
+                <a:solidFill>
+                  <a:srgbClr val="008080"/>
+                </a:solidFill>
+                <a:highlight>
+                  <a:srgbClr val="FFFFFF"/>
+                </a:highlight>
+                <a:latin typeface="Courier New" panose="02070309020205020404" pitchFamily="49" charset="0"/>
+              </a:rPr>
+              <a:t>TABLE</a:t>
+            </a:r>
+            <a:r>
+              <a:rPr lang="en-US" dirty="0">
+                <a:solidFill>
+                  <a:srgbClr val="000080"/>
+                </a:solidFill>
+                <a:highlight>
+                  <a:srgbClr val="FFFFFF"/>
+                </a:highlight>
+                <a:latin typeface="Courier New" panose="02070309020205020404" pitchFamily="49" charset="0"/>
+              </a:rPr>
+              <a:t> Participants</a:t>
+            </a:r>
+          </a:p>
+          <a:p>
+            <a:pPr marL="0" indent="0" algn="l" rtl="0">
+              <a:buNone/>
+            </a:pPr>
+            <a:r>
+              <a:rPr lang="en-US" dirty="0">
+                <a:solidFill>
+                  <a:srgbClr val="008080"/>
+                </a:solidFill>
+                <a:highlight>
+                  <a:srgbClr val="FFFFFF"/>
+                </a:highlight>
+                <a:latin typeface="Courier New" panose="02070309020205020404" pitchFamily="49" charset="0"/>
+              </a:rPr>
+              <a:t>ADD</a:t>
+            </a:r>
+            <a:r>
+              <a:rPr lang="en-US" dirty="0">
+                <a:solidFill>
+                  <a:srgbClr val="000080"/>
+                </a:solidFill>
+                <a:highlight>
+                  <a:srgbClr val="FFFFFF"/>
+                </a:highlight>
+                <a:latin typeface="Courier New" panose="02070309020205020404" pitchFamily="49" charset="0"/>
+              </a:rPr>
+              <a:t> </a:t>
+            </a:r>
+            <a:r>
+              <a:rPr lang="en-US" dirty="0">
+                <a:solidFill>
+                  <a:srgbClr val="008080"/>
+                </a:solidFill>
+                <a:highlight>
+                  <a:srgbClr val="FFFFFF"/>
+                </a:highlight>
+                <a:latin typeface="Courier New" panose="02070309020205020404" pitchFamily="49" charset="0"/>
+              </a:rPr>
+              <a:t>CONSTRAINT</a:t>
+            </a:r>
+            <a:r>
+              <a:rPr lang="en-US" dirty="0">
+                <a:solidFill>
+                  <a:srgbClr val="000080"/>
+                </a:solidFill>
+                <a:highlight>
+                  <a:srgbClr val="FFFFFF"/>
+                </a:highlight>
+                <a:latin typeface="Courier New" panose="02070309020205020404" pitchFamily="49" charset="0"/>
+              </a:rPr>
+              <a:t> </a:t>
+            </a:r>
+            <a:r>
+              <a:rPr lang="en-US" dirty="0" err="1">
+                <a:solidFill>
+                  <a:srgbClr val="000080"/>
+                </a:solidFill>
+                <a:highlight>
+                  <a:srgbClr val="FFFFFF"/>
+                </a:highlight>
+                <a:latin typeface="Courier New" panose="02070309020205020404" pitchFamily="49" charset="0"/>
+              </a:rPr>
+              <a:t>chk_phone_length</a:t>
+            </a:r>
+            <a:r>
+              <a:rPr lang="en-US" dirty="0">
+                <a:solidFill>
+                  <a:srgbClr val="000080"/>
+                </a:solidFill>
+                <a:highlight>
+                  <a:srgbClr val="FFFFFF"/>
+                </a:highlight>
+                <a:latin typeface="Courier New" panose="02070309020205020404" pitchFamily="49" charset="0"/>
+              </a:rPr>
+              <a:t> </a:t>
+            </a:r>
+            <a:r>
+              <a:rPr lang="en-US" dirty="0">
+                <a:solidFill>
+                  <a:srgbClr val="008080"/>
+                </a:solidFill>
+                <a:highlight>
+                  <a:srgbClr val="FFFFFF"/>
+                </a:highlight>
+                <a:latin typeface="Courier New" panose="02070309020205020404" pitchFamily="49" charset="0"/>
+              </a:rPr>
+              <a:t>CHECK</a:t>
+            </a:r>
+            <a:r>
+              <a:rPr lang="en-US" dirty="0">
+                <a:solidFill>
+                  <a:srgbClr val="000080"/>
+                </a:solidFill>
+                <a:highlight>
+                  <a:srgbClr val="FFFFFF"/>
+                </a:highlight>
+                <a:latin typeface="Courier New" panose="02070309020205020404" pitchFamily="49" charset="0"/>
+              </a:rPr>
+              <a:t> (</a:t>
+            </a:r>
+            <a:r>
+              <a:rPr lang="en-US" dirty="0">
+                <a:solidFill>
+                  <a:srgbClr val="008080"/>
+                </a:solidFill>
+                <a:highlight>
+                  <a:srgbClr val="FFFFFF"/>
+                </a:highlight>
+                <a:latin typeface="Courier New" panose="02070309020205020404" pitchFamily="49" charset="0"/>
+              </a:rPr>
+              <a:t>LENGTH</a:t>
+            </a:r>
+            <a:r>
+              <a:rPr lang="en-US" dirty="0">
+                <a:solidFill>
+                  <a:srgbClr val="000080"/>
+                </a:solidFill>
+                <a:highlight>
+                  <a:srgbClr val="FFFFFF"/>
+                </a:highlight>
+                <a:latin typeface="Courier New" panose="02070309020205020404" pitchFamily="49" charset="0"/>
+              </a:rPr>
+              <a:t>(phone) = </a:t>
+            </a:r>
+            <a:r>
+              <a:rPr lang="en-US" dirty="0">
+                <a:solidFill>
+                  <a:srgbClr val="0000FF"/>
+                </a:solidFill>
+                <a:highlight>
+                  <a:srgbClr val="FFFFFF"/>
+                </a:highlight>
+                <a:latin typeface="Courier New" panose="02070309020205020404" pitchFamily="49" charset="0"/>
+              </a:rPr>
+              <a:t>10</a:t>
+            </a:r>
+            <a:r>
+              <a:rPr lang="en-US" dirty="0" smtClean="0">
+                <a:solidFill>
+                  <a:srgbClr val="000080"/>
+                </a:solidFill>
+                <a:highlight>
+                  <a:srgbClr val="FFFFFF"/>
+                </a:highlight>
+                <a:latin typeface="Courier New" panose="02070309020205020404" pitchFamily="49" charset="0"/>
+              </a:rPr>
+              <a:t>);</a:t>
+            </a:r>
+          </a:p>
+          <a:p>
+            <a:pPr marL="0" indent="0" rtl="0">
+              <a:buNone/>
+            </a:pPr>
+            <a:r>
+              <a:rPr lang="he-IL" i="1" dirty="0">
+                <a:solidFill>
+                  <a:srgbClr val="FF0000"/>
+                </a:solidFill>
+                <a:highlight>
+                  <a:srgbClr val="FFFFFF"/>
+                </a:highlight>
+                <a:latin typeface="Courier New" panose="02070309020205020404" pitchFamily="49" charset="0"/>
+              </a:rPr>
+              <a:t>אילוץ- </a:t>
+            </a:r>
+            <a:r>
+              <a:rPr lang="he-IL" i="1" dirty="0" smtClean="0">
+                <a:solidFill>
+                  <a:srgbClr val="FF0000"/>
+                </a:solidFill>
+                <a:highlight>
+                  <a:srgbClr val="FFFFFF"/>
+                </a:highlight>
+                <a:latin typeface="Courier New" panose="02070309020205020404" pitchFamily="49" charset="0"/>
+              </a:rPr>
+              <a:t>הערך ברירת מחדל של חנייה יהיה 0</a:t>
+            </a:r>
+            <a:endParaRPr lang="he-IL" dirty="0">
+              <a:solidFill>
+                <a:srgbClr val="000080"/>
+              </a:solidFill>
+              <a:highlight>
+                <a:srgbClr val="FFFFFF"/>
+              </a:highlight>
+              <a:latin typeface="Courier New" panose="02070309020205020404" pitchFamily="49" charset="0"/>
+            </a:endParaRPr>
+          </a:p>
+          <a:p>
+            <a:pPr marL="0" indent="0" algn="l" rtl="0">
+              <a:buNone/>
+            </a:pPr>
+            <a:r>
+              <a:rPr lang="en-US" dirty="0">
+                <a:solidFill>
+                  <a:srgbClr val="008080"/>
+                </a:solidFill>
+                <a:highlight>
+                  <a:srgbClr val="FFFFFF"/>
+                </a:highlight>
+                <a:latin typeface="Courier New" panose="02070309020205020404" pitchFamily="49" charset="0"/>
+              </a:rPr>
+              <a:t>ALTER</a:t>
+            </a:r>
+            <a:r>
+              <a:rPr lang="en-US" dirty="0">
+                <a:solidFill>
+                  <a:srgbClr val="000080"/>
+                </a:solidFill>
+                <a:highlight>
+                  <a:srgbClr val="FFFFFF"/>
+                </a:highlight>
+                <a:latin typeface="Courier New" panose="02070309020205020404" pitchFamily="49" charset="0"/>
+              </a:rPr>
+              <a:t> </a:t>
+            </a:r>
+            <a:r>
+              <a:rPr lang="en-US" dirty="0">
+                <a:solidFill>
+                  <a:srgbClr val="008080"/>
+                </a:solidFill>
+                <a:highlight>
+                  <a:srgbClr val="FFFFFF"/>
+                </a:highlight>
+                <a:latin typeface="Courier New" panose="02070309020205020404" pitchFamily="49" charset="0"/>
+              </a:rPr>
+              <a:t>TABLE</a:t>
+            </a:r>
+            <a:r>
+              <a:rPr lang="en-US" dirty="0">
+                <a:solidFill>
+                  <a:srgbClr val="000080"/>
+                </a:solidFill>
+                <a:highlight>
+                  <a:srgbClr val="FFFFFF"/>
+                </a:highlight>
+                <a:latin typeface="Courier New" panose="02070309020205020404" pitchFamily="49" charset="0"/>
+              </a:rPr>
+              <a:t> Locations</a:t>
+            </a:r>
+          </a:p>
+          <a:p>
+            <a:pPr marL="0" indent="0" algn="l" rtl="0">
+              <a:buNone/>
+            </a:pPr>
+            <a:r>
+              <a:rPr lang="en-US" dirty="0">
+                <a:solidFill>
+                  <a:srgbClr val="008080"/>
+                </a:solidFill>
+                <a:highlight>
+                  <a:srgbClr val="FFFFFF"/>
+                </a:highlight>
+                <a:latin typeface="Courier New" panose="02070309020205020404" pitchFamily="49" charset="0"/>
+              </a:rPr>
+              <a:t>MODIFY</a:t>
+            </a:r>
+            <a:r>
+              <a:rPr lang="en-US" dirty="0">
+                <a:solidFill>
+                  <a:srgbClr val="000080"/>
+                </a:solidFill>
+                <a:highlight>
+                  <a:srgbClr val="FFFFFF"/>
+                </a:highlight>
+                <a:latin typeface="Courier New" panose="02070309020205020404" pitchFamily="49" charset="0"/>
+              </a:rPr>
+              <a:t> parking </a:t>
+            </a:r>
+            <a:r>
+              <a:rPr lang="en-US" dirty="0">
+                <a:solidFill>
+                  <a:srgbClr val="008080"/>
+                </a:solidFill>
+                <a:highlight>
+                  <a:srgbClr val="FFFFFF"/>
+                </a:highlight>
+                <a:latin typeface="Courier New" panose="02070309020205020404" pitchFamily="49" charset="0"/>
+              </a:rPr>
+              <a:t>DEFAULT</a:t>
+            </a:r>
+            <a:r>
+              <a:rPr lang="en-US" dirty="0">
+                <a:solidFill>
+                  <a:srgbClr val="000080"/>
+                </a:solidFill>
+                <a:highlight>
+                  <a:srgbClr val="FFFFFF"/>
+                </a:highlight>
+                <a:latin typeface="Courier New" panose="02070309020205020404" pitchFamily="49" charset="0"/>
+              </a:rPr>
+              <a:t> </a:t>
+            </a:r>
+            <a:r>
+              <a:rPr lang="en-US" dirty="0">
+                <a:solidFill>
+                  <a:srgbClr val="0000FF"/>
+                </a:solidFill>
+                <a:highlight>
+                  <a:srgbClr val="FFFFFF"/>
+                </a:highlight>
+                <a:latin typeface="Courier New" panose="02070309020205020404" pitchFamily="49" charset="0"/>
+              </a:rPr>
+              <a:t>0</a:t>
+            </a:r>
+            <a:r>
+              <a:rPr lang="en-US" dirty="0">
+                <a:solidFill>
+                  <a:srgbClr val="000080"/>
+                </a:solidFill>
+                <a:highlight>
+                  <a:srgbClr val="FFFFFF"/>
+                </a:highlight>
+                <a:latin typeface="Courier New" panose="02070309020205020404" pitchFamily="49" charset="0"/>
+              </a:rPr>
+              <a:t>;</a:t>
+            </a:r>
+          </a:p>
+          <a:p>
+            <a:pPr marL="0" indent="0" algn="r">
+              <a:buNone/>
+            </a:pPr>
+            <a:r>
+              <a:rPr lang="he-IL" i="1" dirty="0">
+                <a:solidFill>
+                  <a:srgbClr val="FF0000"/>
+                </a:solidFill>
+                <a:highlight>
+                  <a:srgbClr val="FFFFFF"/>
+                </a:highlight>
+                <a:latin typeface="Courier New" panose="02070309020205020404" pitchFamily="49" charset="0"/>
+              </a:rPr>
+              <a:t>אילוץ- </a:t>
+            </a:r>
+            <a:r>
+              <a:rPr lang="he-IL" i="1" dirty="0" smtClean="0">
+                <a:solidFill>
+                  <a:srgbClr val="FF0000"/>
+                </a:solidFill>
+                <a:highlight>
+                  <a:srgbClr val="FFFFFF"/>
+                </a:highlight>
+                <a:latin typeface="Courier New" panose="02070309020205020404" pitchFamily="49" charset="0"/>
+              </a:rPr>
+              <a:t>התיאור של סוג אירוע לא יהיה </a:t>
+            </a:r>
+            <a:r>
+              <a:rPr lang="en-US" i="1" dirty="0" smtClean="0">
+                <a:solidFill>
+                  <a:srgbClr val="FF0000"/>
+                </a:solidFill>
+                <a:highlight>
+                  <a:srgbClr val="FFFFFF"/>
+                </a:highlight>
+                <a:latin typeface="Courier New" panose="02070309020205020404" pitchFamily="49" charset="0"/>
+              </a:rPr>
+              <a:t>NULL</a:t>
+            </a:r>
+            <a:r>
+              <a:rPr lang="he-IL" i="1" dirty="0" smtClean="0">
+                <a:solidFill>
+                  <a:srgbClr val="FF0000"/>
+                </a:solidFill>
+                <a:highlight>
+                  <a:srgbClr val="FFFFFF"/>
+                </a:highlight>
+                <a:latin typeface="Courier New" panose="02070309020205020404" pitchFamily="49" charset="0"/>
+              </a:rPr>
+              <a:t> </a:t>
+            </a:r>
+            <a:endParaRPr lang="he-IL" dirty="0">
+              <a:solidFill>
+                <a:srgbClr val="000080"/>
+              </a:solidFill>
+              <a:highlight>
+                <a:srgbClr val="FFFFFF"/>
+              </a:highlight>
+              <a:latin typeface="Courier New" panose="02070309020205020404" pitchFamily="49" charset="0"/>
+            </a:endParaRPr>
+          </a:p>
+          <a:p>
+            <a:pPr marL="0" indent="0" algn="l" rtl="0">
+              <a:buNone/>
+            </a:pPr>
+            <a:r>
+              <a:rPr lang="en-US" dirty="0">
+                <a:solidFill>
+                  <a:srgbClr val="008080"/>
+                </a:solidFill>
+                <a:highlight>
+                  <a:srgbClr val="FFFFFF"/>
+                </a:highlight>
+                <a:latin typeface="Courier New" panose="02070309020205020404" pitchFamily="49" charset="0"/>
+              </a:rPr>
+              <a:t>ALTER</a:t>
+            </a:r>
+            <a:r>
+              <a:rPr lang="en-US" dirty="0">
+                <a:solidFill>
+                  <a:srgbClr val="000080"/>
+                </a:solidFill>
+                <a:highlight>
+                  <a:srgbClr val="FFFFFF"/>
+                </a:highlight>
+                <a:latin typeface="Courier New" panose="02070309020205020404" pitchFamily="49" charset="0"/>
+              </a:rPr>
+              <a:t> </a:t>
+            </a:r>
+            <a:r>
+              <a:rPr lang="en-US" dirty="0">
+                <a:solidFill>
+                  <a:srgbClr val="008080"/>
+                </a:solidFill>
+                <a:highlight>
+                  <a:srgbClr val="FFFFFF"/>
+                </a:highlight>
+                <a:latin typeface="Courier New" panose="02070309020205020404" pitchFamily="49" charset="0"/>
+              </a:rPr>
+              <a:t>TABLE</a:t>
+            </a:r>
+            <a:r>
+              <a:rPr lang="en-US" dirty="0">
+                <a:solidFill>
+                  <a:srgbClr val="000080"/>
+                </a:solidFill>
+                <a:highlight>
+                  <a:srgbClr val="FFFFFF"/>
+                </a:highlight>
+                <a:latin typeface="Courier New" panose="02070309020205020404" pitchFamily="49" charset="0"/>
+              </a:rPr>
+              <a:t> </a:t>
+            </a:r>
+            <a:r>
+              <a:rPr lang="en-US" dirty="0" err="1">
+                <a:solidFill>
+                  <a:srgbClr val="000080"/>
+                </a:solidFill>
+                <a:highlight>
+                  <a:srgbClr val="FFFFFF"/>
+                </a:highlight>
+                <a:latin typeface="Courier New" panose="02070309020205020404" pitchFamily="49" charset="0"/>
+              </a:rPr>
+              <a:t>EventType</a:t>
+            </a:r>
+            <a:endParaRPr lang="en-US" dirty="0">
+              <a:solidFill>
+                <a:srgbClr val="000080"/>
+              </a:solidFill>
+              <a:highlight>
+                <a:srgbClr val="FFFFFF"/>
+              </a:highlight>
+              <a:latin typeface="Courier New" panose="02070309020205020404" pitchFamily="49" charset="0"/>
+            </a:endParaRPr>
+          </a:p>
+          <a:p>
+            <a:pPr marL="0" indent="0" algn="l" rtl="0">
+              <a:buNone/>
+            </a:pPr>
+            <a:r>
+              <a:rPr lang="en-US" dirty="0">
+                <a:solidFill>
+                  <a:srgbClr val="008080"/>
+                </a:solidFill>
+                <a:highlight>
+                  <a:srgbClr val="FFFFFF"/>
+                </a:highlight>
+                <a:latin typeface="Courier New" panose="02070309020205020404" pitchFamily="49" charset="0"/>
+              </a:rPr>
+              <a:t>MODIFY</a:t>
+            </a:r>
+            <a:r>
+              <a:rPr lang="en-US" dirty="0">
+                <a:solidFill>
+                  <a:srgbClr val="000080"/>
+                </a:solidFill>
+                <a:highlight>
+                  <a:srgbClr val="FFFFFF"/>
+                </a:highlight>
+                <a:latin typeface="Courier New" panose="02070309020205020404" pitchFamily="49" charset="0"/>
+              </a:rPr>
+              <a:t> </a:t>
+            </a:r>
+            <a:r>
+              <a:rPr lang="en-US" dirty="0" err="1">
+                <a:solidFill>
+                  <a:srgbClr val="000080"/>
+                </a:solidFill>
+                <a:highlight>
+                  <a:srgbClr val="FFFFFF"/>
+                </a:highlight>
+                <a:latin typeface="Courier New" panose="02070309020205020404" pitchFamily="49" charset="0"/>
+              </a:rPr>
+              <a:t>typeDescription</a:t>
+            </a:r>
+            <a:r>
+              <a:rPr lang="en-US" dirty="0">
+                <a:solidFill>
+                  <a:srgbClr val="000080"/>
+                </a:solidFill>
+                <a:highlight>
+                  <a:srgbClr val="FFFFFF"/>
+                </a:highlight>
+                <a:latin typeface="Courier New" panose="02070309020205020404" pitchFamily="49" charset="0"/>
+              </a:rPr>
+              <a:t> </a:t>
+            </a:r>
+            <a:r>
+              <a:rPr lang="en-US" dirty="0">
+                <a:solidFill>
+                  <a:srgbClr val="008080"/>
+                </a:solidFill>
+                <a:highlight>
+                  <a:srgbClr val="FFFFFF"/>
+                </a:highlight>
+                <a:latin typeface="Courier New" panose="02070309020205020404" pitchFamily="49" charset="0"/>
+              </a:rPr>
+              <a:t>NOT</a:t>
+            </a:r>
+            <a:r>
+              <a:rPr lang="en-US" dirty="0">
+                <a:solidFill>
+                  <a:srgbClr val="000080"/>
+                </a:solidFill>
+                <a:highlight>
+                  <a:srgbClr val="FFFFFF"/>
+                </a:highlight>
+                <a:latin typeface="Courier New" panose="02070309020205020404" pitchFamily="49" charset="0"/>
+              </a:rPr>
+              <a:t> </a:t>
+            </a:r>
+            <a:r>
+              <a:rPr lang="en-US" dirty="0">
+                <a:solidFill>
+                  <a:srgbClr val="008080"/>
+                </a:solidFill>
+                <a:highlight>
+                  <a:srgbClr val="FFFFFF"/>
+                </a:highlight>
+                <a:latin typeface="Courier New" panose="02070309020205020404" pitchFamily="49" charset="0"/>
+              </a:rPr>
+              <a:t>NULL</a:t>
+            </a:r>
+            <a:r>
+              <a:rPr lang="en-US" dirty="0">
+                <a:solidFill>
+                  <a:srgbClr val="000080"/>
+                </a:solidFill>
+                <a:highlight>
+                  <a:srgbClr val="FFFFFF"/>
+                </a:highlight>
+                <a:latin typeface="Courier New" panose="02070309020205020404" pitchFamily="49" charset="0"/>
+              </a:rPr>
+              <a:t>;</a:t>
+            </a:r>
+          </a:p>
+        </p:txBody>
+      </p:sp>
+      <p:sp>
+        <p:nvSpPr>
+          <p:cNvPr id="2" name="מציין מיקום של מספר שקופית 1"/>
+          <p:cNvSpPr>
+            <a:spLocks noGrp="1"/>
+          </p:cNvSpPr>
+          <p:nvPr>
+            <p:ph type="sldNum" sz="quarter" idx="12"/>
+          </p:nvPr>
+        </p:nvSpPr>
+        <p:spPr/>
+        <p:txBody>
+          <a:bodyPr/>
+          <a:lstStyle/>
+          <a:p>
+            <a:fld id="{DDF79876-6C45-4580-869E-5BF3948A02FD}" type="slidenum">
+              <a:rPr lang="he-IL" smtClean="0"/>
+              <a:t>52</a:t>
+            </a:fld>
+            <a:endParaRPr lang="he-IL"/>
+          </a:p>
+        </p:txBody>
+      </p:sp>
+    </p:spTree>
+    <p:extLst>
+      <p:ext uri="{BB962C8B-B14F-4D97-AF65-F5344CB8AC3E}">
+        <p14:creationId xmlns:p14="http://schemas.microsoft.com/office/powerpoint/2010/main" val="198588736"/>
+      </p:ext>
+    </p:extLst>
+  </p:cSld>
+  <p:clrMapOvr>
+    <a:masterClrMapping/>
+  </p:clrMapOvr>
 </p:sld>
 </file>
 

--- a/דוח.pptx
+++ b/דוח.pptx
@@ -19578,8 +19578,13 @@
           <a:p>
             <a:r>
               <a:rPr lang="he-IL" dirty="0" smtClean="0"/>
-              <a:t>1- שם הפרויקט</a:t>
-            </a:r>
+              <a:t>1- </a:t>
+            </a:r>
+            <a:r>
+              <a:rPr lang="he-IL" dirty="0" smtClean="0"/>
+              <a:t>שער</a:t>
+            </a:r>
+            <a:endParaRPr lang="he-IL" dirty="0" smtClean="0"/>
           </a:p>
           <a:p>
             <a:r>
@@ -19595,8 +19600,13 @@
           <a:p>
             <a:r>
               <a:rPr lang="he-IL" dirty="0" smtClean="0"/>
-              <a:t>3- תיאור</a:t>
-            </a:r>
+              <a:t>3- </a:t>
+            </a:r>
+            <a:r>
+              <a:rPr lang="he-IL" dirty="0" smtClean="0"/>
+              <a:t>מבוא</a:t>
+            </a:r>
+            <a:endParaRPr lang="he-IL" dirty="0" smtClean="0"/>
           </a:p>
           <a:p>
             <a:r>

--- a/דוח.pptx
+++ b/דוח.pptx
@@ -248,7 +248,7 @@
           <a:p>
             <a:fld id="{2DEA8680-7476-4086-A959-4F735E12FD63}" type="datetimeFigureOut">
               <a:rPr lang="he-IL" smtClean="0"/>
-              <a:t>י"ח/סיון/תשפ"ד</a:t>
+              <a:t>כ"ד/סיון/תשפ"ד</a:t>
             </a:fld>
             <a:endParaRPr lang="he-IL"/>
           </a:p>
@@ -704,7 +704,7 @@
           <a:p>
             <a:fld id="{9500D8E4-511F-4579-96DC-10047AB7C0D6}" type="datetime8">
               <a:rPr lang="he-IL" smtClean="0"/>
-              <a:t>24 יוני 24</a:t>
+              <a:t>30 יוני 24</a:t>
             </a:fld>
             <a:endParaRPr lang="he-IL"/>
           </a:p>
@@ -1042,7 +1042,7 @@
           <a:p>
             <a:fld id="{558914CC-00F2-4800-BF9D-007AACDF75D6}" type="datetime8">
               <a:rPr lang="he-IL" smtClean="0"/>
-              <a:t>24 יוני 24</a:t>
+              <a:t>30 יוני 24</a:t>
             </a:fld>
             <a:endParaRPr lang="he-IL"/>
           </a:p>
@@ -1443,7 +1443,7 @@
           <a:p>
             <a:fld id="{69BF0039-8568-41AD-B43D-49F35EB6C30A}" type="datetime8">
               <a:rPr lang="he-IL" smtClean="0"/>
-              <a:t>24 יוני 24</a:t>
+              <a:t>30 יוני 24</a:t>
             </a:fld>
             <a:endParaRPr lang="he-IL"/>
           </a:p>
@@ -1779,7 +1779,7 @@
           <a:p>
             <a:fld id="{41491972-728C-4A7D-BB44-213C0B354F53}" type="datetime8">
               <a:rPr lang="he-IL" smtClean="0"/>
-              <a:t>24 יוני 24</a:t>
+              <a:t>30 יוני 24</a:t>
             </a:fld>
             <a:endParaRPr lang="he-IL"/>
           </a:p>
@@ -2099,7 +2099,7 @@
           <a:p>
             <a:fld id="{2A811B70-189B-4E34-AAD7-C30E5FBE97A0}" type="datetime8">
               <a:rPr lang="he-IL" smtClean="0"/>
-              <a:t>24 יוני 24</a:t>
+              <a:t>30 יוני 24</a:t>
             </a:fld>
             <a:endParaRPr lang="he-IL"/>
           </a:p>
@@ -2495,7 +2495,7 @@
           <a:p>
             <a:fld id="{66EC989E-5DC8-47F3-B1A4-96B5993578C6}" type="datetime8">
               <a:rPr lang="he-IL" smtClean="0"/>
-              <a:t>24 יוני 24</a:t>
+              <a:t>30 יוני 24</a:t>
             </a:fld>
             <a:endParaRPr lang="he-IL"/>
           </a:p>
@@ -2752,7 +2752,7 @@
           <a:p>
             <a:fld id="{4712CDCF-47DF-4E97-81A7-FE2D2F294A13}" type="datetime8">
               <a:rPr lang="he-IL" smtClean="0"/>
-              <a:t>24 יוני 24</a:t>
+              <a:t>30 יוני 24</a:t>
             </a:fld>
             <a:endParaRPr lang="he-IL"/>
           </a:p>
@@ -3014,7 +3014,7 @@
           <a:p>
             <a:fld id="{FA3041A9-0E58-473F-9C58-2F8103802D04}" type="datetime8">
               <a:rPr lang="he-IL" smtClean="0"/>
-              <a:t>24 יוני 24</a:t>
+              <a:t>30 יוני 24</a:t>
             </a:fld>
             <a:endParaRPr lang="he-IL"/>
           </a:p>
@@ -3276,7 +3276,7 @@
           <a:p>
             <a:fld id="{31EDA41F-6FB3-4D55-977F-843350ACD9AA}" type="datetime8">
               <a:rPr lang="he-IL" smtClean="0"/>
-              <a:t>24 יוני 24</a:t>
+              <a:t>30 יוני 24</a:t>
             </a:fld>
             <a:endParaRPr lang="he-IL"/>
           </a:p>
@@ -3605,7 +3605,7 @@
           <a:p>
             <a:fld id="{F3FA36A3-C30F-4CFF-8F2B-B382355DB69E}" type="datetime8">
               <a:rPr lang="he-IL" smtClean="0"/>
-              <a:t>24 יוני 24</a:t>
+              <a:t>30 יוני 24</a:t>
             </a:fld>
             <a:endParaRPr lang="he-IL"/>
           </a:p>
@@ -3928,7 +3928,7 @@
           <a:p>
             <a:fld id="{CE1150C0-A7AD-4D7A-9595-58F9AF97BA88}" type="datetime8">
               <a:rPr lang="he-IL" smtClean="0"/>
-              <a:t>24 יוני 24</a:t>
+              <a:t>30 יוני 24</a:t>
             </a:fld>
             <a:endParaRPr lang="he-IL"/>
           </a:p>
@@ -4385,7 +4385,7 @@
           <a:p>
             <a:fld id="{9A46DF29-3A88-4859-AC27-94C351102B7A}" type="datetime8">
               <a:rPr lang="he-IL" smtClean="0"/>
-              <a:t>24 יוני 24</a:t>
+              <a:t>30 יוני 24</a:t>
             </a:fld>
             <a:endParaRPr lang="he-IL"/>
           </a:p>
@@ -4590,7 +4590,7 @@
           <a:p>
             <a:fld id="{FECD88E1-8377-49D9-BCF0-A3A20B8DA99B}" type="datetime8">
               <a:rPr lang="he-IL" smtClean="0"/>
-              <a:t>24 יוני 24</a:t>
+              <a:t>30 יוני 24</a:t>
             </a:fld>
             <a:endParaRPr lang="he-IL"/>
           </a:p>
@@ -4767,7 +4767,7 @@
           <a:p>
             <a:fld id="{A92D1C51-9795-42B7-8B82-DA1460A453EB}" type="datetime8">
               <a:rPr lang="he-IL" smtClean="0"/>
-              <a:t>24 יוני 24</a:t>
+              <a:t>30 יוני 24</a:t>
             </a:fld>
             <a:endParaRPr lang="he-IL"/>
           </a:p>
@@ -5100,7 +5100,7 @@
           <a:p>
             <a:fld id="{7A7BE2E7-3717-44B0-BB2F-68ABF3BB61A4}" type="datetime8">
               <a:rPr lang="he-IL" smtClean="0"/>
-              <a:t>24 יוני 24</a:t>
+              <a:t>30 יוני 24</a:t>
             </a:fld>
             <a:endParaRPr lang="he-IL"/>
           </a:p>
@@ -5445,7 +5445,7 @@
           <a:p>
             <a:fld id="{B60D8728-5714-4FE5-92DA-F994AD6451D9}" type="datetime8">
               <a:rPr lang="he-IL" smtClean="0"/>
-              <a:t>24 יוני 24</a:t>
+              <a:t>30 יוני 24</a:t>
             </a:fld>
             <a:endParaRPr lang="he-IL"/>
           </a:p>
@@ -7562,7 +7562,7 @@
           <a:p>
             <a:fld id="{D4800A51-FFE9-4672-8094-A03C707AE32D}" type="datetime8">
               <a:rPr lang="he-IL" smtClean="0"/>
-              <a:t>24 יוני 24</a:t>
+              <a:t>30 יוני 24</a:t>
             </a:fld>
             <a:endParaRPr lang="he-IL"/>
           </a:p>
@@ -19578,13 +19578,8 @@
           <a:p>
             <a:r>
               <a:rPr lang="he-IL" dirty="0" smtClean="0"/>
-              <a:t>1- </a:t>
-            </a:r>
-            <a:r>
-              <a:rPr lang="he-IL" dirty="0" smtClean="0"/>
-              <a:t>שער</a:t>
-            </a:r>
-            <a:endParaRPr lang="he-IL" dirty="0" smtClean="0"/>
+              <a:t>1- שער</a:t>
+            </a:r>
           </a:p>
           <a:p>
             <a:r>
@@ -19600,13 +19595,8 @@
           <a:p>
             <a:r>
               <a:rPr lang="he-IL" dirty="0" smtClean="0"/>
-              <a:t>3- </a:t>
-            </a:r>
-            <a:r>
-              <a:rPr lang="he-IL" dirty="0" smtClean="0"/>
-              <a:t>מבוא</a:t>
-            </a:r>
-            <a:endParaRPr lang="he-IL" dirty="0" smtClean="0"/>
+              <a:t>3- מבוא</a:t>
+            </a:r>
           </a:p>
           <a:p>
             <a:r>
@@ -23744,7 +23734,7 @@
           <a:bodyPr/>
           <a:lstStyle/>
           <a:p>
-            <a:pPr marL="0" indent="0" rtl="0">
+            <a:pPr marL="0" indent="0">
               <a:buNone/>
             </a:pPr>
             <a:r>
@@ -23757,11 +23747,148 @@
                 </a:highlight>
                 <a:latin typeface="Courier New" panose="02070309020205020404" pitchFamily="49" charset="0"/>
               </a:rPr>
-              <a:t>משתתפים עם חבר מועדון ירושלמי שנרשמו לאירוע שממוקם בירושלים</a:t>
+              <a:t>משתתפים עם חבר מועדון ירושלמי שנרשמו לאירוע שממוקם ב</a:t>
+            </a:r>
+            <a:r>
+              <a:rPr lang="en-US" dirty="0" smtClean="0">
+                <a:solidFill>
+                  <a:srgbClr val="000080"/>
+                </a:solidFill>
+                <a:highlight>
+                  <a:srgbClr val="FFFFFF"/>
+                </a:highlight>
+                <a:latin typeface="Courier New" panose="02070309020205020404" pitchFamily="49" charset="0"/>
+              </a:rPr>
+              <a:t>101 freedom</a:t>
+            </a:r>
+          </a:p>
+          <a:p>
+            <a:pPr marL="0" indent="0" algn="l" rtl="0">
+              <a:buNone/>
+            </a:pPr>
+            <a:r>
+              <a:rPr lang="en-US" dirty="0">
+                <a:solidFill>
+                  <a:srgbClr val="008080"/>
+                </a:solidFill>
+                <a:highlight>
+                  <a:srgbClr val="FFFFFF"/>
+                </a:highlight>
+                <a:latin typeface="Courier New" panose="02070309020205020404" pitchFamily="49" charset="0"/>
+              </a:rPr>
+              <a:t>SELECT </a:t>
+            </a:r>
+            <a:r>
+              <a:rPr lang="en-US" dirty="0" err="1">
+                <a:solidFill>
+                  <a:srgbClr val="008080"/>
+                </a:solidFill>
+                <a:highlight>
+                  <a:srgbClr val="FFFFFF"/>
+                </a:highlight>
+                <a:latin typeface="Courier New" panose="02070309020205020404" pitchFamily="49" charset="0"/>
+              </a:rPr>
+              <a:t>p.participantID</a:t>
+            </a:r>
+            <a:r>
+              <a:rPr lang="en-US" dirty="0">
+                <a:solidFill>
+                  <a:srgbClr val="008080"/>
+                </a:solidFill>
+                <a:highlight>
+                  <a:srgbClr val="FFFFFF"/>
+                </a:highlight>
+                <a:latin typeface="Courier New" panose="02070309020205020404" pitchFamily="49" charset="0"/>
+              </a:rPr>
+              <a:t>, </a:t>
+            </a:r>
+            <a:r>
+              <a:rPr lang="en-US" dirty="0" err="1">
+                <a:solidFill>
+                  <a:srgbClr val="008080"/>
+                </a:solidFill>
+                <a:highlight>
+                  <a:srgbClr val="FFFFFF"/>
+                </a:highlight>
+                <a:latin typeface="Courier New" panose="02070309020205020404" pitchFamily="49" charset="0"/>
+              </a:rPr>
+              <a:t>p.firstName</a:t>
+            </a:r>
+            <a:r>
+              <a:rPr lang="en-US" dirty="0">
+                <a:solidFill>
+                  <a:srgbClr val="008080"/>
+                </a:solidFill>
+                <a:highlight>
+                  <a:srgbClr val="FFFFFF"/>
+                </a:highlight>
+                <a:latin typeface="Courier New" panose="02070309020205020404" pitchFamily="49" charset="0"/>
+              </a:rPr>
+              <a:t>, </a:t>
+            </a:r>
+            <a:r>
+              <a:rPr lang="en-US" dirty="0" err="1">
+                <a:solidFill>
+                  <a:srgbClr val="008080"/>
+                </a:solidFill>
+                <a:highlight>
+                  <a:srgbClr val="FFFFFF"/>
+                </a:highlight>
+                <a:latin typeface="Courier New" panose="02070309020205020404" pitchFamily="49" charset="0"/>
+              </a:rPr>
+              <a:t>p.lastName</a:t>
+            </a:r>
+            <a:r>
+              <a:rPr lang="en-US" dirty="0">
+                <a:solidFill>
+                  <a:srgbClr val="008080"/>
+                </a:solidFill>
+                <a:highlight>
+                  <a:srgbClr val="FFFFFF"/>
+                </a:highlight>
+                <a:latin typeface="Courier New" panose="02070309020205020404" pitchFamily="49" charset="0"/>
+              </a:rPr>
+              <a:t>, </a:t>
+            </a:r>
+            <a:r>
+              <a:rPr lang="en-US" dirty="0" err="1">
+                <a:solidFill>
+                  <a:srgbClr val="008080"/>
+                </a:solidFill>
+                <a:highlight>
+                  <a:srgbClr val="FFFFFF"/>
+                </a:highlight>
+                <a:latin typeface="Courier New" panose="02070309020205020404" pitchFamily="49" charset="0"/>
+              </a:rPr>
+              <a:t>e.eventName</a:t>
+            </a:r>
+            <a:r>
+              <a:rPr lang="en-US" dirty="0">
+                <a:solidFill>
+                  <a:srgbClr val="008080"/>
+                </a:solidFill>
+                <a:highlight>
+                  <a:srgbClr val="FFFFFF"/>
+                </a:highlight>
+                <a:latin typeface="Courier New" panose="02070309020205020404" pitchFamily="49" charset="0"/>
+              </a:rPr>
+              <a:t>, </a:t>
+            </a:r>
+            <a:r>
+              <a:rPr lang="en-US" dirty="0" err="1">
+                <a:solidFill>
+                  <a:srgbClr val="008080"/>
+                </a:solidFill>
+                <a:highlight>
+                  <a:srgbClr val="FFFFFF"/>
+                </a:highlight>
+                <a:latin typeface="Courier New" panose="02070309020205020404" pitchFamily="49" charset="0"/>
+              </a:rPr>
+              <a:t>l.locationName</a:t>
             </a:r>
             <a:endParaRPr lang="en-US" dirty="0">
               <a:solidFill>
-                <a:srgbClr val="000080"/>
+                <a:srgbClr val="008080"/>
               </a:solidFill>
               <a:highlight>
                 <a:srgbClr val="FFFFFF"/>
@@ -23783,12 +23910,41 @@
                 </a:highlight>
                 <a:latin typeface="Courier New" panose="02070309020205020404" pitchFamily="49" charset="0"/>
               </a:rPr>
-              <a:t>SELECT</a:t>
-            </a:r>
-            <a:r>
-              <a:rPr lang="en-US" dirty="0">
-                <a:solidFill>
-                  <a:srgbClr val="000080"/>
+              <a:t>FROM Participants p</a:t>
+            </a:r>
+          </a:p>
+          <a:p>
+            <a:pPr marL="0" indent="0" algn="l" rtl="0">
+              <a:buNone/>
+            </a:pPr>
+            <a:r>
+              <a:rPr lang="en-US" dirty="0">
+                <a:solidFill>
+                  <a:srgbClr val="008080"/>
+                </a:solidFill>
+                <a:highlight>
+                  <a:srgbClr val="FFFFFF"/>
+                </a:highlight>
+                <a:latin typeface="Courier New" panose="02070309020205020404" pitchFamily="49" charset="0"/>
+              </a:rPr>
+              <a:t>JOIN </a:t>
+            </a:r>
+            <a:r>
+              <a:rPr lang="en-US" dirty="0" err="1">
+                <a:solidFill>
+                  <a:srgbClr val="008080"/>
+                </a:solidFill>
+                <a:highlight>
+                  <a:srgbClr val="FFFFFF"/>
+                </a:highlight>
+                <a:latin typeface="Courier New" panose="02070309020205020404" pitchFamily="49" charset="0"/>
+              </a:rPr>
+              <a:t>MakeOrder</a:t>
+            </a:r>
+            <a:r>
+              <a:rPr lang="en-US" dirty="0">
+                <a:solidFill>
+                  <a:srgbClr val="008080"/>
                 </a:solidFill>
                 <a:highlight>
                   <a:srgbClr val="FFFFFF"/>
@@ -23800,7 +23956,31 @@
             <a:r>
               <a:rPr lang="en-US" dirty="0" err="1">
                 <a:solidFill>
-                  <a:srgbClr val="000080"/>
+                  <a:srgbClr val="008080"/>
+                </a:solidFill>
+                <a:highlight>
+                  <a:srgbClr val="FFFFFF"/>
+                </a:highlight>
+                <a:latin typeface="Courier New" panose="02070309020205020404" pitchFamily="49" charset="0"/>
+              </a:rPr>
+              <a:t>mo</a:t>
+            </a:r>
+            <a:r>
+              <a:rPr lang="en-US" dirty="0">
+                <a:solidFill>
+                  <a:srgbClr val="008080"/>
+                </a:solidFill>
+                <a:highlight>
+                  <a:srgbClr val="FFFFFF"/>
+                </a:highlight>
+                <a:latin typeface="Courier New" panose="02070309020205020404" pitchFamily="49" charset="0"/>
+              </a:rPr>
+              <a:t> ON </a:t>
+            </a:r>
+            <a:r>
+              <a:rPr lang="en-US" dirty="0" err="1">
+                <a:solidFill>
+                  <a:srgbClr val="008080"/>
                 </a:solidFill>
                 <a:highlight>
                   <a:srgbClr val="FFFFFF"/>
@@ -23812,102 +23992,30 @@
             <a:r>
               <a:rPr lang="en-US" dirty="0">
                 <a:solidFill>
-                  <a:srgbClr val="000080"/>
-                </a:solidFill>
-                <a:highlight>
-                  <a:srgbClr val="FFFFFF"/>
-                </a:highlight>
-                <a:latin typeface="Courier New" panose="02070309020205020404" pitchFamily="49" charset="0"/>
-              </a:rPr>
-              <a:t>, </a:t>
-            </a:r>
-            <a:r>
-              <a:rPr lang="en-US" dirty="0" err="1">
-                <a:solidFill>
-                  <a:srgbClr val="000080"/>
-                </a:solidFill>
-                <a:highlight>
-                  <a:srgbClr val="FFFFFF"/>
-                </a:highlight>
-                <a:latin typeface="Courier New" panose="02070309020205020404" pitchFamily="49" charset="0"/>
-              </a:rPr>
-              <a:t>p.firstName</a:t>
-            </a:r>
-            <a:r>
-              <a:rPr lang="en-US" dirty="0">
-                <a:solidFill>
-                  <a:srgbClr val="000080"/>
-                </a:solidFill>
-                <a:highlight>
-                  <a:srgbClr val="FFFFFF"/>
-                </a:highlight>
-                <a:latin typeface="Courier New" panose="02070309020205020404" pitchFamily="49" charset="0"/>
-              </a:rPr>
-              <a:t>, </a:t>
-            </a:r>
-            <a:r>
-              <a:rPr lang="en-US" dirty="0" err="1">
-                <a:solidFill>
-                  <a:srgbClr val="000080"/>
-                </a:solidFill>
-                <a:highlight>
-                  <a:srgbClr val="FFFFFF"/>
-                </a:highlight>
-                <a:latin typeface="Courier New" panose="02070309020205020404" pitchFamily="49" charset="0"/>
-              </a:rPr>
-              <a:t>p.lastName</a:t>
-            </a:r>
-            <a:r>
-              <a:rPr lang="en-US" dirty="0">
-                <a:solidFill>
-                  <a:srgbClr val="000080"/>
-                </a:solidFill>
-                <a:highlight>
-                  <a:srgbClr val="FFFFFF"/>
-                </a:highlight>
-                <a:latin typeface="Courier New" panose="02070309020205020404" pitchFamily="49" charset="0"/>
-              </a:rPr>
-              <a:t>, </a:t>
-            </a:r>
-            <a:r>
-              <a:rPr lang="en-US" dirty="0" err="1">
-                <a:solidFill>
-                  <a:srgbClr val="000080"/>
-                </a:solidFill>
-                <a:highlight>
-                  <a:srgbClr val="FFFFFF"/>
-                </a:highlight>
-                <a:latin typeface="Courier New" panose="02070309020205020404" pitchFamily="49" charset="0"/>
-              </a:rPr>
-              <a:t>e.eventName</a:t>
-            </a:r>
-            <a:r>
-              <a:rPr lang="en-US" dirty="0">
-                <a:solidFill>
-                  <a:srgbClr val="000080"/>
-                </a:solidFill>
-                <a:highlight>
-                  <a:srgbClr val="FFFFFF"/>
-                </a:highlight>
-                <a:latin typeface="Courier New" panose="02070309020205020404" pitchFamily="49" charset="0"/>
-              </a:rPr>
-              <a:t>, </a:t>
-            </a:r>
-            <a:r>
-              <a:rPr lang="en-US" dirty="0" err="1">
-                <a:solidFill>
-                  <a:srgbClr val="000080"/>
-                </a:solidFill>
-                <a:highlight>
-                  <a:srgbClr val="FFFFFF"/>
-                </a:highlight>
-                <a:latin typeface="Courier New" panose="02070309020205020404" pitchFamily="49" charset="0"/>
-              </a:rPr>
-              <a:t>l.locationName</a:t>
+                  <a:srgbClr val="008080"/>
+                </a:solidFill>
+                <a:highlight>
+                  <a:srgbClr val="FFFFFF"/>
+                </a:highlight>
+                <a:latin typeface="Courier New" panose="02070309020205020404" pitchFamily="49" charset="0"/>
+              </a:rPr>
+              <a:t> = </a:t>
+            </a:r>
+            <a:r>
+              <a:rPr lang="en-US" dirty="0" err="1">
+                <a:solidFill>
+                  <a:srgbClr val="008080"/>
+                </a:solidFill>
+                <a:highlight>
+                  <a:srgbClr val="FFFFFF"/>
+                </a:highlight>
+                <a:latin typeface="Courier New" panose="02070309020205020404" pitchFamily="49" charset="0"/>
+              </a:rPr>
+              <a:t>mo.participantID</a:t>
             </a:r>
             <a:endParaRPr lang="en-US" dirty="0">
               <a:solidFill>
-                <a:srgbClr val="000080"/>
+                <a:srgbClr val="008080"/>
               </a:solidFill>
               <a:highlight>
                 <a:srgbClr val="FFFFFF"/>
@@ -23929,137 +24037,24 @@
                 </a:highlight>
                 <a:latin typeface="Courier New" panose="02070309020205020404" pitchFamily="49" charset="0"/>
               </a:rPr>
-              <a:t>FROM</a:t>
-            </a:r>
-            <a:r>
-              <a:rPr lang="en-US" dirty="0">
-                <a:solidFill>
-                  <a:srgbClr val="000080"/>
-                </a:solidFill>
-                <a:highlight>
-                  <a:srgbClr val="FFFFFF"/>
-                </a:highlight>
-                <a:latin typeface="Courier New" panose="02070309020205020404" pitchFamily="49" charset="0"/>
-              </a:rPr>
-              <a:t> Participants p</a:t>
-            </a:r>
-          </a:p>
-          <a:p>
-            <a:pPr marL="0" indent="0" algn="l" rtl="0">
-              <a:buNone/>
-            </a:pPr>
-            <a:r>
-              <a:rPr lang="en-US" dirty="0">
-                <a:solidFill>
-                  <a:srgbClr val="008080"/>
-                </a:solidFill>
-                <a:highlight>
-                  <a:srgbClr val="FFFFFF"/>
-                </a:highlight>
-                <a:latin typeface="Courier New" panose="02070309020205020404" pitchFamily="49" charset="0"/>
-              </a:rPr>
-              <a:t>JOIN</a:t>
-            </a:r>
-            <a:r>
-              <a:rPr lang="en-US" dirty="0">
-                <a:solidFill>
-                  <a:srgbClr val="000080"/>
-                </a:solidFill>
-                <a:highlight>
-                  <a:srgbClr val="FFFFFF"/>
-                </a:highlight>
-                <a:latin typeface="Courier New" panose="02070309020205020404" pitchFamily="49" charset="0"/>
-              </a:rPr>
-              <a:t> </a:t>
-            </a:r>
-            <a:r>
-              <a:rPr lang="en-US" dirty="0" err="1">
-                <a:solidFill>
-                  <a:srgbClr val="000080"/>
-                </a:solidFill>
-                <a:highlight>
-                  <a:srgbClr val="FFFFFF"/>
-                </a:highlight>
-                <a:latin typeface="Courier New" panose="02070309020205020404" pitchFamily="49" charset="0"/>
-              </a:rPr>
-              <a:t>MakeOrder</a:t>
-            </a:r>
-            <a:r>
-              <a:rPr lang="en-US" dirty="0">
-                <a:solidFill>
-                  <a:srgbClr val="000080"/>
-                </a:solidFill>
-                <a:highlight>
-                  <a:srgbClr val="FFFFFF"/>
-                </a:highlight>
-                <a:latin typeface="Courier New" panose="02070309020205020404" pitchFamily="49" charset="0"/>
-              </a:rPr>
-              <a:t> </a:t>
-            </a:r>
-            <a:r>
-              <a:rPr lang="en-US" dirty="0" err="1">
-                <a:solidFill>
-                  <a:srgbClr val="000080"/>
-                </a:solidFill>
-                <a:highlight>
-                  <a:srgbClr val="FFFFFF"/>
-                </a:highlight>
-                <a:latin typeface="Courier New" panose="02070309020205020404" pitchFamily="49" charset="0"/>
-              </a:rPr>
-              <a:t>mo</a:t>
-            </a:r>
-            <a:r>
-              <a:rPr lang="en-US" dirty="0">
-                <a:solidFill>
-                  <a:srgbClr val="000080"/>
-                </a:solidFill>
-                <a:highlight>
-                  <a:srgbClr val="FFFFFF"/>
-                </a:highlight>
-                <a:latin typeface="Courier New" panose="02070309020205020404" pitchFamily="49" charset="0"/>
-              </a:rPr>
-              <a:t> </a:t>
-            </a:r>
-            <a:r>
-              <a:rPr lang="en-US" dirty="0">
-                <a:solidFill>
-                  <a:srgbClr val="008080"/>
-                </a:solidFill>
-                <a:highlight>
-                  <a:srgbClr val="FFFFFF"/>
-                </a:highlight>
-                <a:latin typeface="Courier New" panose="02070309020205020404" pitchFamily="49" charset="0"/>
-              </a:rPr>
-              <a:t>ON</a:t>
-            </a:r>
-            <a:r>
-              <a:rPr lang="en-US" dirty="0">
-                <a:solidFill>
-                  <a:srgbClr val="000080"/>
-                </a:solidFill>
-                <a:highlight>
-                  <a:srgbClr val="FFFFFF"/>
-                </a:highlight>
-                <a:latin typeface="Courier New" panose="02070309020205020404" pitchFamily="49" charset="0"/>
-              </a:rPr>
-              <a:t> </a:t>
-            </a:r>
-            <a:r>
-              <a:rPr lang="en-US" dirty="0" err="1">
-                <a:solidFill>
-                  <a:srgbClr val="000080"/>
-                </a:solidFill>
-                <a:highlight>
-                  <a:srgbClr val="FFFFFF"/>
-                </a:highlight>
-                <a:latin typeface="Courier New" panose="02070309020205020404" pitchFamily="49" charset="0"/>
-              </a:rPr>
-              <a:t>p.participantID</a:t>
-            </a:r>
-            <a:r>
-              <a:rPr lang="en-US" dirty="0">
-                <a:solidFill>
-                  <a:srgbClr val="000080"/>
+              <a:t>JOIN Orders o ON </a:t>
+            </a:r>
+            <a:r>
+              <a:rPr lang="en-US" dirty="0" err="1">
+                <a:solidFill>
+                  <a:srgbClr val="008080"/>
+                </a:solidFill>
+                <a:highlight>
+                  <a:srgbClr val="FFFFFF"/>
+                </a:highlight>
+                <a:latin typeface="Courier New" panose="02070309020205020404" pitchFamily="49" charset="0"/>
+              </a:rPr>
+              <a:t>mo.orderID</a:t>
+            </a:r>
+            <a:r>
+              <a:rPr lang="en-US" dirty="0">
+                <a:solidFill>
+                  <a:srgbClr val="008080"/>
                 </a:solidFill>
                 <a:highlight>
                   <a:srgbClr val="FFFFFF"/>
@@ -24071,18 +24066,18 @@
             <a:r>
               <a:rPr lang="en-US" dirty="0" err="1">
                 <a:solidFill>
-                  <a:srgbClr val="000080"/>
-                </a:solidFill>
-                <a:highlight>
-                  <a:srgbClr val="FFFFFF"/>
-                </a:highlight>
-                <a:latin typeface="Courier New" panose="02070309020205020404" pitchFamily="49" charset="0"/>
-              </a:rPr>
-              <a:t>mo.participantID</a:t>
+                  <a:srgbClr val="008080"/>
+                </a:solidFill>
+                <a:highlight>
+                  <a:srgbClr val="FFFFFF"/>
+                </a:highlight>
+                <a:latin typeface="Courier New" panose="02070309020205020404" pitchFamily="49" charset="0"/>
+              </a:rPr>
+              <a:t>o.orderID</a:t>
             </a:r>
             <a:endParaRPr lang="en-US" dirty="0">
               <a:solidFill>
-                <a:srgbClr val="000080"/>
+                <a:srgbClr val="008080"/>
               </a:solidFill>
               <a:highlight>
                 <a:srgbClr val="FFFFFF"/>
@@ -24104,60 +24099,24 @@
                 </a:highlight>
                 <a:latin typeface="Courier New" panose="02070309020205020404" pitchFamily="49" charset="0"/>
               </a:rPr>
-              <a:t>JOIN</a:t>
-            </a:r>
-            <a:r>
-              <a:rPr lang="en-US" dirty="0">
-                <a:solidFill>
-                  <a:srgbClr val="000080"/>
-                </a:solidFill>
-                <a:highlight>
-                  <a:srgbClr val="FFFFFF"/>
-                </a:highlight>
-                <a:latin typeface="Courier New" panose="02070309020205020404" pitchFamily="49" charset="0"/>
-              </a:rPr>
-              <a:t> Orders o </a:t>
-            </a:r>
-            <a:r>
-              <a:rPr lang="en-US" dirty="0">
-                <a:solidFill>
-                  <a:srgbClr val="008080"/>
-                </a:solidFill>
-                <a:highlight>
-                  <a:srgbClr val="FFFFFF"/>
-                </a:highlight>
-                <a:latin typeface="Courier New" panose="02070309020205020404" pitchFamily="49" charset="0"/>
-              </a:rPr>
-              <a:t>ON</a:t>
-            </a:r>
-            <a:r>
-              <a:rPr lang="en-US" dirty="0">
-                <a:solidFill>
-                  <a:srgbClr val="000080"/>
-                </a:solidFill>
-                <a:highlight>
-                  <a:srgbClr val="FFFFFF"/>
-                </a:highlight>
-                <a:latin typeface="Courier New" panose="02070309020205020404" pitchFamily="49" charset="0"/>
-              </a:rPr>
-              <a:t> </a:t>
-            </a:r>
-            <a:r>
-              <a:rPr lang="en-US" dirty="0" err="1">
-                <a:solidFill>
-                  <a:srgbClr val="000080"/>
-                </a:solidFill>
-                <a:highlight>
-                  <a:srgbClr val="FFFFFF"/>
-                </a:highlight>
-                <a:latin typeface="Courier New" panose="02070309020205020404" pitchFamily="49" charset="0"/>
-              </a:rPr>
-              <a:t>mo.orderID</a:t>
-            </a:r>
-            <a:r>
-              <a:rPr lang="en-US" dirty="0">
-                <a:solidFill>
-                  <a:srgbClr val="000080"/>
+              <a:t>JOIN Event e ON </a:t>
+            </a:r>
+            <a:r>
+              <a:rPr lang="en-US" dirty="0" err="1">
+                <a:solidFill>
+                  <a:srgbClr val="008080"/>
+                </a:solidFill>
+                <a:highlight>
+                  <a:srgbClr val="FFFFFF"/>
+                </a:highlight>
+                <a:latin typeface="Courier New" panose="02070309020205020404" pitchFamily="49" charset="0"/>
+              </a:rPr>
+              <a:t>o.eventID</a:t>
+            </a:r>
+            <a:r>
+              <a:rPr lang="en-US" dirty="0">
+                <a:solidFill>
+                  <a:srgbClr val="008080"/>
                 </a:solidFill>
                 <a:highlight>
                   <a:srgbClr val="FFFFFF"/>
@@ -24169,18 +24128,18 @@
             <a:r>
               <a:rPr lang="en-US" dirty="0" err="1">
                 <a:solidFill>
-                  <a:srgbClr val="000080"/>
-                </a:solidFill>
-                <a:highlight>
-                  <a:srgbClr val="FFFFFF"/>
-                </a:highlight>
-                <a:latin typeface="Courier New" panose="02070309020205020404" pitchFamily="49" charset="0"/>
-              </a:rPr>
-              <a:t>o.orderID</a:t>
+                  <a:srgbClr val="008080"/>
+                </a:solidFill>
+                <a:highlight>
+                  <a:srgbClr val="FFFFFF"/>
+                </a:highlight>
+                <a:latin typeface="Courier New" panose="02070309020205020404" pitchFamily="49" charset="0"/>
+              </a:rPr>
+              <a:t>e.eventID</a:t>
             </a:r>
             <a:endParaRPr lang="en-US" dirty="0">
               <a:solidFill>
-                <a:srgbClr val="000080"/>
+                <a:srgbClr val="008080"/>
               </a:solidFill>
               <a:highlight>
                 <a:srgbClr val="FFFFFF"/>
@@ -24202,60 +24161,24 @@
                 </a:highlight>
                 <a:latin typeface="Courier New" panose="02070309020205020404" pitchFamily="49" charset="0"/>
               </a:rPr>
-              <a:t>JOIN</a:t>
-            </a:r>
-            <a:r>
-              <a:rPr lang="en-US" dirty="0">
-                <a:solidFill>
-                  <a:srgbClr val="000080"/>
-                </a:solidFill>
-                <a:highlight>
-                  <a:srgbClr val="FFFFFF"/>
-                </a:highlight>
-                <a:latin typeface="Courier New" panose="02070309020205020404" pitchFamily="49" charset="0"/>
-              </a:rPr>
-              <a:t> Event e </a:t>
-            </a:r>
-            <a:r>
-              <a:rPr lang="en-US" dirty="0">
-                <a:solidFill>
-                  <a:srgbClr val="008080"/>
-                </a:solidFill>
-                <a:highlight>
-                  <a:srgbClr val="FFFFFF"/>
-                </a:highlight>
-                <a:latin typeface="Courier New" panose="02070309020205020404" pitchFamily="49" charset="0"/>
-              </a:rPr>
-              <a:t>ON</a:t>
-            </a:r>
-            <a:r>
-              <a:rPr lang="en-US" dirty="0">
-                <a:solidFill>
-                  <a:srgbClr val="000080"/>
-                </a:solidFill>
-                <a:highlight>
-                  <a:srgbClr val="FFFFFF"/>
-                </a:highlight>
-                <a:latin typeface="Courier New" panose="02070309020205020404" pitchFamily="49" charset="0"/>
-              </a:rPr>
-              <a:t> </a:t>
-            </a:r>
-            <a:r>
-              <a:rPr lang="en-US" dirty="0" err="1">
-                <a:solidFill>
-                  <a:srgbClr val="000080"/>
-                </a:solidFill>
-                <a:highlight>
-                  <a:srgbClr val="FFFFFF"/>
-                </a:highlight>
-                <a:latin typeface="Courier New" panose="02070309020205020404" pitchFamily="49" charset="0"/>
-              </a:rPr>
-              <a:t>o.eventID</a:t>
-            </a:r>
-            <a:r>
-              <a:rPr lang="en-US" dirty="0">
-                <a:solidFill>
-                  <a:srgbClr val="000080"/>
+              <a:t>JOIN Locations l ON </a:t>
+            </a:r>
+            <a:r>
+              <a:rPr lang="en-US" dirty="0" err="1">
+                <a:solidFill>
+                  <a:srgbClr val="008080"/>
+                </a:solidFill>
+                <a:highlight>
+                  <a:srgbClr val="FFFFFF"/>
+                </a:highlight>
+                <a:latin typeface="Courier New" panose="02070309020205020404" pitchFamily="49" charset="0"/>
+              </a:rPr>
+              <a:t>e.locationId</a:t>
+            </a:r>
+            <a:r>
+              <a:rPr lang="en-US" dirty="0">
+                <a:solidFill>
+                  <a:srgbClr val="008080"/>
                 </a:solidFill>
                 <a:highlight>
                   <a:srgbClr val="FFFFFF"/>
@@ -24267,18 +24190,18 @@
             <a:r>
               <a:rPr lang="en-US" dirty="0" err="1">
                 <a:solidFill>
-                  <a:srgbClr val="000080"/>
-                </a:solidFill>
-                <a:highlight>
-                  <a:srgbClr val="FFFFFF"/>
-                </a:highlight>
-                <a:latin typeface="Courier New" panose="02070309020205020404" pitchFamily="49" charset="0"/>
-              </a:rPr>
-              <a:t>e.eventID</a:t>
+                  <a:srgbClr val="008080"/>
+                </a:solidFill>
+                <a:highlight>
+                  <a:srgbClr val="FFFFFF"/>
+                </a:highlight>
+                <a:latin typeface="Courier New" panose="02070309020205020404" pitchFamily="49" charset="0"/>
+              </a:rPr>
+              <a:t>l.locationId</a:t>
             </a:r>
             <a:endParaRPr lang="en-US" dirty="0">
               <a:solidFill>
-                <a:srgbClr val="000080"/>
+                <a:srgbClr val="008080"/>
               </a:solidFill>
               <a:highlight>
                 <a:srgbClr val="FFFFFF"/>
@@ -24300,122 +24223,12 @@
                 </a:highlight>
                 <a:latin typeface="Courier New" panose="02070309020205020404" pitchFamily="49" charset="0"/>
               </a:rPr>
-              <a:t>JOIN</a:t>
-            </a:r>
-            <a:r>
-              <a:rPr lang="en-US" dirty="0">
-                <a:solidFill>
-                  <a:srgbClr val="000080"/>
-                </a:solidFill>
-                <a:highlight>
-                  <a:srgbClr val="FFFFFF"/>
-                </a:highlight>
-                <a:latin typeface="Courier New" panose="02070309020205020404" pitchFamily="49" charset="0"/>
-              </a:rPr>
-              <a:t> Locations l </a:t>
-            </a:r>
-            <a:r>
-              <a:rPr lang="en-US" dirty="0">
-                <a:solidFill>
-                  <a:srgbClr val="008080"/>
-                </a:solidFill>
-                <a:highlight>
-                  <a:srgbClr val="FFFFFF"/>
-                </a:highlight>
-                <a:latin typeface="Courier New" panose="02070309020205020404" pitchFamily="49" charset="0"/>
-              </a:rPr>
-              <a:t>ON</a:t>
-            </a:r>
-            <a:r>
-              <a:rPr lang="en-US" dirty="0">
-                <a:solidFill>
-                  <a:srgbClr val="000080"/>
-                </a:solidFill>
-                <a:highlight>
-                  <a:srgbClr val="FFFFFF"/>
-                </a:highlight>
-                <a:latin typeface="Courier New" panose="02070309020205020404" pitchFamily="49" charset="0"/>
-              </a:rPr>
-              <a:t> </a:t>
-            </a:r>
-            <a:r>
-              <a:rPr lang="en-US" dirty="0" err="1">
-                <a:solidFill>
-                  <a:srgbClr val="000080"/>
-                </a:solidFill>
-                <a:highlight>
-                  <a:srgbClr val="FFFFFF"/>
-                </a:highlight>
-                <a:latin typeface="Courier New" panose="02070309020205020404" pitchFamily="49" charset="0"/>
-              </a:rPr>
-              <a:t>e.locationId</a:t>
-            </a:r>
-            <a:r>
-              <a:rPr lang="en-US" dirty="0">
-                <a:solidFill>
-                  <a:srgbClr val="000080"/>
-                </a:solidFill>
-                <a:highlight>
-                  <a:srgbClr val="FFFFFF"/>
-                </a:highlight>
-                <a:latin typeface="Courier New" panose="02070309020205020404" pitchFamily="49" charset="0"/>
-              </a:rPr>
-              <a:t> = </a:t>
-            </a:r>
-            <a:r>
-              <a:rPr lang="en-US" dirty="0" err="1">
-                <a:solidFill>
-                  <a:srgbClr val="000080"/>
-                </a:solidFill>
-                <a:highlight>
-                  <a:srgbClr val="FFFFFF"/>
-                </a:highlight>
-                <a:latin typeface="Courier New" panose="02070309020205020404" pitchFamily="49" charset="0"/>
-              </a:rPr>
-              <a:t>l.locationId</a:t>
-            </a:r>
-            <a:endParaRPr lang="en-US" dirty="0">
-              <a:solidFill>
-                <a:srgbClr val="000080"/>
-              </a:solidFill>
-              <a:highlight>
-                <a:srgbClr val="FFFFFF"/>
-              </a:highlight>
-              <a:latin typeface="Courier New" panose="02070309020205020404" pitchFamily="49" charset="0"/>
-            </a:endParaRPr>
-          </a:p>
-          <a:p>
-            <a:pPr marL="0" indent="0" algn="l" rtl="0">
-              <a:buNone/>
-            </a:pPr>
-            <a:r>
-              <a:rPr lang="en-US" dirty="0">
-                <a:solidFill>
-                  <a:srgbClr val="008080"/>
-                </a:solidFill>
-                <a:highlight>
-                  <a:srgbClr val="FFFFFF"/>
-                </a:highlight>
-                <a:latin typeface="Courier New" panose="02070309020205020404" pitchFamily="49" charset="0"/>
-              </a:rPr>
-              <a:t>WHERE</a:t>
-            </a:r>
-            <a:r>
-              <a:rPr lang="en-US" dirty="0">
-                <a:solidFill>
-                  <a:srgbClr val="000080"/>
-                </a:solidFill>
-                <a:highlight>
-                  <a:srgbClr val="FFFFFF"/>
-                </a:highlight>
-                <a:latin typeface="Courier New" panose="02070309020205020404" pitchFamily="49" charset="0"/>
-              </a:rPr>
-              <a:t> </a:t>
-            </a:r>
-            <a:r>
-              <a:rPr lang="en-US" dirty="0" err="1">
-                <a:solidFill>
-                  <a:srgbClr val="000080"/>
+              <a:t>WHERE </a:t>
+            </a:r>
+            <a:r>
+              <a:rPr lang="en-US" dirty="0" err="1">
+                <a:solidFill>
+                  <a:srgbClr val="008080"/>
                 </a:solidFill>
                 <a:highlight>
                   <a:srgbClr val="FFFFFF"/>
@@ -24427,67 +24240,19 @@
             <a:r>
               <a:rPr lang="en-US" dirty="0">
                 <a:solidFill>
-                  <a:srgbClr val="000080"/>
-                </a:solidFill>
-                <a:highlight>
-                  <a:srgbClr val="FFFFFF"/>
-                </a:highlight>
-                <a:latin typeface="Courier New" panose="02070309020205020404" pitchFamily="49" charset="0"/>
-              </a:rPr>
-              <a:t> != </a:t>
-            </a:r>
-            <a:r>
-              <a:rPr lang="en-US" dirty="0">
-                <a:solidFill>
-                  <a:srgbClr val="0000FF"/>
-                </a:solidFill>
-                <a:highlight>
-                  <a:srgbClr val="FFFFFF"/>
-                </a:highlight>
-                <a:latin typeface="Courier New" panose="02070309020205020404" pitchFamily="49" charset="0"/>
-              </a:rPr>
-              <a:t>1</a:t>
-            </a:r>
-            <a:r>
-              <a:rPr lang="en-US" dirty="0">
-                <a:solidFill>
-                  <a:srgbClr val="000080"/>
-                </a:solidFill>
-                <a:highlight>
-                  <a:srgbClr val="FFFFFF"/>
-                </a:highlight>
-                <a:latin typeface="Courier New" panose="02070309020205020404" pitchFamily="49" charset="0"/>
-              </a:rPr>
-              <a:t> </a:t>
-            </a:r>
-            <a:r>
-              <a:rPr lang="en-US" dirty="0">
-                <a:solidFill>
-                  <a:srgbClr val="008080"/>
-                </a:solidFill>
-                <a:highlight>
-                  <a:srgbClr val="FFFFFF"/>
-                </a:highlight>
-                <a:latin typeface="Courier New" panose="02070309020205020404" pitchFamily="49" charset="0"/>
-              </a:rPr>
-              <a:t>AND</a:t>
-            </a:r>
-            <a:r>
-              <a:rPr lang="en-US" dirty="0">
-                <a:solidFill>
-                  <a:srgbClr val="000080"/>
-                </a:solidFill>
-                <a:highlight>
-                  <a:srgbClr val="FFFFFF"/>
-                </a:highlight>
-                <a:latin typeface="Courier New" panose="02070309020205020404" pitchFamily="49" charset="0"/>
-              </a:rPr>
-              <a:t> </a:t>
-            </a:r>
-            <a:r>
-              <a:rPr lang="en-US" dirty="0" err="1">
-                <a:solidFill>
-                  <a:srgbClr val="000080"/>
+                  <a:srgbClr val="008080"/>
+                </a:solidFill>
+                <a:highlight>
+                  <a:srgbClr val="FFFFFF"/>
+                </a:highlight>
+                <a:latin typeface="Courier New" panose="02070309020205020404" pitchFamily="49" charset="0"/>
+              </a:rPr>
+              <a:t> != 1 AND </a:t>
+            </a:r>
+            <a:r>
+              <a:rPr lang="en-US" dirty="0" err="1">
+                <a:solidFill>
+                  <a:srgbClr val="008080"/>
                 </a:solidFill>
                 <a:highlight>
                   <a:srgbClr val="FFFFFF"/>
@@ -24499,91 +24264,19 @@
             <a:r>
               <a:rPr lang="en-US" dirty="0">
                 <a:solidFill>
-                  <a:srgbClr val="000080"/>
-                </a:solidFill>
-                <a:highlight>
-                  <a:srgbClr val="FFFFFF"/>
-                </a:highlight>
-                <a:latin typeface="Courier New" panose="02070309020205020404" pitchFamily="49" charset="0"/>
-              </a:rPr>
-              <a:t> </a:t>
-            </a:r>
-            <a:r>
-              <a:rPr lang="en-US" dirty="0">
-                <a:solidFill>
-                  <a:srgbClr val="008080"/>
-                </a:solidFill>
-                <a:highlight>
-                  <a:srgbClr val="FFFFFF"/>
-                </a:highlight>
-                <a:latin typeface="Courier New" panose="02070309020205020404" pitchFamily="49" charset="0"/>
-              </a:rPr>
-              <a:t>LIKE</a:t>
-            </a:r>
-            <a:r>
-              <a:rPr lang="en-US" dirty="0">
-                <a:solidFill>
-                  <a:srgbClr val="000080"/>
-                </a:solidFill>
-                <a:highlight>
-                  <a:srgbClr val="FFFFFF"/>
-                </a:highlight>
-                <a:latin typeface="Courier New" panose="02070309020205020404" pitchFamily="49" charset="0"/>
-              </a:rPr>
-              <a:t> </a:t>
-            </a:r>
-            <a:r>
-              <a:rPr lang="en-US" dirty="0">
-                <a:solidFill>
-                  <a:srgbClr val="0000FF"/>
-                </a:solidFill>
-                <a:highlight>
-                  <a:srgbClr val="FFFFFF"/>
-                </a:highlight>
-                <a:latin typeface="Courier New" panose="02070309020205020404" pitchFamily="49" charset="0"/>
-              </a:rPr>
-              <a:t>'%Jerusalem%'</a:t>
-            </a:r>
-            <a:r>
-              <a:rPr lang="en-US" dirty="0">
-                <a:solidFill>
-                  <a:srgbClr val="000080"/>
-                </a:solidFill>
-                <a:highlight>
-                  <a:srgbClr val="FFFFFF"/>
-                </a:highlight>
-                <a:latin typeface="Courier New" panose="02070309020205020404" pitchFamily="49" charset="0"/>
-              </a:rPr>
-              <a:t>;</a:t>
+                  <a:srgbClr val="008080"/>
+                </a:solidFill>
+                <a:highlight>
+                  <a:srgbClr val="FFFFFF"/>
+                </a:highlight>
+                <a:latin typeface="Courier New" panose="02070309020205020404" pitchFamily="49" charset="0"/>
+              </a:rPr>
+              <a:t> LIKE '%101 Freedom Blvd%';</a:t>
             </a:r>
             <a:endParaRPr lang="he-IL" dirty="0"/>
           </a:p>
         </p:txBody>
       </p:sp>
-      <p:pic>
-        <p:nvPicPr>
-          <p:cNvPr id="4" name="תמונה 3"/>
-          <p:cNvPicPr>
-            <a:picLocks noChangeAspect="1"/>
-          </p:cNvPicPr>
-          <p:nvPr/>
-        </p:nvPicPr>
-        <p:blipFill>
-          <a:blip r:embed="rId2"/>
-          <a:stretch>
-            <a:fillRect/>
-          </a:stretch>
-        </p:blipFill>
-        <p:spPr>
-          <a:xfrm>
-            <a:off x="3086100" y="4471862"/>
-            <a:ext cx="7263444" cy="2619728"/>
-          </a:xfrm>
-          <a:prstGeom prst="rect">
-            <a:avLst/>
-          </a:prstGeom>
-        </p:spPr>
-      </p:pic>
       <p:sp>
         <p:nvSpPr>
           <p:cNvPr id="5" name="מציין מיקום של מספר שקופית 4"/>
@@ -24607,6 +24300,30 @@
           </a:p>
         </p:txBody>
       </p:sp>
+      <p:pic>
+        <p:nvPicPr>
+          <p:cNvPr id="6" name="תמונה 5"/>
+          <p:cNvPicPr>
+            <a:picLocks noChangeAspect="1"/>
+          </p:cNvPicPr>
+          <p:nvPr/>
+        </p:nvPicPr>
+        <p:blipFill>
+          <a:blip r:embed="rId2"/>
+          <a:stretch>
+            <a:fillRect/>
+          </a:stretch>
+        </p:blipFill>
+        <p:spPr>
+          <a:xfrm>
+            <a:off x="6562724" y="4382245"/>
+            <a:ext cx="4558253" cy="2405277"/>
+          </a:xfrm>
+          <a:prstGeom prst="rect">
+            <a:avLst/>
+          </a:prstGeom>
+        </p:spPr>
+      </p:pic>
     </p:spTree>
     <p:extLst>
       <p:ext uri="{BB962C8B-B14F-4D97-AF65-F5344CB8AC3E}">
@@ -24637,6 +24354,30 @@
           <a:chExt cx="0" cy="0"/>
         </a:xfrm>
       </p:grpSpPr>
+      <p:pic>
+        <p:nvPicPr>
+          <p:cNvPr id="6" name="תמונה 5"/>
+          <p:cNvPicPr>
+            <a:picLocks noChangeAspect="1"/>
+          </p:cNvPicPr>
+          <p:nvPr/>
+        </p:nvPicPr>
+        <p:blipFill>
+          <a:blip r:embed="rId2"/>
+          <a:stretch>
+            <a:fillRect/>
+          </a:stretch>
+        </p:blipFill>
+        <p:spPr>
+          <a:xfrm>
+            <a:off x="7384654" y="2633012"/>
+            <a:ext cx="3946652" cy="3715177"/>
+          </a:xfrm>
+          <a:prstGeom prst="rect">
+            <a:avLst/>
+          </a:prstGeom>
+        </p:spPr>
+      </p:pic>
       <p:sp>
         <p:nvSpPr>
           <p:cNvPr id="2" name="כותרת 1"/>
@@ -24681,7 +24422,7 @@
         </p:nvSpPr>
         <p:spPr>
           <a:xfrm>
-            <a:off x="2084387" y="1362074"/>
+            <a:off x="2608262" y="1276349"/>
             <a:ext cx="8915400" cy="4638675"/>
           </a:xfrm>
         </p:spPr>
@@ -25361,30 +25102,6 @@
           </a:p>
         </p:txBody>
       </p:sp>
-      <p:pic>
-        <p:nvPicPr>
-          <p:cNvPr id="4" name="תמונה 3"/>
-          <p:cNvPicPr>
-            <a:picLocks noChangeAspect="1"/>
-          </p:cNvPicPr>
-          <p:nvPr/>
-        </p:nvPicPr>
-        <p:blipFill>
-          <a:blip r:embed="rId2"/>
-          <a:stretch>
-            <a:fillRect/>
-          </a:stretch>
-        </p:blipFill>
-        <p:spPr>
-          <a:xfrm>
-            <a:off x="6172200" y="2747740"/>
-            <a:ext cx="5700174" cy="2441944"/>
-          </a:xfrm>
-          <a:prstGeom prst="rect">
-            <a:avLst/>
-          </a:prstGeom>
-        </p:spPr>
-      </p:pic>
       <p:sp>
         <p:nvSpPr>
           <p:cNvPr id="5" name="מציין מיקום של מספר שקופית 4"/>
@@ -25995,30 +25712,6 @@
           </a:p>
         </p:txBody>
       </p:sp>
-      <p:pic>
-        <p:nvPicPr>
-          <p:cNvPr id="4" name="תמונה 3"/>
-          <p:cNvPicPr>
-            <a:picLocks noChangeAspect="1"/>
-          </p:cNvPicPr>
-          <p:nvPr/>
-        </p:nvPicPr>
-        <p:blipFill>
-          <a:blip r:embed="rId2"/>
-          <a:stretch>
-            <a:fillRect/>
-          </a:stretch>
-        </p:blipFill>
-        <p:spPr>
-          <a:xfrm>
-            <a:off x="6189662" y="4168430"/>
-            <a:ext cx="5629901" cy="2175461"/>
-          </a:xfrm>
-          <a:prstGeom prst="rect">
-            <a:avLst/>
-          </a:prstGeom>
-        </p:spPr>
-      </p:pic>
       <p:sp>
         <p:nvSpPr>
           <p:cNvPr id="5" name="מציין מיקום של מספר שקופית 4"/>
@@ -26042,6 +25735,30 @@
           </a:p>
         </p:txBody>
       </p:sp>
+      <p:pic>
+        <p:nvPicPr>
+          <p:cNvPr id="6" name="תמונה 5"/>
+          <p:cNvPicPr>
+            <a:picLocks noChangeAspect="1"/>
+          </p:cNvPicPr>
+          <p:nvPr/>
+        </p:nvPicPr>
+        <p:blipFill>
+          <a:blip r:embed="rId2"/>
+          <a:stretch>
+            <a:fillRect/>
+          </a:stretch>
+        </p:blipFill>
+        <p:spPr>
+          <a:xfrm>
+            <a:off x="6324599" y="3892035"/>
+            <a:ext cx="5567887" cy="2533424"/>
+          </a:xfrm>
+          <a:prstGeom prst="rect">
+            <a:avLst/>
+          </a:prstGeom>
+        </p:spPr>
+      </p:pic>
     </p:spTree>
     <p:extLst>
       <p:ext uri="{BB962C8B-B14F-4D97-AF65-F5344CB8AC3E}">
@@ -26514,30 +26231,6 @@
           </a:p>
         </p:txBody>
       </p:sp>
-      <p:pic>
-        <p:nvPicPr>
-          <p:cNvPr id="4" name="תמונה 3"/>
-          <p:cNvPicPr>
-            <a:picLocks noChangeAspect="1"/>
-          </p:cNvPicPr>
-          <p:nvPr/>
-        </p:nvPicPr>
-        <p:blipFill>
-          <a:blip r:embed="rId2"/>
-          <a:stretch>
-            <a:fillRect/>
-          </a:stretch>
-        </p:blipFill>
-        <p:spPr>
-          <a:xfrm>
-            <a:off x="3605785" y="3997773"/>
-            <a:ext cx="6229405" cy="2471986"/>
-          </a:xfrm>
-          <a:prstGeom prst="rect">
-            <a:avLst/>
-          </a:prstGeom>
-        </p:spPr>
-      </p:pic>
       <p:sp>
         <p:nvSpPr>
           <p:cNvPr id="5" name="מציין מיקום של מספר שקופית 4"/>
@@ -26561,6 +26254,30 @@
           </a:p>
         </p:txBody>
       </p:sp>
+      <p:pic>
+        <p:nvPicPr>
+          <p:cNvPr id="6" name="תמונה 5"/>
+          <p:cNvPicPr>
+            <a:picLocks noChangeAspect="1"/>
+          </p:cNvPicPr>
+          <p:nvPr/>
+        </p:nvPicPr>
+        <p:blipFill>
+          <a:blip r:embed="rId2"/>
+          <a:stretch>
+            <a:fillRect/>
+          </a:stretch>
+        </p:blipFill>
+        <p:spPr>
+          <a:xfrm>
+            <a:off x="4352924" y="3756030"/>
+            <a:ext cx="6523561" cy="2955471"/>
+          </a:xfrm>
+          <a:prstGeom prst="rect">
+            <a:avLst/>
+          </a:prstGeom>
+        </p:spPr>
+      </p:pic>
     </p:spTree>
     <p:extLst>
       <p:ext uri="{BB962C8B-B14F-4D97-AF65-F5344CB8AC3E}">
@@ -27804,7 +27521,12 @@
             <p:ph idx="1"/>
           </p:nvPr>
         </p:nvSpPr>
-        <p:spPr/>
+        <p:spPr>
+          <a:xfrm>
+            <a:off x="2589212" y="1264555"/>
+            <a:ext cx="8915400" cy="3777622"/>
+          </a:xfrm>
+        </p:spPr>
         <p:txBody>
           <a:bodyPr/>
           <a:lstStyle/>
@@ -28276,6 +27998,76 @@
               <a:rPr lang="he-IL" smtClean="0"/>
               <a:t>50</a:t>
             </a:fld>
+            <a:endParaRPr lang="he-IL"/>
+          </a:p>
+        </p:txBody>
+      </p:sp>
+      <p:pic>
+        <p:nvPicPr>
+          <p:cNvPr id="5" name="תמונה 4"/>
+          <p:cNvPicPr>
+            <a:picLocks noChangeAspect="1"/>
+          </p:cNvPicPr>
+          <p:nvPr/>
+        </p:nvPicPr>
+        <p:blipFill>
+          <a:blip r:embed="rId2"/>
+          <a:stretch>
+            <a:fillRect/>
+          </a:stretch>
+        </p:blipFill>
+        <p:spPr>
+          <a:xfrm>
+            <a:off x="6905625" y="4342461"/>
+            <a:ext cx="4598987" cy="2172855"/>
+          </a:xfrm>
+          <a:prstGeom prst="rect">
+            <a:avLst/>
+          </a:prstGeom>
+        </p:spPr>
+      </p:pic>
+      <p:sp>
+        <p:nvSpPr>
+          <p:cNvPr id="6" name="מלבן 5"/>
+          <p:cNvSpPr/>
+          <p:nvPr/>
+        </p:nvSpPr>
+        <p:spPr>
+          <a:xfrm>
+            <a:off x="8928892" y="6257924"/>
+            <a:ext cx="1034257" cy="180975"/>
+          </a:xfrm>
+          <a:prstGeom prst="rect">
+            <a:avLst/>
+          </a:prstGeom>
+          <a:solidFill>
+            <a:schemeClr val="accent5">
+              <a:alpha val="50000"/>
+            </a:schemeClr>
+          </a:solidFill>
+          <a:ln>
+            <a:noFill/>
+          </a:ln>
+        </p:spPr>
+        <p:style>
+          <a:lnRef idx="0">
+            <a:scrgbClr r="0" g="0" b="0"/>
+          </a:lnRef>
+          <a:fillRef idx="0">
+            <a:scrgbClr r="0" g="0" b="0"/>
+          </a:fillRef>
+          <a:effectRef idx="0">
+            <a:scrgbClr r="0" g="0" b="0"/>
+          </a:effectRef>
+          <a:fontRef idx="minor">
+            <a:schemeClr val="lt1"/>
+          </a:fontRef>
+        </p:style>
+        <p:txBody>
+          <a:bodyPr rtlCol="1" anchor="ctr"/>
+          <a:lstStyle/>
+          <a:p>
+            <a:pPr algn="ctr"/>
             <a:endParaRPr lang="he-IL"/>
           </a:p>
         </p:txBody>
@@ -28343,7 +28135,12 @@
             <p:ph idx="1"/>
           </p:nvPr>
         </p:nvSpPr>
-        <p:spPr/>
+        <p:spPr>
+          <a:xfrm>
+            <a:off x="2589212" y="1264555"/>
+            <a:ext cx="8915400" cy="3777622"/>
+          </a:xfrm>
+        </p:spPr>
         <p:txBody>
           <a:bodyPr/>
           <a:lstStyle/>
@@ -28742,6 +28539,30 @@
           </a:p>
         </p:txBody>
       </p:sp>
+      <p:pic>
+        <p:nvPicPr>
+          <p:cNvPr id="5" name="תמונה 4"/>
+          <p:cNvPicPr>
+            <a:picLocks noChangeAspect="1"/>
+          </p:cNvPicPr>
+          <p:nvPr/>
+        </p:nvPicPr>
+        <p:blipFill>
+          <a:blip r:embed="rId2"/>
+          <a:stretch>
+            <a:fillRect/>
+          </a:stretch>
+        </p:blipFill>
+        <p:spPr>
+          <a:xfrm>
+            <a:off x="5924550" y="4553575"/>
+            <a:ext cx="5934642" cy="2056972"/>
+          </a:xfrm>
+          <a:prstGeom prst="rect">
+            <a:avLst/>
+          </a:prstGeom>
+        </p:spPr>
+      </p:pic>
     </p:spTree>
     <p:extLst>
       <p:ext uri="{BB962C8B-B14F-4D97-AF65-F5344CB8AC3E}">

--- a/דוח.pptx
+++ b/דוח.pptx
@@ -248,7 +248,7 @@
           <a:p>
             <a:fld id="{2DEA8680-7476-4086-A959-4F735E12FD63}" type="datetimeFigureOut">
               <a:rPr lang="he-IL" smtClean="0"/>
-              <a:t>כ"ד/סיון/תשפ"ד</a:t>
+              <a:t>י"ט/תמוז/תשפ"ד</a:t>
             </a:fld>
             <a:endParaRPr lang="he-IL"/>
           </a:p>
@@ -704,7 +704,7 @@
           <a:p>
             <a:fld id="{9500D8E4-511F-4579-96DC-10047AB7C0D6}" type="datetime8">
               <a:rPr lang="he-IL" smtClean="0"/>
-              <a:t>30 יוני 24</a:t>
+              <a:t>25 יולי 24</a:t>
             </a:fld>
             <a:endParaRPr lang="he-IL"/>
           </a:p>
@@ -1042,7 +1042,7 @@
           <a:p>
             <a:fld id="{558914CC-00F2-4800-BF9D-007AACDF75D6}" type="datetime8">
               <a:rPr lang="he-IL" smtClean="0"/>
-              <a:t>30 יוני 24</a:t>
+              <a:t>25 יולי 24</a:t>
             </a:fld>
             <a:endParaRPr lang="he-IL"/>
           </a:p>
@@ -1443,7 +1443,7 @@
           <a:p>
             <a:fld id="{69BF0039-8568-41AD-B43D-49F35EB6C30A}" type="datetime8">
               <a:rPr lang="he-IL" smtClean="0"/>
-              <a:t>30 יוני 24</a:t>
+              <a:t>25 יולי 24</a:t>
             </a:fld>
             <a:endParaRPr lang="he-IL"/>
           </a:p>
@@ -1779,7 +1779,7 @@
           <a:p>
             <a:fld id="{41491972-728C-4A7D-BB44-213C0B354F53}" type="datetime8">
               <a:rPr lang="he-IL" smtClean="0"/>
-              <a:t>30 יוני 24</a:t>
+              <a:t>25 יולי 24</a:t>
             </a:fld>
             <a:endParaRPr lang="he-IL"/>
           </a:p>
@@ -2099,7 +2099,7 @@
           <a:p>
             <a:fld id="{2A811B70-189B-4E34-AAD7-C30E5FBE97A0}" type="datetime8">
               <a:rPr lang="he-IL" smtClean="0"/>
-              <a:t>30 יוני 24</a:t>
+              <a:t>25 יולי 24</a:t>
             </a:fld>
             <a:endParaRPr lang="he-IL"/>
           </a:p>
@@ -2495,7 +2495,7 @@
           <a:p>
             <a:fld id="{66EC989E-5DC8-47F3-B1A4-96B5993578C6}" type="datetime8">
               <a:rPr lang="he-IL" smtClean="0"/>
-              <a:t>30 יוני 24</a:t>
+              <a:t>25 יולי 24</a:t>
             </a:fld>
             <a:endParaRPr lang="he-IL"/>
           </a:p>
@@ -2752,7 +2752,7 @@
           <a:p>
             <a:fld id="{4712CDCF-47DF-4E97-81A7-FE2D2F294A13}" type="datetime8">
               <a:rPr lang="he-IL" smtClean="0"/>
-              <a:t>30 יוני 24</a:t>
+              <a:t>25 יולי 24</a:t>
             </a:fld>
             <a:endParaRPr lang="he-IL"/>
           </a:p>
@@ -3014,7 +3014,7 @@
           <a:p>
             <a:fld id="{FA3041A9-0E58-473F-9C58-2F8103802D04}" type="datetime8">
               <a:rPr lang="he-IL" smtClean="0"/>
-              <a:t>30 יוני 24</a:t>
+              <a:t>25 יולי 24</a:t>
             </a:fld>
             <a:endParaRPr lang="he-IL"/>
           </a:p>
@@ -3276,7 +3276,7 @@
           <a:p>
             <a:fld id="{31EDA41F-6FB3-4D55-977F-843350ACD9AA}" type="datetime8">
               <a:rPr lang="he-IL" smtClean="0"/>
-              <a:t>30 יוני 24</a:t>
+              <a:t>25 יולי 24</a:t>
             </a:fld>
             <a:endParaRPr lang="he-IL"/>
           </a:p>
@@ -3605,7 +3605,7 @@
           <a:p>
             <a:fld id="{F3FA36A3-C30F-4CFF-8F2B-B382355DB69E}" type="datetime8">
               <a:rPr lang="he-IL" smtClean="0"/>
-              <a:t>30 יוני 24</a:t>
+              <a:t>25 יולי 24</a:t>
             </a:fld>
             <a:endParaRPr lang="he-IL"/>
           </a:p>
@@ -3928,7 +3928,7 @@
           <a:p>
             <a:fld id="{CE1150C0-A7AD-4D7A-9595-58F9AF97BA88}" type="datetime8">
               <a:rPr lang="he-IL" smtClean="0"/>
-              <a:t>30 יוני 24</a:t>
+              <a:t>25 יולי 24</a:t>
             </a:fld>
             <a:endParaRPr lang="he-IL"/>
           </a:p>
@@ -4385,7 +4385,7 @@
           <a:p>
             <a:fld id="{9A46DF29-3A88-4859-AC27-94C351102B7A}" type="datetime8">
               <a:rPr lang="he-IL" smtClean="0"/>
-              <a:t>30 יוני 24</a:t>
+              <a:t>25 יולי 24</a:t>
             </a:fld>
             <a:endParaRPr lang="he-IL"/>
           </a:p>
@@ -4590,7 +4590,7 @@
           <a:p>
             <a:fld id="{FECD88E1-8377-49D9-BCF0-A3A20B8DA99B}" type="datetime8">
               <a:rPr lang="he-IL" smtClean="0"/>
-              <a:t>30 יוני 24</a:t>
+              <a:t>25 יולי 24</a:t>
             </a:fld>
             <a:endParaRPr lang="he-IL"/>
           </a:p>
@@ -4767,7 +4767,7 @@
           <a:p>
             <a:fld id="{A92D1C51-9795-42B7-8B82-DA1460A453EB}" type="datetime8">
               <a:rPr lang="he-IL" smtClean="0"/>
-              <a:t>30 יוני 24</a:t>
+              <a:t>25 יולי 24</a:t>
             </a:fld>
             <a:endParaRPr lang="he-IL"/>
           </a:p>
@@ -5100,7 +5100,7 @@
           <a:p>
             <a:fld id="{7A7BE2E7-3717-44B0-BB2F-68ABF3BB61A4}" type="datetime8">
               <a:rPr lang="he-IL" smtClean="0"/>
-              <a:t>30 יוני 24</a:t>
+              <a:t>25 יולי 24</a:t>
             </a:fld>
             <a:endParaRPr lang="he-IL"/>
           </a:p>
@@ -5445,7 +5445,7 @@
           <a:p>
             <a:fld id="{B60D8728-5714-4FE5-92DA-F994AD6451D9}" type="datetime8">
               <a:rPr lang="he-IL" smtClean="0"/>
-              <a:t>30 יוני 24</a:t>
+              <a:t>25 יולי 24</a:t>
             </a:fld>
             <a:endParaRPr lang="he-IL"/>
           </a:p>
@@ -7562,7 +7562,7 @@
           <a:p>
             <a:fld id="{D4800A51-FFE9-4672-8094-A03C707AE32D}" type="datetime8">
               <a:rPr lang="he-IL" smtClean="0"/>
-              <a:t>30 יוני 24</a:t>
+              <a:t>25 יולי 24</a:t>
             </a:fld>
             <a:endParaRPr lang="he-IL"/>
           </a:p>
